--- a/road sign recognition.pptx
+++ b/road sign recognition.pptx
@@ -5,17 +5,18 @@
     <p:sldMasterId id="2147483732" r:id="rId1"/>
   </p:sldMasterIdLst>
   <p:notesMasterIdLst>
-    <p:notesMasterId r:id="rId10"/>
+    <p:notesMasterId r:id="rId11"/>
   </p:notesMasterIdLst>
   <p:sldIdLst>
     <p:sldId id="256" r:id="rId2"/>
     <p:sldId id="257" r:id="rId3"/>
     <p:sldId id="258" r:id="rId4"/>
     <p:sldId id="260" r:id="rId5"/>
-    <p:sldId id="262" r:id="rId6"/>
-    <p:sldId id="263" r:id="rId7"/>
-    <p:sldId id="261" r:id="rId8"/>
-    <p:sldId id="259" r:id="rId9"/>
+    <p:sldId id="263" r:id="rId6"/>
+    <p:sldId id="267" r:id="rId7"/>
+    <p:sldId id="268" r:id="rId8"/>
+    <p:sldId id="269" r:id="rId9"/>
+    <p:sldId id="259" r:id="rId10"/>
   </p:sldIdLst>
   <p:sldSz cx="12192000" cy="6858000"/>
   <p:notesSz cx="6858000" cy="9144000"/>
@@ -122,2943 +123,6 @@
 </p:presentation>
 </file>
 
-<file path=ppt/diagrams/colors1.xml><?xml version="1.0" encoding="utf-8"?>
-<dgm:colorsDef xmlns:dgm="http://schemas.openxmlformats.org/drawingml/2006/diagram" xmlns:a="http://schemas.openxmlformats.org/drawingml/2006/main" uniqueId="urn:microsoft.com/office/officeart/2005/8/colors/colorful2">
-  <dgm:title val=""/>
-  <dgm:desc val=""/>
-  <dgm:catLst>
-    <dgm:cat type="colorful" pri="10200"/>
-  </dgm:catLst>
-  <dgm:styleLbl name="node0">
-    <dgm:fillClrLst meth="repeat">
-      <a:schemeClr val="accent1"/>
-    </dgm:fillClrLst>
-    <dgm:linClrLst meth="repeat">
-      <a:schemeClr val="lt1"/>
-    </dgm:linClrLst>
-    <dgm:effectClrLst/>
-    <dgm:txLinClrLst/>
-    <dgm:txFillClrLst/>
-    <dgm:txEffectClrLst/>
-  </dgm:styleLbl>
-  <dgm:styleLbl name="node1">
-    <dgm:fillClrLst>
-      <a:schemeClr val="accent2"/>
-      <a:schemeClr val="accent3"/>
-    </dgm:fillClrLst>
-    <dgm:linClrLst meth="repeat">
-      <a:schemeClr val="lt1"/>
-    </dgm:linClrLst>
-    <dgm:effectClrLst/>
-    <dgm:txLinClrLst/>
-    <dgm:txFillClrLst/>
-    <dgm:txEffectClrLst/>
-  </dgm:styleLbl>
-  <dgm:styleLbl name="alignNode1">
-    <dgm:fillClrLst>
-      <a:schemeClr val="accent2"/>
-      <a:schemeClr val="accent3"/>
-    </dgm:fillClrLst>
-    <dgm:linClrLst>
-      <a:schemeClr val="accent2"/>
-      <a:schemeClr val="accent3"/>
-    </dgm:linClrLst>
-    <dgm:effectClrLst/>
-    <dgm:txLinClrLst/>
-    <dgm:txFillClrLst/>
-    <dgm:txEffectClrLst/>
-  </dgm:styleLbl>
-  <dgm:styleLbl name="lnNode1">
-    <dgm:fillClrLst>
-      <a:schemeClr val="accent2"/>
-      <a:schemeClr val="accent3"/>
-    </dgm:fillClrLst>
-    <dgm:linClrLst meth="repeat">
-      <a:schemeClr val="lt1"/>
-    </dgm:linClrLst>
-    <dgm:effectClrLst/>
-    <dgm:txLinClrLst/>
-    <dgm:txFillClrLst/>
-    <dgm:txEffectClrLst/>
-  </dgm:styleLbl>
-  <dgm:styleLbl name="vennNode1">
-    <dgm:fillClrLst>
-      <a:schemeClr val="accent2">
-        <a:alpha val="50000"/>
-      </a:schemeClr>
-      <a:schemeClr val="accent3">
-        <a:alpha val="50000"/>
-      </a:schemeClr>
-    </dgm:fillClrLst>
-    <dgm:linClrLst meth="repeat">
-      <a:schemeClr val="lt1"/>
-    </dgm:linClrLst>
-    <dgm:effectClrLst/>
-    <dgm:txLinClrLst/>
-    <dgm:txFillClrLst/>
-    <dgm:txEffectClrLst/>
-  </dgm:styleLbl>
-  <dgm:styleLbl name="node2">
-    <dgm:fillClrLst>
-      <a:schemeClr val="accent3"/>
-    </dgm:fillClrLst>
-    <dgm:linClrLst meth="repeat">
-      <a:schemeClr val="lt1"/>
-    </dgm:linClrLst>
-    <dgm:effectClrLst/>
-    <dgm:txLinClrLst/>
-    <dgm:txFillClrLst/>
-    <dgm:txEffectClrLst/>
-  </dgm:styleLbl>
-  <dgm:styleLbl name="node3">
-    <dgm:fillClrLst>
-      <a:schemeClr val="accent4"/>
-    </dgm:fillClrLst>
-    <dgm:linClrLst meth="repeat">
-      <a:schemeClr val="lt1"/>
-    </dgm:linClrLst>
-    <dgm:effectClrLst/>
-    <dgm:txLinClrLst/>
-    <dgm:txFillClrLst/>
-    <dgm:txEffectClrLst/>
-  </dgm:styleLbl>
-  <dgm:styleLbl name="node4">
-    <dgm:fillClrLst>
-      <a:schemeClr val="accent5"/>
-    </dgm:fillClrLst>
-    <dgm:linClrLst meth="repeat">
-      <a:schemeClr val="lt1"/>
-    </dgm:linClrLst>
-    <dgm:effectClrLst/>
-    <dgm:txLinClrLst/>
-    <dgm:txFillClrLst/>
-    <dgm:txEffectClrLst/>
-  </dgm:styleLbl>
-  <dgm:styleLbl name="fgImgPlace1">
-    <dgm:fillClrLst>
-      <a:schemeClr val="accent2">
-        <a:tint val="50000"/>
-      </a:schemeClr>
-      <a:schemeClr val="accent3">
-        <a:tint val="50000"/>
-      </a:schemeClr>
-    </dgm:fillClrLst>
-    <dgm:linClrLst meth="repeat">
-      <a:schemeClr val="lt1"/>
-    </dgm:linClrLst>
-    <dgm:effectClrLst/>
-    <dgm:txLinClrLst/>
-    <dgm:txFillClrLst meth="repeat">
-      <a:schemeClr val="lt1"/>
-    </dgm:txFillClrLst>
-    <dgm:txEffectClrLst/>
-  </dgm:styleLbl>
-  <dgm:styleLbl name="alignImgPlace1">
-    <dgm:fillClrLst>
-      <a:schemeClr val="accent2">
-        <a:tint val="50000"/>
-      </a:schemeClr>
-      <a:schemeClr val="accent3">
-        <a:tint val="20000"/>
-      </a:schemeClr>
-    </dgm:fillClrLst>
-    <dgm:linClrLst meth="repeat">
-      <a:schemeClr val="lt1"/>
-    </dgm:linClrLst>
-    <dgm:effectClrLst/>
-    <dgm:txLinClrLst/>
-    <dgm:txFillClrLst meth="repeat">
-      <a:schemeClr val="lt1"/>
-    </dgm:txFillClrLst>
-    <dgm:txEffectClrLst/>
-  </dgm:styleLbl>
-  <dgm:styleLbl name="bgImgPlace1">
-    <dgm:fillClrLst>
-      <a:schemeClr val="accent2">
-        <a:tint val="50000"/>
-      </a:schemeClr>
-      <a:schemeClr val="accent3">
-        <a:tint val="20000"/>
-      </a:schemeClr>
-    </dgm:fillClrLst>
-    <dgm:linClrLst meth="repeat">
-      <a:schemeClr val="lt1"/>
-    </dgm:linClrLst>
-    <dgm:effectClrLst/>
-    <dgm:txLinClrLst/>
-    <dgm:txFillClrLst meth="repeat">
-      <a:schemeClr val="lt1"/>
-    </dgm:txFillClrLst>
-    <dgm:txEffectClrLst/>
-  </dgm:styleLbl>
-  <dgm:styleLbl name="sibTrans2D1">
-    <dgm:fillClrLst>
-      <a:schemeClr val="accent2"/>
-      <a:schemeClr val="accent3"/>
-    </dgm:fillClrLst>
-    <dgm:linClrLst meth="repeat">
-      <a:schemeClr val="lt1"/>
-    </dgm:linClrLst>
-    <dgm:effectClrLst/>
-    <dgm:txLinClrLst/>
-    <dgm:txFillClrLst/>
-    <dgm:txEffectClrLst/>
-  </dgm:styleLbl>
-  <dgm:styleLbl name="fgSibTrans2D1">
-    <dgm:fillClrLst>
-      <a:schemeClr val="accent2"/>
-      <a:schemeClr val="accent3"/>
-    </dgm:fillClrLst>
-    <dgm:linClrLst meth="repeat">
-      <a:schemeClr val="lt1"/>
-    </dgm:linClrLst>
-    <dgm:effectClrLst/>
-    <dgm:txLinClrLst/>
-    <dgm:txFillClrLst meth="repeat">
-      <a:schemeClr val="lt1"/>
-    </dgm:txFillClrLst>
-    <dgm:txEffectClrLst/>
-  </dgm:styleLbl>
-  <dgm:styleLbl name="bgSibTrans2D1">
-    <dgm:fillClrLst>
-      <a:schemeClr val="accent2"/>
-      <a:schemeClr val="accent3"/>
-    </dgm:fillClrLst>
-    <dgm:linClrLst meth="repeat">
-      <a:schemeClr val="lt1"/>
-    </dgm:linClrLst>
-    <dgm:effectClrLst/>
-    <dgm:txLinClrLst/>
-    <dgm:txFillClrLst meth="repeat">
-      <a:schemeClr val="lt1"/>
-    </dgm:txFillClrLst>
-    <dgm:txEffectClrLst/>
-  </dgm:styleLbl>
-  <dgm:styleLbl name="sibTrans1D1">
-    <dgm:fillClrLst/>
-    <dgm:linClrLst>
-      <a:schemeClr val="accent2"/>
-      <a:schemeClr val="accent3"/>
-    </dgm:linClrLst>
-    <dgm:effectClrLst/>
-    <dgm:txLinClrLst/>
-    <dgm:txFillClrLst meth="repeat">
-      <a:schemeClr val="tx1"/>
-    </dgm:txFillClrLst>
-    <dgm:txEffectClrLst/>
-  </dgm:styleLbl>
-  <dgm:styleLbl name="callout">
-    <dgm:fillClrLst meth="repeat">
-      <a:schemeClr val="accent2"/>
-    </dgm:fillClrLst>
-    <dgm:linClrLst meth="repeat">
-      <a:schemeClr val="accent2">
-        <a:tint val="50000"/>
-      </a:schemeClr>
-    </dgm:linClrLst>
-    <dgm:effectClrLst/>
-    <dgm:txLinClrLst/>
-    <dgm:txFillClrLst meth="repeat">
-      <a:schemeClr val="tx1"/>
-    </dgm:txFillClrLst>
-    <dgm:txEffectClrLst/>
-  </dgm:styleLbl>
-  <dgm:styleLbl name="asst0">
-    <dgm:fillClrLst meth="repeat">
-      <a:schemeClr val="accent2"/>
-    </dgm:fillClrLst>
-    <dgm:linClrLst meth="repeat">
-      <a:schemeClr val="lt1">
-        <a:shade val="80000"/>
-      </a:schemeClr>
-    </dgm:linClrLst>
-    <dgm:effectClrLst/>
-    <dgm:txLinClrLst/>
-    <dgm:txFillClrLst/>
-    <dgm:txEffectClrLst/>
-  </dgm:styleLbl>
-  <dgm:styleLbl name="asst1">
-    <dgm:fillClrLst meth="repeat">
-      <a:schemeClr val="accent3"/>
-    </dgm:fillClrLst>
-    <dgm:linClrLst meth="repeat">
-      <a:schemeClr val="lt1">
-        <a:shade val="80000"/>
-      </a:schemeClr>
-    </dgm:linClrLst>
-    <dgm:effectClrLst/>
-    <dgm:txLinClrLst/>
-    <dgm:txFillClrLst/>
-    <dgm:txEffectClrLst/>
-  </dgm:styleLbl>
-  <dgm:styleLbl name="asst2">
-    <dgm:fillClrLst>
-      <a:schemeClr val="accent4"/>
-    </dgm:fillClrLst>
-    <dgm:linClrLst meth="repeat">
-      <a:schemeClr val="lt1"/>
-    </dgm:linClrLst>
-    <dgm:effectClrLst/>
-    <dgm:txLinClrLst/>
-    <dgm:txFillClrLst/>
-    <dgm:txEffectClrLst/>
-  </dgm:styleLbl>
-  <dgm:styleLbl name="asst3">
-    <dgm:fillClrLst>
-      <a:schemeClr val="accent5"/>
-    </dgm:fillClrLst>
-    <dgm:linClrLst meth="repeat">
-      <a:schemeClr val="lt1"/>
-    </dgm:linClrLst>
-    <dgm:effectClrLst/>
-    <dgm:txLinClrLst/>
-    <dgm:txFillClrLst/>
-    <dgm:txEffectClrLst/>
-  </dgm:styleLbl>
-  <dgm:styleLbl name="asst4">
-    <dgm:fillClrLst>
-      <a:schemeClr val="accent6"/>
-    </dgm:fillClrLst>
-    <dgm:linClrLst meth="repeat">
-      <a:schemeClr val="lt1"/>
-    </dgm:linClrLst>
-    <dgm:effectClrLst/>
-    <dgm:txLinClrLst/>
-    <dgm:txFillClrLst/>
-    <dgm:txEffectClrLst/>
-  </dgm:styleLbl>
-  <dgm:styleLbl name="parChTrans2D1">
-    <dgm:fillClrLst meth="repeat">
-      <a:schemeClr val="accent2"/>
-    </dgm:fillClrLst>
-    <dgm:linClrLst meth="repeat">
-      <a:schemeClr val="lt1"/>
-    </dgm:linClrLst>
-    <dgm:effectClrLst/>
-    <dgm:txLinClrLst/>
-    <dgm:txFillClrLst meth="repeat">
-      <a:schemeClr val="lt1"/>
-    </dgm:txFillClrLst>
-    <dgm:txEffectClrLst/>
-  </dgm:styleLbl>
-  <dgm:styleLbl name="parChTrans2D2">
-    <dgm:fillClrLst meth="repeat">
-      <a:schemeClr val="accent3"/>
-    </dgm:fillClrLst>
-    <dgm:linClrLst meth="repeat">
-      <a:schemeClr val="lt1"/>
-    </dgm:linClrLst>
-    <dgm:effectClrLst/>
-    <dgm:txLinClrLst/>
-    <dgm:txFillClrLst/>
-    <dgm:txEffectClrLst/>
-  </dgm:styleLbl>
-  <dgm:styleLbl name="parChTrans2D3">
-    <dgm:fillClrLst meth="repeat">
-      <a:schemeClr val="accent4"/>
-    </dgm:fillClrLst>
-    <dgm:linClrLst meth="repeat">
-      <a:schemeClr val="lt1"/>
-    </dgm:linClrLst>
-    <dgm:effectClrLst/>
-    <dgm:txLinClrLst/>
-    <dgm:txFillClrLst/>
-    <dgm:txEffectClrLst/>
-  </dgm:styleLbl>
-  <dgm:styleLbl name="parChTrans2D4">
-    <dgm:fillClrLst meth="repeat">
-      <a:schemeClr val="accent5"/>
-    </dgm:fillClrLst>
-    <dgm:linClrLst meth="repeat">
-      <a:schemeClr val="lt1"/>
-    </dgm:linClrLst>
-    <dgm:effectClrLst/>
-    <dgm:txLinClrLst/>
-    <dgm:txFillClrLst meth="repeat">
-      <a:schemeClr val="lt1"/>
-    </dgm:txFillClrLst>
-    <dgm:txEffectClrLst/>
-  </dgm:styleLbl>
-  <dgm:styleLbl name="parChTrans1D1">
-    <dgm:fillClrLst meth="repeat">
-      <a:schemeClr val="accent2"/>
-    </dgm:fillClrLst>
-    <dgm:linClrLst meth="repeat">
-      <a:schemeClr val="accent2"/>
-    </dgm:linClrLst>
-    <dgm:effectClrLst/>
-    <dgm:txLinClrLst/>
-    <dgm:txFillClrLst meth="repeat">
-      <a:schemeClr val="tx1"/>
-    </dgm:txFillClrLst>
-    <dgm:txEffectClrLst/>
-  </dgm:styleLbl>
-  <dgm:styleLbl name="parChTrans1D2">
-    <dgm:fillClrLst meth="repeat">
-      <a:schemeClr val="accent2">
-        <a:tint val="90000"/>
-      </a:schemeClr>
-    </dgm:fillClrLst>
-    <dgm:linClrLst meth="repeat">
-      <a:schemeClr val="accent3"/>
-    </dgm:linClrLst>
-    <dgm:effectClrLst/>
-    <dgm:txLinClrLst/>
-    <dgm:txFillClrLst meth="repeat">
-      <a:schemeClr val="tx1"/>
-    </dgm:txFillClrLst>
-    <dgm:txEffectClrLst/>
-  </dgm:styleLbl>
-  <dgm:styleLbl name="parChTrans1D3">
-    <dgm:fillClrLst meth="repeat">
-      <a:schemeClr val="accent2">
-        <a:tint val="70000"/>
-      </a:schemeClr>
-    </dgm:fillClrLst>
-    <dgm:linClrLst meth="repeat">
-      <a:schemeClr val="accent4"/>
-    </dgm:linClrLst>
-    <dgm:effectClrLst/>
-    <dgm:txLinClrLst/>
-    <dgm:txFillClrLst meth="repeat">
-      <a:schemeClr val="tx1"/>
-    </dgm:txFillClrLst>
-    <dgm:txEffectClrLst/>
-  </dgm:styleLbl>
-  <dgm:styleLbl name="parChTrans1D4">
-    <dgm:fillClrLst meth="repeat">
-      <a:schemeClr val="accent2">
-        <a:tint val="50000"/>
-      </a:schemeClr>
-    </dgm:fillClrLst>
-    <dgm:linClrLst meth="repeat">
-      <a:schemeClr val="accent5"/>
-    </dgm:linClrLst>
-    <dgm:effectClrLst/>
-    <dgm:txLinClrLst/>
-    <dgm:txFillClrLst meth="repeat">
-      <a:schemeClr val="tx1"/>
-    </dgm:txFillClrLst>
-    <dgm:txEffectClrLst/>
-  </dgm:styleLbl>
-  <dgm:styleLbl name="fgAcc1">
-    <dgm:fillClrLst meth="repeat">
-      <a:schemeClr val="lt1">
-        <a:alpha val="90000"/>
-      </a:schemeClr>
-    </dgm:fillClrLst>
-    <dgm:linClrLst>
-      <a:schemeClr val="accent2"/>
-      <a:schemeClr val="accent3"/>
-    </dgm:linClrLst>
-    <dgm:effectClrLst/>
-    <dgm:txLinClrLst/>
-    <dgm:txFillClrLst meth="repeat">
-      <a:schemeClr val="dk1"/>
-    </dgm:txFillClrLst>
-    <dgm:txEffectClrLst/>
-  </dgm:styleLbl>
-  <dgm:styleLbl name="conFgAcc1">
-    <dgm:fillClrLst meth="repeat">
-      <a:schemeClr val="lt1">
-        <a:alpha val="90000"/>
-      </a:schemeClr>
-    </dgm:fillClrLst>
-    <dgm:linClrLst>
-      <a:schemeClr val="accent2"/>
-      <a:schemeClr val="accent3"/>
-    </dgm:linClrLst>
-    <dgm:effectClrLst/>
-    <dgm:txLinClrLst/>
-    <dgm:txFillClrLst meth="repeat">
-      <a:schemeClr val="dk1"/>
-    </dgm:txFillClrLst>
-    <dgm:txEffectClrLst/>
-  </dgm:styleLbl>
-  <dgm:styleLbl name="alignAcc1">
-    <dgm:fillClrLst meth="repeat">
-      <a:schemeClr val="lt1">
-        <a:alpha val="90000"/>
-      </a:schemeClr>
-    </dgm:fillClrLst>
-    <dgm:linClrLst>
-      <a:schemeClr val="accent2"/>
-      <a:schemeClr val="accent3"/>
-    </dgm:linClrLst>
-    <dgm:effectClrLst/>
-    <dgm:txLinClrLst/>
-    <dgm:txFillClrLst meth="repeat">
-      <a:schemeClr val="dk1"/>
-    </dgm:txFillClrLst>
-    <dgm:txEffectClrLst/>
-  </dgm:styleLbl>
-  <dgm:styleLbl name="trAlignAcc1">
-    <dgm:fillClrLst meth="repeat">
-      <a:schemeClr val="lt1">
-        <a:alpha val="40000"/>
-      </a:schemeClr>
-    </dgm:fillClrLst>
-    <dgm:linClrLst meth="repeat">
-      <a:schemeClr val="accent2"/>
-    </dgm:linClrLst>
-    <dgm:effectClrLst/>
-    <dgm:txLinClrLst/>
-    <dgm:txFillClrLst meth="repeat">
-      <a:schemeClr val="dk1"/>
-    </dgm:txFillClrLst>
-    <dgm:txEffectClrLst/>
-  </dgm:styleLbl>
-  <dgm:styleLbl name="bgAcc1">
-    <dgm:fillClrLst meth="repeat">
-      <a:schemeClr val="lt1">
-        <a:alpha val="90000"/>
-      </a:schemeClr>
-    </dgm:fillClrLst>
-    <dgm:linClrLst>
-      <a:schemeClr val="accent2"/>
-      <a:schemeClr val="accent3"/>
-    </dgm:linClrLst>
-    <dgm:effectClrLst/>
-    <dgm:txLinClrLst/>
-    <dgm:txFillClrLst meth="repeat">
-      <a:schemeClr val="dk1"/>
-    </dgm:txFillClrLst>
-    <dgm:txEffectClrLst/>
-  </dgm:styleLbl>
-  <dgm:styleLbl name="solidFgAcc1">
-    <dgm:fillClrLst meth="repeat">
-      <a:schemeClr val="lt1"/>
-    </dgm:fillClrLst>
-    <dgm:linClrLst>
-      <a:schemeClr val="accent2"/>
-      <a:schemeClr val="accent3"/>
-    </dgm:linClrLst>
-    <dgm:effectClrLst/>
-    <dgm:txLinClrLst/>
-    <dgm:txFillClrLst meth="repeat">
-      <a:schemeClr val="dk1"/>
-    </dgm:txFillClrLst>
-    <dgm:txEffectClrLst/>
-  </dgm:styleLbl>
-  <dgm:styleLbl name="solidAlignAcc1">
-    <dgm:fillClrLst meth="repeat">
-      <a:schemeClr val="lt1"/>
-    </dgm:fillClrLst>
-    <dgm:linClrLst>
-      <a:schemeClr val="accent2"/>
-      <a:schemeClr val="accent3"/>
-    </dgm:linClrLst>
-    <dgm:effectClrLst/>
-    <dgm:txLinClrLst/>
-    <dgm:txFillClrLst meth="repeat">
-      <a:schemeClr val="dk1"/>
-    </dgm:txFillClrLst>
-    <dgm:txEffectClrLst/>
-  </dgm:styleLbl>
-  <dgm:styleLbl name="solidBgAcc1">
-    <dgm:fillClrLst meth="repeat">
-      <a:schemeClr val="lt1"/>
-    </dgm:fillClrLst>
-    <dgm:linClrLst>
-      <a:schemeClr val="accent2"/>
-      <a:schemeClr val="accent3"/>
-    </dgm:linClrLst>
-    <dgm:effectClrLst/>
-    <dgm:txLinClrLst/>
-    <dgm:txFillClrLst meth="repeat">
-      <a:schemeClr val="dk1"/>
-    </dgm:txFillClrLst>
-    <dgm:txEffectClrLst/>
-  </dgm:styleLbl>
-  <dgm:styleLbl name="fgAccFollowNode1">
-    <dgm:fillClrLst>
-      <a:schemeClr val="accent2">
-        <a:tint val="40000"/>
-        <a:alpha val="90000"/>
-      </a:schemeClr>
-      <a:schemeClr val="accent3">
-        <a:tint val="40000"/>
-        <a:alpha val="90000"/>
-      </a:schemeClr>
-    </dgm:fillClrLst>
-    <dgm:linClrLst>
-      <a:schemeClr val="accent2">
-        <a:tint val="40000"/>
-        <a:alpha val="90000"/>
-      </a:schemeClr>
-      <a:schemeClr val="accent3">
-        <a:tint val="40000"/>
-        <a:alpha val="90000"/>
-      </a:schemeClr>
-    </dgm:linClrLst>
-    <dgm:effectClrLst/>
-    <dgm:txLinClrLst/>
-    <dgm:txFillClrLst meth="repeat">
-      <a:schemeClr val="dk1"/>
-    </dgm:txFillClrLst>
-    <dgm:txEffectClrLst/>
-  </dgm:styleLbl>
-  <dgm:styleLbl name="alignAccFollowNode1">
-    <dgm:fillClrLst>
-      <a:schemeClr val="accent2">
-        <a:tint val="40000"/>
-        <a:alpha val="90000"/>
-      </a:schemeClr>
-      <a:schemeClr val="accent3">
-        <a:tint val="40000"/>
-        <a:alpha val="90000"/>
-      </a:schemeClr>
-    </dgm:fillClrLst>
-    <dgm:linClrLst>
-      <a:schemeClr val="accent2">
-        <a:tint val="40000"/>
-        <a:alpha val="90000"/>
-      </a:schemeClr>
-      <a:schemeClr val="accent3">
-        <a:tint val="40000"/>
-        <a:alpha val="90000"/>
-      </a:schemeClr>
-    </dgm:linClrLst>
-    <dgm:effectClrLst/>
-    <dgm:txLinClrLst/>
-    <dgm:txFillClrLst meth="repeat">
-      <a:schemeClr val="dk1"/>
-    </dgm:txFillClrLst>
-    <dgm:txEffectClrLst/>
-  </dgm:styleLbl>
-  <dgm:styleLbl name="bgAccFollowNode1">
-    <dgm:fillClrLst>
-      <a:schemeClr val="accent2">
-        <a:tint val="40000"/>
-        <a:alpha val="90000"/>
-      </a:schemeClr>
-      <a:schemeClr val="accent3">
-        <a:tint val="40000"/>
-        <a:alpha val="90000"/>
-      </a:schemeClr>
-    </dgm:fillClrLst>
-    <dgm:linClrLst>
-      <a:schemeClr val="accent2">
-        <a:tint val="40000"/>
-        <a:alpha val="90000"/>
-      </a:schemeClr>
-      <a:schemeClr val="accent3">
-        <a:tint val="40000"/>
-        <a:alpha val="90000"/>
-      </a:schemeClr>
-    </dgm:linClrLst>
-    <dgm:effectClrLst/>
-    <dgm:txLinClrLst/>
-    <dgm:txFillClrLst meth="repeat">
-      <a:schemeClr val="dk1"/>
-    </dgm:txFillClrLst>
-    <dgm:txEffectClrLst/>
-  </dgm:styleLbl>
-  <dgm:styleLbl name="fgAcc0">
-    <dgm:fillClrLst meth="repeat">
-      <a:schemeClr val="lt1">
-        <a:alpha val="90000"/>
-      </a:schemeClr>
-    </dgm:fillClrLst>
-    <dgm:linClrLst>
-      <a:schemeClr val="accent1"/>
-    </dgm:linClrLst>
-    <dgm:effectClrLst/>
-    <dgm:txLinClrLst/>
-    <dgm:txFillClrLst meth="repeat">
-      <a:schemeClr val="dk1"/>
-    </dgm:txFillClrLst>
-    <dgm:txEffectClrLst/>
-  </dgm:styleLbl>
-  <dgm:styleLbl name="fgAcc2">
-    <dgm:fillClrLst meth="repeat">
-      <a:schemeClr val="lt1">
-        <a:alpha val="90000"/>
-      </a:schemeClr>
-    </dgm:fillClrLst>
-    <dgm:linClrLst>
-      <a:schemeClr val="accent3"/>
-    </dgm:linClrLst>
-    <dgm:effectClrLst/>
-    <dgm:txLinClrLst/>
-    <dgm:txFillClrLst meth="repeat">
-      <a:schemeClr val="dk1"/>
-    </dgm:txFillClrLst>
-    <dgm:txEffectClrLst/>
-  </dgm:styleLbl>
-  <dgm:styleLbl name="fgAcc3">
-    <dgm:fillClrLst meth="repeat">
-      <a:schemeClr val="lt1">
-        <a:alpha val="90000"/>
-      </a:schemeClr>
-    </dgm:fillClrLst>
-    <dgm:linClrLst>
-      <a:schemeClr val="accent4"/>
-    </dgm:linClrLst>
-    <dgm:effectClrLst/>
-    <dgm:txLinClrLst/>
-    <dgm:txFillClrLst meth="repeat">
-      <a:schemeClr val="dk1"/>
-    </dgm:txFillClrLst>
-    <dgm:txEffectClrLst/>
-  </dgm:styleLbl>
-  <dgm:styleLbl name="fgAcc4">
-    <dgm:fillClrLst meth="repeat">
-      <a:schemeClr val="lt1">
-        <a:alpha val="90000"/>
-      </a:schemeClr>
-    </dgm:fillClrLst>
-    <dgm:linClrLst>
-      <a:schemeClr val="accent5"/>
-    </dgm:linClrLst>
-    <dgm:effectClrLst/>
-    <dgm:txLinClrLst/>
-    <dgm:txFillClrLst meth="repeat">
-      <a:schemeClr val="dk1"/>
-    </dgm:txFillClrLst>
-    <dgm:txEffectClrLst/>
-  </dgm:styleLbl>
-  <dgm:styleLbl name="bgShp">
-    <dgm:fillClrLst meth="repeat">
-      <a:schemeClr val="accent2">
-        <a:tint val="40000"/>
-      </a:schemeClr>
-    </dgm:fillClrLst>
-    <dgm:linClrLst meth="repeat">
-      <a:schemeClr val="dk1"/>
-    </dgm:linClrLst>
-    <dgm:effectClrLst/>
-    <dgm:txLinClrLst/>
-    <dgm:txFillClrLst meth="repeat">
-      <a:schemeClr val="dk1"/>
-    </dgm:txFillClrLst>
-    <dgm:txEffectClrLst/>
-  </dgm:styleLbl>
-  <dgm:styleLbl name="dkBgShp">
-    <dgm:fillClrLst meth="repeat">
-      <a:schemeClr val="accent2">
-        <a:shade val="90000"/>
-      </a:schemeClr>
-    </dgm:fillClrLst>
-    <dgm:linClrLst meth="repeat">
-      <a:schemeClr val="dk1"/>
-    </dgm:linClrLst>
-    <dgm:effectClrLst/>
-    <dgm:txLinClrLst/>
-    <dgm:txFillClrLst meth="repeat">
-      <a:schemeClr val="lt1"/>
-    </dgm:txFillClrLst>
-    <dgm:txEffectClrLst/>
-  </dgm:styleLbl>
-  <dgm:styleLbl name="trBgShp">
-    <dgm:fillClrLst meth="repeat">
-      <a:schemeClr val="accent2">
-        <a:tint val="50000"/>
-        <a:alpha val="40000"/>
-      </a:schemeClr>
-    </dgm:fillClrLst>
-    <dgm:linClrLst meth="repeat">
-      <a:schemeClr val="accent2"/>
-    </dgm:linClrLst>
-    <dgm:effectClrLst/>
-    <dgm:txLinClrLst/>
-    <dgm:txFillClrLst meth="repeat">
-      <a:schemeClr val="lt1"/>
-    </dgm:txFillClrLst>
-    <dgm:txEffectClrLst/>
-  </dgm:styleLbl>
-  <dgm:styleLbl name="fgShp">
-    <dgm:fillClrLst meth="repeat">
-      <a:schemeClr val="accent2">
-        <a:tint val="40000"/>
-      </a:schemeClr>
-    </dgm:fillClrLst>
-    <dgm:linClrLst meth="repeat">
-      <a:schemeClr val="lt1"/>
-    </dgm:linClrLst>
-    <dgm:effectClrLst/>
-    <dgm:txLinClrLst/>
-    <dgm:txFillClrLst meth="repeat">
-      <a:schemeClr val="dk1"/>
-    </dgm:txFillClrLst>
-    <dgm:txEffectClrLst/>
-  </dgm:styleLbl>
-  <dgm:styleLbl name="revTx">
-    <dgm:fillClrLst meth="repeat">
-      <a:schemeClr val="lt1">
-        <a:alpha val="0"/>
-      </a:schemeClr>
-    </dgm:fillClrLst>
-    <dgm:linClrLst meth="repeat">
-      <a:schemeClr val="dk1">
-        <a:alpha val="0"/>
-      </a:schemeClr>
-    </dgm:linClrLst>
-    <dgm:effectClrLst/>
-    <dgm:txLinClrLst/>
-    <dgm:txFillClrLst meth="repeat">
-      <a:schemeClr val="tx1"/>
-    </dgm:txFillClrLst>
-    <dgm:txEffectClrLst/>
-  </dgm:styleLbl>
-</dgm:colorsDef>
-</file>
-
-<file path=ppt/diagrams/data1.xml><?xml version="1.0" encoding="utf-8"?>
-<dgm:dataModel xmlns:dgm="http://schemas.openxmlformats.org/drawingml/2006/diagram" xmlns:a="http://schemas.openxmlformats.org/drawingml/2006/main">
-  <dgm:ptLst>
-    <dgm:pt modelId="{CF0E9C0E-7E1E-41EB-8B0C-1A5873A206DC}" type="doc">
-      <dgm:prSet loTypeId="urn:microsoft.com/office/officeart/2008/layout/LinedList" loCatId="list" qsTypeId="urn:microsoft.com/office/officeart/2005/8/quickstyle/simple4" qsCatId="simple" csTypeId="urn:microsoft.com/office/officeart/2005/8/colors/colorful2" csCatId="colorful" phldr="1"/>
-      <dgm:spPr/>
-      <dgm:t>
-        <a:bodyPr/>
-        <a:lstStyle/>
-        <a:p>
-          <a:endParaRPr lang="en-US"/>
-        </a:p>
-      </dgm:t>
-    </dgm:pt>
-    <dgm:pt modelId="{D0E39B73-E605-4BB5-B056-7E384A2B2982}">
-      <dgm:prSet/>
-      <dgm:spPr/>
-      <dgm:t>
-        <a:bodyPr/>
-        <a:lstStyle/>
-        <a:p>
-          <a:r>
-            <a:rPr lang="it-IT" dirty="0"/>
-            <a:t>Data reading and </a:t>
-          </a:r>
-          <a:r>
-            <a:rPr lang="it-IT" dirty="0" err="1"/>
-            <a:t>preprocessing</a:t>
-          </a:r>
-          <a:endParaRPr lang="en-US" dirty="0"/>
-        </a:p>
-      </dgm:t>
-    </dgm:pt>
-    <dgm:pt modelId="{3CC7DAA5-2302-4703-912A-3BE6A2E309D4}" type="parTrans" cxnId="{2C3BC4D6-9672-4428-AF68-6B951E93B166}">
-      <dgm:prSet/>
-      <dgm:spPr/>
-      <dgm:t>
-        <a:bodyPr/>
-        <a:lstStyle/>
-        <a:p>
-          <a:endParaRPr lang="en-US"/>
-        </a:p>
-      </dgm:t>
-    </dgm:pt>
-    <dgm:pt modelId="{BA385A18-4FF0-48C8-AA1B-C6830FF8A770}" type="sibTrans" cxnId="{2C3BC4D6-9672-4428-AF68-6B951E93B166}">
-      <dgm:prSet/>
-      <dgm:spPr/>
-      <dgm:t>
-        <a:bodyPr/>
-        <a:lstStyle/>
-        <a:p>
-          <a:endParaRPr lang="en-US"/>
-        </a:p>
-      </dgm:t>
-    </dgm:pt>
-    <dgm:pt modelId="{716E34C3-2DB7-4C10-B117-46286C9077C2}">
-      <dgm:prSet/>
-      <dgm:spPr/>
-      <dgm:t>
-        <a:bodyPr/>
-        <a:lstStyle/>
-        <a:p>
-          <a:r>
-            <a:rPr lang="it-IT"/>
-            <a:t>CNN network using different layers</a:t>
-          </a:r>
-          <a:endParaRPr lang="en-US"/>
-        </a:p>
-      </dgm:t>
-    </dgm:pt>
-    <dgm:pt modelId="{148D9EAE-9B08-49E7-ABDD-9C587E24AAA3}" type="parTrans" cxnId="{7790AE37-E8FC-463F-9D4F-60860654F528}">
-      <dgm:prSet/>
-      <dgm:spPr/>
-      <dgm:t>
-        <a:bodyPr/>
-        <a:lstStyle/>
-        <a:p>
-          <a:endParaRPr lang="en-US"/>
-        </a:p>
-      </dgm:t>
-    </dgm:pt>
-    <dgm:pt modelId="{107B9BA1-E31A-4E91-94B3-E85869D92158}" type="sibTrans" cxnId="{7790AE37-E8FC-463F-9D4F-60860654F528}">
-      <dgm:prSet/>
-      <dgm:spPr/>
-      <dgm:t>
-        <a:bodyPr/>
-        <a:lstStyle/>
-        <a:p>
-          <a:endParaRPr lang="en-US"/>
-        </a:p>
-      </dgm:t>
-    </dgm:pt>
-    <dgm:pt modelId="{A6970332-102C-4AE7-A7AC-453AB96AFDA7}">
-      <dgm:prSet/>
-      <dgm:spPr/>
-      <dgm:t>
-        <a:bodyPr/>
-        <a:lstStyle/>
-        <a:p>
-          <a:r>
-            <a:rPr lang="it-IT"/>
-            <a:t>Traning CNN with our dataset and saving best model based on testing accuracy</a:t>
-          </a:r>
-          <a:endParaRPr lang="en-US"/>
-        </a:p>
-      </dgm:t>
-    </dgm:pt>
-    <dgm:pt modelId="{CCF30623-49DC-4A2F-8E3F-17A90136A4E5}" type="parTrans" cxnId="{DF9BE473-611F-489A-8F16-3FA40ECED94C}">
-      <dgm:prSet/>
-      <dgm:spPr/>
-      <dgm:t>
-        <a:bodyPr/>
-        <a:lstStyle/>
-        <a:p>
-          <a:endParaRPr lang="en-US"/>
-        </a:p>
-      </dgm:t>
-    </dgm:pt>
-    <dgm:pt modelId="{27F70140-E38C-456B-93D1-B8A138718C85}" type="sibTrans" cxnId="{DF9BE473-611F-489A-8F16-3FA40ECED94C}">
-      <dgm:prSet/>
-      <dgm:spPr/>
-      <dgm:t>
-        <a:bodyPr/>
-        <a:lstStyle/>
-        <a:p>
-          <a:endParaRPr lang="en-US"/>
-        </a:p>
-      </dgm:t>
-    </dgm:pt>
-    <dgm:pt modelId="{1C426DDC-11E2-4E94-B3B8-D8BC607D4E25}" type="pres">
-      <dgm:prSet presAssocID="{CF0E9C0E-7E1E-41EB-8B0C-1A5873A206DC}" presName="vert0" presStyleCnt="0">
-        <dgm:presLayoutVars>
-          <dgm:dir/>
-          <dgm:animOne val="branch"/>
-          <dgm:animLvl val="lvl"/>
-        </dgm:presLayoutVars>
-      </dgm:prSet>
-      <dgm:spPr/>
-    </dgm:pt>
-    <dgm:pt modelId="{26D2FB97-7C6E-4CDE-846B-B28C4A6768F5}" type="pres">
-      <dgm:prSet presAssocID="{D0E39B73-E605-4BB5-B056-7E384A2B2982}" presName="thickLine" presStyleLbl="alignNode1" presStyleIdx="0" presStyleCnt="3"/>
-      <dgm:spPr/>
-    </dgm:pt>
-    <dgm:pt modelId="{34A1AA27-C766-40FC-966C-6CBA8E7129BF}" type="pres">
-      <dgm:prSet presAssocID="{D0E39B73-E605-4BB5-B056-7E384A2B2982}" presName="horz1" presStyleCnt="0"/>
-      <dgm:spPr/>
-    </dgm:pt>
-    <dgm:pt modelId="{CD7D494C-12C0-43C9-82E4-86CE2F2F1FFE}" type="pres">
-      <dgm:prSet presAssocID="{D0E39B73-E605-4BB5-B056-7E384A2B2982}" presName="tx1" presStyleLbl="revTx" presStyleIdx="0" presStyleCnt="3"/>
-      <dgm:spPr/>
-    </dgm:pt>
-    <dgm:pt modelId="{17422958-7107-47E0-8D40-391668492488}" type="pres">
-      <dgm:prSet presAssocID="{D0E39B73-E605-4BB5-B056-7E384A2B2982}" presName="vert1" presStyleCnt="0"/>
-      <dgm:spPr/>
-    </dgm:pt>
-    <dgm:pt modelId="{5517E4C0-6401-4D3A-850D-C43490E7B0FC}" type="pres">
-      <dgm:prSet presAssocID="{716E34C3-2DB7-4C10-B117-46286C9077C2}" presName="thickLine" presStyleLbl="alignNode1" presStyleIdx="1" presStyleCnt="3"/>
-      <dgm:spPr/>
-    </dgm:pt>
-    <dgm:pt modelId="{67BFA4D0-CDF7-48F7-8027-600AC293E524}" type="pres">
-      <dgm:prSet presAssocID="{716E34C3-2DB7-4C10-B117-46286C9077C2}" presName="horz1" presStyleCnt="0"/>
-      <dgm:spPr/>
-    </dgm:pt>
-    <dgm:pt modelId="{AAB943C5-B8A6-4F86-A98F-867D3C2E5911}" type="pres">
-      <dgm:prSet presAssocID="{716E34C3-2DB7-4C10-B117-46286C9077C2}" presName="tx1" presStyleLbl="revTx" presStyleIdx="1" presStyleCnt="3"/>
-      <dgm:spPr/>
-    </dgm:pt>
-    <dgm:pt modelId="{A09BEEEC-E4F2-4C67-AF2C-9B7E11FC2B25}" type="pres">
-      <dgm:prSet presAssocID="{716E34C3-2DB7-4C10-B117-46286C9077C2}" presName="vert1" presStyleCnt="0"/>
-      <dgm:spPr/>
-    </dgm:pt>
-    <dgm:pt modelId="{B4FFAC74-64E6-4065-9FD7-9A386B1F27F3}" type="pres">
-      <dgm:prSet presAssocID="{A6970332-102C-4AE7-A7AC-453AB96AFDA7}" presName="thickLine" presStyleLbl="alignNode1" presStyleIdx="2" presStyleCnt="3"/>
-      <dgm:spPr/>
-    </dgm:pt>
-    <dgm:pt modelId="{D26AFDB2-B838-4AAA-A407-3FB6C77B970E}" type="pres">
-      <dgm:prSet presAssocID="{A6970332-102C-4AE7-A7AC-453AB96AFDA7}" presName="horz1" presStyleCnt="0"/>
-      <dgm:spPr/>
-    </dgm:pt>
-    <dgm:pt modelId="{B18EA58C-7D2E-4C6B-97AE-0CAB20E4752E}" type="pres">
-      <dgm:prSet presAssocID="{A6970332-102C-4AE7-A7AC-453AB96AFDA7}" presName="tx1" presStyleLbl="revTx" presStyleIdx="2" presStyleCnt="3"/>
-      <dgm:spPr/>
-    </dgm:pt>
-    <dgm:pt modelId="{F03B1D2B-2245-47C0-97D6-60455D8D4B4D}" type="pres">
-      <dgm:prSet presAssocID="{A6970332-102C-4AE7-A7AC-453AB96AFDA7}" presName="vert1" presStyleCnt="0"/>
-      <dgm:spPr/>
-    </dgm:pt>
-  </dgm:ptLst>
-  <dgm:cxnLst>
-    <dgm:cxn modelId="{84EF5E1D-3818-4499-9578-98785AD8AC97}" type="presOf" srcId="{A6970332-102C-4AE7-A7AC-453AB96AFDA7}" destId="{B18EA58C-7D2E-4C6B-97AE-0CAB20E4752E}" srcOrd="0" destOrd="0" presId="urn:microsoft.com/office/officeart/2008/layout/LinedList"/>
-    <dgm:cxn modelId="{7790AE37-E8FC-463F-9D4F-60860654F528}" srcId="{CF0E9C0E-7E1E-41EB-8B0C-1A5873A206DC}" destId="{716E34C3-2DB7-4C10-B117-46286C9077C2}" srcOrd="1" destOrd="0" parTransId="{148D9EAE-9B08-49E7-ABDD-9C587E24AAA3}" sibTransId="{107B9BA1-E31A-4E91-94B3-E85869D92158}"/>
-    <dgm:cxn modelId="{1F5A2752-66EA-4A9B-A62C-64AC779ABBA8}" type="presOf" srcId="{D0E39B73-E605-4BB5-B056-7E384A2B2982}" destId="{CD7D494C-12C0-43C9-82E4-86CE2F2F1FFE}" srcOrd="0" destOrd="0" presId="urn:microsoft.com/office/officeart/2008/layout/LinedList"/>
-    <dgm:cxn modelId="{DF9BE473-611F-489A-8F16-3FA40ECED94C}" srcId="{CF0E9C0E-7E1E-41EB-8B0C-1A5873A206DC}" destId="{A6970332-102C-4AE7-A7AC-453AB96AFDA7}" srcOrd="2" destOrd="0" parTransId="{CCF30623-49DC-4A2F-8E3F-17A90136A4E5}" sibTransId="{27F70140-E38C-456B-93D1-B8A138718C85}"/>
-    <dgm:cxn modelId="{2C3BC4D6-9672-4428-AF68-6B951E93B166}" srcId="{CF0E9C0E-7E1E-41EB-8B0C-1A5873A206DC}" destId="{D0E39B73-E605-4BB5-B056-7E384A2B2982}" srcOrd="0" destOrd="0" parTransId="{3CC7DAA5-2302-4703-912A-3BE6A2E309D4}" sibTransId="{BA385A18-4FF0-48C8-AA1B-C6830FF8A770}"/>
-    <dgm:cxn modelId="{BAC5FBE4-CE6F-4D0A-B87F-26EFF0BAFD71}" type="presOf" srcId="{716E34C3-2DB7-4C10-B117-46286C9077C2}" destId="{AAB943C5-B8A6-4F86-A98F-867D3C2E5911}" srcOrd="0" destOrd="0" presId="urn:microsoft.com/office/officeart/2008/layout/LinedList"/>
-    <dgm:cxn modelId="{F170D1F7-A2D3-45F0-BA58-1C3FFA09EFCF}" type="presOf" srcId="{CF0E9C0E-7E1E-41EB-8B0C-1A5873A206DC}" destId="{1C426DDC-11E2-4E94-B3B8-D8BC607D4E25}" srcOrd="0" destOrd="0" presId="urn:microsoft.com/office/officeart/2008/layout/LinedList"/>
-    <dgm:cxn modelId="{19FF90D5-FCF0-4007-A56F-9C26466BFD9C}" type="presParOf" srcId="{1C426DDC-11E2-4E94-B3B8-D8BC607D4E25}" destId="{26D2FB97-7C6E-4CDE-846B-B28C4A6768F5}" srcOrd="0" destOrd="0" presId="urn:microsoft.com/office/officeart/2008/layout/LinedList"/>
-    <dgm:cxn modelId="{0DC90431-C8D5-4B58-BC64-DE313DEEB888}" type="presParOf" srcId="{1C426DDC-11E2-4E94-B3B8-D8BC607D4E25}" destId="{34A1AA27-C766-40FC-966C-6CBA8E7129BF}" srcOrd="1" destOrd="0" presId="urn:microsoft.com/office/officeart/2008/layout/LinedList"/>
-    <dgm:cxn modelId="{F5660AE4-7923-4691-9F74-2D6108829FB6}" type="presParOf" srcId="{34A1AA27-C766-40FC-966C-6CBA8E7129BF}" destId="{CD7D494C-12C0-43C9-82E4-86CE2F2F1FFE}" srcOrd="0" destOrd="0" presId="urn:microsoft.com/office/officeart/2008/layout/LinedList"/>
-    <dgm:cxn modelId="{3DCDA047-82A8-4066-86DF-DA0D979666DB}" type="presParOf" srcId="{34A1AA27-C766-40FC-966C-6CBA8E7129BF}" destId="{17422958-7107-47E0-8D40-391668492488}" srcOrd="1" destOrd="0" presId="urn:microsoft.com/office/officeart/2008/layout/LinedList"/>
-    <dgm:cxn modelId="{881FD8CA-8412-44E9-B3E7-651C0C582E60}" type="presParOf" srcId="{1C426DDC-11E2-4E94-B3B8-D8BC607D4E25}" destId="{5517E4C0-6401-4D3A-850D-C43490E7B0FC}" srcOrd="2" destOrd="0" presId="urn:microsoft.com/office/officeart/2008/layout/LinedList"/>
-    <dgm:cxn modelId="{B1958153-862A-4DC5-9AED-1A7D68519258}" type="presParOf" srcId="{1C426DDC-11E2-4E94-B3B8-D8BC607D4E25}" destId="{67BFA4D0-CDF7-48F7-8027-600AC293E524}" srcOrd="3" destOrd="0" presId="urn:microsoft.com/office/officeart/2008/layout/LinedList"/>
-    <dgm:cxn modelId="{2E1E2632-50EC-4E25-A4FC-5D7FF873B5A6}" type="presParOf" srcId="{67BFA4D0-CDF7-48F7-8027-600AC293E524}" destId="{AAB943C5-B8A6-4F86-A98F-867D3C2E5911}" srcOrd="0" destOrd="0" presId="urn:microsoft.com/office/officeart/2008/layout/LinedList"/>
-    <dgm:cxn modelId="{7CD4ACBA-7B27-4528-81FB-A0E875BB51AB}" type="presParOf" srcId="{67BFA4D0-CDF7-48F7-8027-600AC293E524}" destId="{A09BEEEC-E4F2-4C67-AF2C-9B7E11FC2B25}" srcOrd="1" destOrd="0" presId="urn:microsoft.com/office/officeart/2008/layout/LinedList"/>
-    <dgm:cxn modelId="{6725703D-EDD4-4AE8-9539-62419A82C2CF}" type="presParOf" srcId="{1C426DDC-11E2-4E94-B3B8-D8BC607D4E25}" destId="{B4FFAC74-64E6-4065-9FD7-9A386B1F27F3}" srcOrd="4" destOrd="0" presId="urn:microsoft.com/office/officeart/2008/layout/LinedList"/>
-    <dgm:cxn modelId="{19B18673-490D-4805-B9CA-409F1A0CF52B}" type="presParOf" srcId="{1C426DDC-11E2-4E94-B3B8-D8BC607D4E25}" destId="{D26AFDB2-B838-4AAA-A407-3FB6C77B970E}" srcOrd="5" destOrd="0" presId="urn:microsoft.com/office/officeart/2008/layout/LinedList"/>
-    <dgm:cxn modelId="{8D9DD58D-FF86-476F-90B1-7C9CF9A35155}" type="presParOf" srcId="{D26AFDB2-B838-4AAA-A407-3FB6C77B970E}" destId="{B18EA58C-7D2E-4C6B-97AE-0CAB20E4752E}" srcOrd="0" destOrd="0" presId="urn:microsoft.com/office/officeart/2008/layout/LinedList"/>
-    <dgm:cxn modelId="{FEBAE026-FAED-49D7-90E4-77061D44EF05}" type="presParOf" srcId="{D26AFDB2-B838-4AAA-A407-3FB6C77B970E}" destId="{F03B1D2B-2245-47C0-97D6-60455D8D4B4D}" srcOrd="1" destOrd="0" presId="urn:microsoft.com/office/officeart/2008/layout/LinedList"/>
-  </dgm:cxnLst>
-  <dgm:bg/>
-  <dgm:whole/>
-  <dgm:extLst>
-    <a:ext uri="http://schemas.microsoft.com/office/drawing/2008/diagram">
-      <dsp:dataModelExt xmlns:dsp="http://schemas.microsoft.com/office/drawing/2008/diagram" relId="rId6" minVer="http://schemas.openxmlformats.org/drawingml/2006/diagram"/>
-    </a:ext>
-  </dgm:extLst>
-</dgm:dataModel>
-</file>
-
-<file path=ppt/diagrams/drawing1.xml><?xml version="1.0" encoding="utf-8"?>
-<dsp:drawing xmlns:dgm="http://schemas.openxmlformats.org/drawingml/2006/diagram" xmlns:dsp="http://schemas.microsoft.com/office/drawing/2008/diagram" xmlns:a="http://schemas.openxmlformats.org/drawingml/2006/main">
-  <dsp:spTree>
-    <dsp:nvGrpSpPr>
-      <dsp:cNvPr id="0" name=""/>
-      <dsp:cNvGrpSpPr/>
-    </dsp:nvGrpSpPr>
-    <dsp:grpSpPr/>
-    <dsp:sp modelId="{26D2FB97-7C6E-4CDE-846B-B28C4A6768F5}">
-      <dsp:nvSpPr>
-        <dsp:cNvPr id="0" name=""/>
-        <dsp:cNvSpPr/>
-      </dsp:nvSpPr>
-      <dsp:spPr>
-        <a:xfrm>
-          <a:off x="0" y="2406"/>
-          <a:ext cx="5607050" cy="0"/>
-        </a:xfrm>
-        <a:prstGeom prst="line">
-          <a:avLst/>
-        </a:prstGeom>
-        <a:gradFill rotWithShape="0">
-          <a:gsLst>
-            <a:gs pos="0">
-              <a:schemeClr val="accent2">
-                <a:hueOff val="0"/>
-                <a:satOff val="0"/>
-                <a:lumOff val="0"/>
-                <a:alphaOff val="0"/>
-                <a:tint val="97000"/>
-                <a:satMod val="100000"/>
-                <a:lumMod val="102000"/>
-              </a:schemeClr>
-            </a:gs>
-            <a:gs pos="50000">
-              <a:schemeClr val="accent2">
-                <a:hueOff val="0"/>
-                <a:satOff val="0"/>
-                <a:lumOff val="0"/>
-                <a:alphaOff val="0"/>
-                <a:shade val="100000"/>
-                <a:satMod val="103000"/>
-                <a:lumMod val="100000"/>
-              </a:schemeClr>
-            </a:gs>
-            <a:gs pos="100000">
-              <a:schemeClr val="accent2">
-                <a:hueOff val="0"/>
-                <a:satOff val="0"/>
-                <a:lumOff val="0"/>
-                <a:alphaOff val="0"/>
-                <a:shade val="93000"/>
-                <a:satMod val="110000"/>
-                <a:lumMod val="99000"/>
-              </a:schemeClr>
-            </a:gs>
-          </a:gsLst>
-          <a:lin ang="5400000" scaled="0"/>
-        </a:gradFill>
-        <a:ln w="6350" cap="flat" cmpd="sng" algn="ctr">
-          <a:solidFill>
-            <a:schemeClr val="accent2">
-              <a:hueOff val="0"/>
-              <a:satOff val="0"/>
-              <a:lumOff val="0"/>
-              <a:alphaOff val="0"/>
-            </a:schemeClr>
-          </a:solidFill>
-          <a:prstDash val="solid"/>
-        </a:ln>
-        <a:effectLst/>
-      </dsp:spPr>
-      <dsp:style>
-        <a:lnRef idx="1">
-          <a:scrgbClr r="0" g="0" b="0"/>
-        </a:lnRef>
-        <a:fillRef idx="3">
-          <a:scrgbClr r="0" g="0" b="0"/>
-        </a:fillRef>
-        <a:effectRef idx="2">
-          <a:scrgbClr r="0" g="0" b="0"/>
-        </a:effectRef>
-        <a:fontRef idx="minor">
-          <a:schemeClr val="lt1"/>
-        </a:fontRef>
-      </dsp:style>
-    </dsp:sp>
-    <dsp:sp modelId="{CD7D494C-12C0-43C9-82E4-86CE2F2F1FFE}">
-      <dsp:nvSpPr>
-        <dsp:cNvPr id="0" name=""/>
-        <dsp:cNvSpPr/>
-      </dsp:nvSpPr>
-      <dsp:spPr>
-        <a:xfrm>
-          <a:off x="0" y="2406"/>
-          <a:ext cx="5607050" cy="1640929"/>
-        </a:xfrm>
-        <a:prstGeom prst="rect">
-          <a:avLst/>
-        </a:prstGeom>
-        <a:noFill/>
-        <a:ln>
-          <a:noFill/>
-        </a:ln>
-        <a:effectLst/>
-      </dsp:spPr>
-      <dsp:style>
-        <a:lnRef idx="0">
-          <a:scrgbClr r="0" g="0" b="0"/>
-        </a:lnRef>
-        <a:fillRef idx="0">
-          <a:scrgbClr r="0" g="0" b="0"/>
-        </a:fillRef>
-        <a:effectRef idx="0">
-          <a:scrgbClr r="0" g="0" b="0"/>
-        </a:effectRef>
-        <a:fontRef idx="minor"/>
-      </dsp:style>
-      <dsp:txBody>
-        <a:bodyPr spcFirstLastPara="0" vert="horz" wrap="square" lIns="129540" tIns="129540" rIns="129540" bIns="129540" numCol="1" spcCol="1270" anchor="t" anchorCtr="0">
-          <a:noAutofit/>
-        </a:bodyPr>
-        <a:lstStyle/>
-        <a:p>
-          <a:pPr marL="0" lvl="0" indent="0" algn="l" defTabSz="1511300">
-            <a:lnSpc>
-              <a:spcPct val="90000"/>
-            </a:lnSpc>
-            <a:spcBef>
-              <a:spcPct val="0"/>
-            </a:spcBef>
-            <a:spcAft>
-              <a:spcPct val="35000"/>
-            </a:spcAft>
-            <a:buNone/>
-          </a:pPr>
-          <a:r>
-            <a:rPr lang="it-IT" sz="3400" kern="1200" dirty="0"/>
-            <a:t>Data reading and </a:t>
-          </a:r>
-          <a:r>
-            <a:rPr lang="it-IT" sz="3400" kern="1200" dirty="0" err="1"/>
-            <a:t>preprocessing</a:t>
-          </a:r>
-          <a:endParaRPr lang="en-US" sz="3400" kern="1200" dirty="0"/>
-        </a:p>
-      </dsp:txBody>
-      <dsp:txXfrm>
-        <a:off x="0" y="2406"/>
-        <a:ext cx="5607050" cy="1640929"/>
-      </dsp:txXfrm>
-    </dsp:sp>
-    <dsp:sp modelId="{5517E4C0-6401-4D3A-850D-C43490E7B0FC}">
-      <dsp:nvSpPr>
-        <dsp:cNvPr id="0" name=""/>
-        <dsp:cNvSpPr/>
-      </dsp:nvSpPr>
-      <dsp:spPr>
-        <a:xfrm>
-          <a:off x="0" y="1643335"/>
-          <a:ext cx="5607050" cy="0"/>
-        </a:xfrm>
-        <a:prstGeom prst="line">
-          <a:avLst/>
-        </a:prstGeom>
-        <a:gradFill rotWithShape="0">
-          <a:gsLst>
-            <a:gs pos="0">
-              <a:schemeClr val="accent2">
-                <a:hueOff val="-4979090"/>
-                <a:satOff val="26639"/>
-                <a:lumOff val="196"/>
-                <a:alphaOff val="0"/>
-                <a:tint val="97000"/>
-                <a:satMod val="100000"/>
-                <a:lumMod val="102000"/>
-              </a:schemeClr>
-            </a:gs>
-            <a:gs pos="50000">
-              <a:schemeClr val="accent2">
-                <a:hueOff val="-4979090"/>
-                <a:satOff val="26639"/>
-                <a:lumOff val="196"/>
-                <a:alphaOff val="0"/>
-                <a:shade val="100000"/>
-                <a:satMod val="103000"/>
-                <a:lumMod val="100000"/>
-              </a:schemeClr>
-            </a:gs>
-            <a:gs pos="100000">
-              <a:schemeClr val="accent2">
-                <a:hueOff val="-4979090"/>
-                <a:satOff val="26639"/>
-                <a:lumOff val="196"/>
-                <a:alphaOff val="0"/>
-                <a:shade val="93000"/>
-                <a:satMod val="110000"/>
-                <a:lumMod val="99000"/>
-              </a:schemeClr>
-            </a:gs>
-          </a:gsLst>
-          <a:lin ang="5400000" scaled="0"/>
-        </a:gradFill>
-        <a:ln w="6350" cap="flat" cmpd="sng" algn="ctr">
-          <a:solidFill>
-            <a:schemeClr val="accent2">
-              <a:hueOff val="-4979090"/>
-              <a:satOff val="26639"/>
-              <a:lumOff val="196"/>
-              <a:alphaOff val="0"/>
-            </a:schemeClr>
-          </a:solidFill>
-          <a:prstDash val="solid"/>
-        </a:ln>
-        <a:effectLst/>
-      </dsp:spPr>
-      <dsp:style>
-        <a:lnRef idx="1">
-          <a:scrgbClr r="0" g="0" b="0"/>
-        </a:lnRef>
-        <a:fillRef idx="3">
-          <a:scrgbClr r="0" g="0" b="0"/>
-        </a:fillRef>
-        <a:effectRef idx="2">
-          <a:scrgbClr r="0" g="0" b="0"/>
-        </a:effectRef>
-        <a:fontRef idx="minor">
-          <a:schemeClr val="lt1"/>
-        </a:fontRef>
-      </dsp:style>
-    </dsp:sp>
-    <dsp:sp modelId="{AAB943C5-B8A6-4F86-A98F-867D3C2E5911}">
-      <dsp:nvSpPr>
-        <dsp:cNvPr id="0" name=""/>
-        <dsp:cNvSpPr/>
-      </dsp:nvSpPr>
-      <dsp:spPr>
-        <a:xfrm>
-          <a:off x="0" y="1643335"/>
-          <a:ext cx="5607050" cy="1640929"/>
-        </a:xfrm>
-        <a:prstGeom prst="rect">
-          <a:avLst/>
-        </a:prstGeom>
-        <a:noFill/>
-        <a:ln>
-          <a:noFill/>
-        </a:ln>
-        <a:effectLst/>
-      </dsp:spPr>
-      <dsp:style>
-        <a:lnRef idx="0">
-          <a:scrgbClr r="0" g="0" b="0"/>
-        </a:lnRef>
-        <a:fillRef idx="0">
-          <a:scrgbClr r="0" g="0" b="0"/>
-        </a:fillRef>
-        <a:effectRef idx="0">
-          <a:scrgbClr r="0" g="0" b="0"/>
-        </a:effectRef>
-        <a:fontRef idx="minor"/>
-      </dsp:style>
-      <dsp:txBody>
-        <a:bodyPr spcFirstLastPara="0" vert="horz" wrap="square" lIns="129540" tIns="129540" rIns="129540" bIns="129540" numCol="1" spcCol="1270" anchor="t" anchorCtr="0">
-          <a:noAutofit/>
-        </a:bodyPr>
-        <a:lstStyle/>
-        <a:p>
-          <a:pPr marL="0" lvl="0" indent="0" algn="l" defTabSz="1511300">
-            <a:lnSpc>
-              <a:spcPct val="90000"/>
-            </a:lnSpc>
-            <a:spcBef>
-              <a:spcPct val="0"/>
-            </a:spcBef>
-            <a:spcAft>
-              <a:spcPct val="35000"/>
-            </a:spcAft>
-            <a:buNone/>
-          </a:pPr>
-          <a:r>
-            <a:rPr lang="it-IT" sz="3400" kern="1200"/>
-            <a:t>CNN network using different layers</a:t>
-          </a:r>
-          <a:endParaRPr lang="en-US" sz="3400" kern="1200"/>
-        </a:p>
-      </dsp:txBody>
-      <dsp:txXfrm>
-        <a:off x="0" y="1643335"/>
-        <a:ext cx="5607050" cy="1640929"/>
-      </dsp:txXfrm>
-    </dsp:sp>
-    <dsp:sp modelId="{B4FFAC74-64E6-4065-9FD7-9A386B1F27F3}">
-      <dsp:nvSpPr>
-        <dsp:cNvPr id="0" name=""/>
-        <dsp:cNvSpPr/>
-      </dsp:nvSpPr>
-      <dsp:spPr>
-        <a:xfrm>
-          <a:off x="0" y="3284264"/>
-          <a:ext cx="5607050" cy="0"/>
-        </a:xfrm>
-        <a:prstGeom prst="line">
-          <a:avLst/>
-        </a:prstGeom>
-        <a:gradFill rotWithShape="0">
-          <a:gsLst>
-            <a:gs pos="0">
-              <a:schemeClr val="accent2">
-                <a:hueOff val="-9958180"/>
-                <a:satOff val="53278"/>
-                <a:lumOff val="392"/>
-                <a:alphaOff val="0"/>
-                <a:tint val="97000"/>
-                <a:satMod val="100000"/>
-                <a:lumMod val="102000"/>
-              </a:schemeClr>
-            </a:gs>
-            <a:gs pos="50000">
-              <a:schemeClr val="accent2">
-                <a:hueOff val="-9958180"/>
-                <a:satOff val="53278"/>
-                <a:lumOff val="392"/>
-                <a:alphaOff val="0"/>
-                <a:shade val="100000"/>
-                <a:satMod val="103000"/>
-                <a:lumMod val="100000"/>
-              </a:schemeClr>
-            </a:gs>
-            <a:gs pos="100000">
-              <a:schemeClr val="accent2">
-                <a:hueOff val="-9958180"/>
-                <a:satOff val="53278"/>
-                <a:lumOff val="392"/>
-                <a:alphaOff val="0"/>
-                <a:shade val="93000"/>
-                <a:satMod val="110000"/>
-                <a:lumMod val="99000"/>
-              </a:schemeClr>
-            </a:gs>
-          </a:gsLst>
-          <a:lin ang="5400000" scaled="0"/>
-        </a:gradFill>
-        <a:ln w="6350" cap="flat" cmpd="sng" algn="ctr">
-          <a:solidFill>
-            <a:schemeClr val="accent2">
-              <a:hueOff val="-9958180"/>
-              <a:satOff val="53278"/>
-              <a:lumOff val="392"/>
-              <a:alphaOff val="0"/>
-            </a:schemeClr>
-          </a:solidFill>
-          <a:prstDash val="solid"/>
-        </a:ln>
-        <a:effectLst/>
-      </dsp:spPr>
-      <dsp:style>
-        <a:lnRef idx="1">
-          <a:scrgbClr r="0" g="0" b="0"/>
-        </a:lnRef>
-        <a:fillRef idx="3">
-          <a:scrgbClr r="0" g="0" b="0"/>
-        </a:fillRef>
-        <a:effectRef idx="2">
-          <a:scrgbClr r="0" g="0" b="0"/>
-        </a:effectRef>
-        <a:fontRef idx="minor">
-          <a:schemeClr val="lt1"/>
-        </a:fontRef>
-      </dsp:style>
-    </dsp:sp>
-    <dsp:sp modelId="{B18EA58C-7D2E-4C6B-97AE-0CAB20E4752E}">
-      <dsp:nvSpPr>
-        <dsp:cNvPr id="0" name=""/>
-        <dsp:cNvSpPr/>
-      </dsp:nvSpPr>
-      <dsp:spPr>
-        <a:xfrm>
-          <a:off x="0" y="3284264"/>
-          <a:ext cx="5607050" cy="1640929"/>
-        </a:xfrm>
-        <a:prstGeom prst="rect">
-          <a:avLst/>
-        </a:prstGeom>
-        <a:noFill/>
-        <a:ln>
-          <a:noFill/>
-        </a:ln>
-        <a:effectLst/>
-      </dsp:spPr>
-      <dsp:style>
-        <a:lnRef idx="0">
-          <a:scrgbClr r="0" g="0" b="0"/>
-        </a:lnRef>
-        <a:fillRef idx="0">
-          <a:scrgbClr r="0" g="0" b="0"/>
-        </a:fillRef>
-        <a:effectRef idx="0">
-          <a:scrgbClr r="0" g="0" b="0"/>
-        </a:effectRef>
-        <a:fontRef idx="minor"/>
-      </dsp:style>
-      <dsp:txBody>
-        <a:bodyPr spcFirstLastPara="0" vert="horz" wrap="square" lIns="129540" tIns="129540" rIns="129540" bIns="129540" numCol="1" spcCol="1270" anchor="t" anchorCtr="0">
-          <a:noAutofit/>
-        </a:bodyPr>
-        <a:lstStyle/>
-        <a:p>
-          <a:pPr marL="0" lvl="0" indent="0" algn="l" defTabSz="1511300">
-            <a:lnSpc>
-              <a:spcPct val="90000"/>
-            </a:lnSpc>
-            <a:spcBef>
-              <a:spcPct val="0"/>
-            </a:spcBef>
-            <a:spcAft>
-              <a:spcPct val="35000"/>
-            </a:spcAft>
-            <a:buNone/>
-          </a:pPr>
-          <a:r>
-            <a:rPr lang="it-IT" sz="3400" kern="1200"/>
-            <a:t>Traning CNN with our dataset and saving best model based on testing accuracy</a:t>
-          </a:r>
-          <a:endParaRPr lang="en-US" sz="3400" kern="1200"/>
-        </a:p>
-      </dsp:txBody>
-      <dsp:txXfrm>
-        <a:off x="0" y="3284264"/>
-        <a:ext cx="5607050" cy="1640929"/>
-      </dsp:txXfrm>
-    </dsp:sp>
-  </dsp:spTree>
-</dsp:drawing>
-</file>
-
-<file path=ppt/diagrams/layout1.xml><?xml version="1.0" encoding="utf-8"?>
-<dgm:layoutDef xmlns:dgm="http://schemas.openxmlformats.org/drawingml/2006/diagram" xmlns:a="http://schemas.openxmlformats.org/drawingml/2006/main" uniqueId="urn:microsoft.com/office/officeart/2008/layout/LinedList">
-  <dgm:title val=""/>
-  <dgm:desc val=""/>
-  <dgm:catLst>
-    <dgm:cat type="hierarchy" pri="8000"/>
-    <dgm:cat type="list" pri="2500"/>
-  </dgm:catLst>
-  <dgm:sampData>
-    <dgm:dataModel>
-      <dgm:ptLst>
-        <dgm:pt modelId="0" type="doc"/>
-        <dgm:pt modelId="1">
-          <dgm:prSet phldr="1"/>
-        </dgm:pt>
-        <dgm:pt modelId="11">
-          <dgm:prSet phldr="1"/>
-        </dgm:pt>
-        <dgm:pt modelId="12">
-          <dgm:prSet phldr="1"/>
-        </dgm:pt>
-        <dgm:pt modelId="13">
-          <dgm:prSet phldr="1"/>
-        </dgm:pt>
-      </dgm:ptLst>
-      <dgm:cxnLst>
-        <dgm:cxn modelId="2" srcId="0" destId="1" srcOrd="0" destOrd="0"/>
-        <dgm:cxn modelId="3" srcId="1" destId="11" srcOrd="0" destOrd="0"/>
-        <dgm:cxn modelId="4" srcId="1" destId="12" srcOrd="1" destOrd="0"/>
-        <dgm:cxn modelId="5" srcId="1" destId="13" srcOrd="2" destOrd="0"/>
-      </dgm:cxnLst>
-      <dgm:bg/>
-      <dgm:whole/>
-    </dgm:dataModel>
-  </dgm:sampData>
-  <dgm:styleData>
-    <dgm:dataModel>
-      <dgm:ptLst>
-        <dgm:pt modelId="0" type="doc"/>
-        <dgm:pt modelId="1">
-          <dgm:prSet phldr="1"/>
-        </dgm:pt>
-        <dgm:pt modelId="11">
-          <dgm:prSet phldr="1"/>
-        </dgm:pt>
-        <dgm:pt modelId="12">
-          <dgm:prSet phldr="1"/>
-        </dgm:pt>
-      </dgm:ptLst>
-      <dgm:cxnLst>
-        <dgm:cxn modelId="2" srcId="0" destId="1" srcOrd="0" destOrd="0"/>
-        <dgm:cxn modelId="3" srcId="1" destId="11" srcOrd="0" destOrd="0"/>
-        <dgm:cxn modelId="4" srcId="1" destId="12" srcOrd="1" destOrd="0"/>
-      </dgm:cxnLst>
-      <dgm:bg/>
-      <dgm:whole/>
-    </dgm:dataModel>
-  </dgm:styleData>
-  <dgm:clrData>
-    <dgm:dataModel>
-      <dgm:ptLst>
-        <dgm:pt modelId="0" type="doc"/>
-        <dgm:pt modelId="1">
-          <dgm:prSet phldr="1"/>
-        </dgm:pt>
-        <dgm:pt modelId="11">
-          <dgm:prSet phldr="1"/>
-        </dgm:pt>
-        <dgm:pt modelId="12">
-          <dgm:prSet phldr="1"/>
-        </dgm:pt>
-      </dgm:ptLst>
-      <dgm:cxnLst>
-        <dgm:cxn modelId="2" srcId="0" destId="1" srcOrd="0" destOrd="0"/>
-        <dgm:cxn modelId="3" srcId="1" destId="11" srcOrd="0" destOrd="0"/>
-        <dgm:cxn modelId="4" srcId="1" destId="12" srcOrd="1" destOrd="0"/>
-      </dgm:cxnLst>
-      <dgm:bg/>
-      <dgm:whole/>
-    </dgm:dataModel>
-  </dgm:clrData>
-  <dgm:layoutNode name="vert0">
-    <dgm:varLst>
-      <dgm:dir/>
-      <dgm:animOne val="branch"/>
-      <dgm:animLvl val="lvl"/>
-    </dgm:varLst>
-    <dgm:choose name="Name0">
-      <dgm:if name="Name1" func="var" arg="dir" op="equ" val="norm">
-        <dgm:alg type="lin">
-          <dgm:param type="linDir" val="fromT"/>
-          <dgm:param type="nodeHorzAlign" val="l"/>
-        </dgm:alg>
-      </dgm:if>
-      <dgm:else name="Name2">
-        <dgm:alg type="lin">
-          <dgm:param type="linDir" val="fromT"/>
-          <dgm:param type="nodeHorzAlign" val="r"/>
-        </dgm:alg>
-      </dgm:else>
-    </dgm:choose>
-    <dgm:shape xmlns:r="http://schemas.openxmlformats.org/officeDocument/2006/relationships" r:blip="">
-      <dgm:adjLst/>
-    </dgm:shape>
-    <dgm:presOf/>
-    <dgm:constrLst>
-      <dgm:constr type="w" for="ch" forName="horz1" refType="w"/>
-      <dgm:constr type="h" for="ch" forName="horz1" refType="h"/>
-      <dgm:constr type="h" for="des" forName="vert1" refType="h"/>
-      <dgm:constr type="h" for="des" forName="tx1" refType="h"/>
-      <dgm:constr type="h" for="des" forName="horz2" refType="h"/>
-      <dgm:constr type="h" for="des" forName="vert2" refType="h"/>
-      <dgm:constr type="h" for="des" forName="horz3" refType="h"/>
-      <dgm:constr type="h" for="des" forName="vert3" refType="h"/>
-      <dgm:constr type="h" for="des" forName="horz4" refType="h"/>
-      <dgm:constr type="h" for="des" ptType="node" refType="h"/>
-      <dgm:constr type="primFontSz" for="des" forName="tx1" op="equ" val="65"/>
-      <dgm:constr type="primFontSz" for="des" forName="tx2" op="equ" val="65"/>
-      <dgm:constr type="primFontSz" for="des" forName="tx3" op="equ" val="65"/>
-      <dgm:constr type="primFontSz" for="des" forName="tx4" op="equ" val="65"/>
-      <dgm:constr type="w" for="des" forName="thickLine" refType="w"/>
-      <dgm:constr type="h" for="des" forName="thickLine"/>
-      <dgm:constr type="h" for="des" forName="thinLine1"/>
-      <dgm:constr type="h" for="des" forName="thinLine2b"/>
-      <dgm:constr type="h" for="des" forName="thinLine3"/>
-      <dgm:constr type="h" for="des" forName="vertSpace2a" refType="h" fact="0.05"/>
-      <dgm:constr type="h" for="des" forName="vertSpace2b" refType="h" refFor="des" refForName="vertSpace2a"/>
-    </dgm:constrLst>
-    <dgm:forEach name="Name3" axis="ch" ptType="node">
-      <dgm:layoutNode name="thickLine" styleLbl="alignNode1">
-        <dgm:alg type="sp"/>
-        <dgm:shape xmlns:r="http://schemas.openxmlformats.org/officeDocument/2006/relationships" type="line" r:blip="">
-          <dgm:adjLst/>
-        </dgm:shape>
-        <dgm:presOf/>
-      </dgm:layoutNode>
-      <dgm:layoutNode name="horz1">
-        <dgm:choose name="Name4">
-          <dgm:if name="Name5" func="var" arg="dir" op="equ" val="norm">
-            <dgm:alg type="lin">
-              <dgm:param type="linDir" val="fromL"/>
-              <dgm:param type="nodeVertAlign" val="t"/>
-            </dgm:alg>
-          </dgm:if>
-          <dgm:else name="Name6">
-            <dgm:alg type="lin">
-              <dgm:param type="linDir" val="fromR"/>
-              <dgm:param type="nodeVertAlign" val="t"/>
-            </dgm:alg>
-          </dgm:else>
-        </dgm:choose>
-        <dgm:shape xmlns:r="http://schemas.openxmlformats.org/officeDocument/2006/relationships" r:blip="">
-          <dgm:adjLst/>
-        </dgm:shape>
-        <dgm:presOf/>
-        <dgm:choose name="Name7">
-          <dgm:if name="Name8" axis="root des" func="maxDepth" op="equ" val="1">
-            <dgm:constrLst>
-              <dgm:constr type="w" for="ch" forName="tx1" refType="w"/>
-            </dgm:constrLst>
-          </dgm:if>
-          <dgm:if name="Name9" axis="root des" func="maxDepth" op="equ" val="2">
-            <dgm:constrLst>
-              <dgm:constr type="w" for="ch" forName="tx1" refType="w" fact="0.2"/>
-              <dgm:constr type="w" for="des" forName="tx2" refType="w" fact="0.785"/>
-              <dgm:constr type="w" for="des" forName="horzSpace2" refType="w" fact="0.015"/>
-              <dgm:constr type="w" for="des" forName="thinLine2b" refType="w" fact="0.8"/>
-            </dgm:constrLst>
-          </dgm:if>
-          <dgm:if name="Name10" axis="root des" func="maxDepth" op="equ" val="3">
-            <dgm:constrLst>
-              <dgm:constr type="w" for="ch" forName="tx1" refType="w" fact="0.2"/>
-              <dgm:constr type="w" for="des" forName="tx2" refType="w" fact="0.385"/>
-              <dgm:constr type="w" for="des" forName="tx3" refType="w" fact="0.385"/>
-              <dgm:constr type="w" for="des" forName="horzSpace2" refType="w" fact="0.015"/>
-              <dgm:constr type="w" for="des" forName="horzSpace3" refType="w" fact="0.015"/>
-              <dgm:constr type="w" for="des" forName="thinLine2b" refType="w" fact="0.8"/>
-              <dgm:constr type="w" for="des" forName="thinLine3" refType="w" fact="0.385"/>
-            </dgm:constrLst>
-          </dgm:if>
-          <dgm:if name="Name11" axis="root des" func="maxDepth" op="gte" val="4">
-            <dgm:constrLst>
-              <dgm:constr type="w" for="ch" forName="tx1" refType="w" fact="0.2"/>
-              <dgm:constr type="w" for="des" forName="tx2" refType="w" fact="0.2516"/>
-              <dgm:constr type="w" for="des" forName="tx3" refType="w" fact="0.2516"/>
-              <dgm:constr type="w" for="des" forName="tx4" refType="w" fact="0.2516"/>
-              <dgm:constr type="w" for="des" forName="horzSpace2" refType="w" fact="0.015"/>
-              <dgm:constr type="w" for="des" forName="horzSpace3" refType="w" fact="0.015"/>
-              <dgm:constr type="w" for="des" forName="horzSpace4" refType="w" fact="0.015"/>
-              <dgm:constr type="w" for="des" forName="thinLine2b" refType="w" fact="0.8"/>
-              <dgm:constr type="w" for="des" forName="thinLine3" refType="w" fact="0.5332"/>
-            </dgm:constrLst>
-          </dgm:if>
-          <dgm:else name="Name12"/>
-        </dgm:choose>
-        <dgm:layoutNode name="tx1" styleLbl="revTx">
-          <dgm:alg type="tx">
-            <dgm:param type="parTxLTRAlign" val="l"/>
-            <dgm:param type="parTxRTLAlign" val="r"/>
-            <dgm:param type="txAnchorVert" val="t"/>
-          </dgm:alg>
-          <dgm:shape xmlns:r="http://schemas.openxmlformats.org/officeDocument/2006/relationships" type="rect" r:blip="">
-            <dgm:adjLst/>
-          </dgm:shape>
-          <dgm:presOf axis="self"/>
-          <dgm:constrLst>
-            <dgm:constr type="tMarg" refType="primFontSz" fact="0.3"/>
-            <dgm:constr type="bMarg" refType="primFontSz" fact="0.3"/>
-            <dgm:constr type="lMarg" refType="primFontSz" fact="0.3"/>
-            <dgm:constr type="rMarg" refType="primFontSz" fact="0.3"/>
-          </dgm:constrLst>
-          <dgm:ruleLst>
-            <dgm:rule type="primFontSz" val="5" fact="NaN" max="NaN"/>
-          </dgm:ruleLst>
-        </dgm:layoutNode>
-        <dgm:layoutNode name="vert1">
-          <dgm:choose name="Name13">
-            <dgm:if name="Name14" func="var" arg="dir" op="equ" val="norm">
-              <dgm:alg type="lin">
-                <dgm:param type="linDir" val="fromT"/>
-                <dgm:param type="nodeHorzAlign" val="l"/>
-              </dgm:alg>
-            </dgm:if>
-            <dgm:else name="Name15">
-              <dgm:alg type="lin">
-                <dgm:param type="linDir" val="fromT"/>
-                <dgm:param type="nodeHorzAlign" val="r"/>
-              </dgm:alg>
-            </dgm:else>
-          </dgm:choose>
-          <dgm:shape xmlns:r="http://schemas.openxmlformats.org/officeDocument/2006/relationships" r:blip="">
-            <dgm:adjLst/>
-          </dgm:shape>
-          <dgm:presOf/>
-          <dgm:forEach name="Name16" axis="ch" ptType="node">
-            <dgm:choose name="Name17">
-              <dgm:if name="Name18" axis="self" ptType="node" func="pos" op="equ" val="1">
-                <dgm:layoutNode name="vertSpace2a">
-                  <dgm:alg type="sp"/>
-                  <dgm:shape xmlns:r="http://schemas.openxmlformats.org/officeDocument/2006/relationships" r:blip="">
-                    <dgm:adjLst/>
-                  </dgm:shape>
-                  <dgm:presOf/>
-                </dgm:layoutNode>
-              </dgm:if>
-              <dgm:else name="Name19"/>
-            </dgm:choose>
-            <dgm:layoutNode name="horz2">
-              <dgm:choose name="Name20">
-                <dgm:if name="Name21" func="var" arg="dir" op="equ" val="norm">
-                  <dgm:alg type="lin">
-                    <dgm:param type="linDir" val="fromL"/>
-                    <dgm:param type="nodeVertAlign" val="t"/>
-                  </dgm:alg>
-                </dgm:if>
-                <dgm:else name="Name22">
-                  <dgm:alg type="lin">
-                    <dgm:param type="linDir" val="fromR"/>
-                    <dgm:param type="nodeVertAlign" val="t"/>
-                  </dgm:alg>
-                </dgm:else>
-              </dgm:choose>
-              <dgm:shape xmlns:r="http://schemas.openxmlformats.org/officeDocument/2006/relationships" r:blip="">
-                <dgm:adjLst/>
-              </dgm:shape>
-              <dgm:presOf/>
-              <dgm:layoutNode name="horzSpace2">
-                <dgm:alg type="sp"/>
-                <dgm:shape xmlns:r="http://schemas.openxmlformats.org/officeDocument/2006/relationships" r:blip="">
-                  <dgm:adjLst/>
-                </dgm:shape>
-                <dgm:presOf/>
-              </dgm:layoutNode>
-              <dgm:layoutNode name="tx2" styleLbl="revTx">
-                <dgm:alg type="tx">
-                  <dgm:param type="parTxLTRAlign" val="l"/>
-                  <dgm:param type="parTxRTLAlign" val="r"/>
-                  <dgm:param type="txAnchorVert" val="t"/>
-                </dgm:alg>
-                <dgm:shape xmlns:r="http://schemas.openxmlformats.org/officeDocument/2006/relationships" type="rect" r:blip="">
-                  <dgm:adjLst/>
-                </dgm:shape>
-                <dgm:presOf axis="self"/>
-                <dgm:constrLst>
-                  <dgm:constr type="tMarg" refType="primFontSz" fact="0.3"/>
-                  <dgm:constr type="bMarg" refType="primFontSz" fact="0.3"/>
-                  <dgm:constr type="lMarg" refType="primFontSz" fact="0.3"/>
-                  <dgm:constr type="rMarg" refType="primFontSz" fact="0.3"/>
-                </dgm:constrLst>
-                <dgm:ruleLst>
-                  <dgm:rule type="primFontSz" val="5" fact="NaN" max="NaN"/>
-                </dgm:ruleLst>
-              </dgm:layoutNode>
-              <dgm:layoutNode name="vert2">
-                <dgm:choose name="Name23">
-                  <dgm:if name="Name24" func="var" arg="dir" op="equ" val="norm">
-                    <dgm:alg type="lin">
-                      <dgm:param type="linDir" val="fromT"/>
-                      <dgm:param type="nodeHorzAlign" val="l"/>
-                    </dgm:alg>
-                  </dgm:if>
-                  <dgm:else name="Name25">
-                    <dgm:alg type="lin">
-                      <dgm:param type="linDir" val="fromT"/>
-                      <dgm:param type="nodeHorzAlign" val="r"/>
-                    </dgm:alg>
-                  </dgm:else>
-                </dgm:choose>
-                <dgm:shape xmlns:r="http://schemas.openxmlformats.org/officeDocument/2006/relationships" r:blip="">
-                  <dgm:adjLst/>
-                </dgm:shape>
-                <dgm:presOf/>
-                <dgm:forEach name="Name26" axis="ch" ptType="node">
-                  <dgm:layoutNode name="horz3">
-                    <dgm:choose name="Name27">
-                      <dgm:if name="Name28" func="var" arg="dir" op="equ" val="norm">
-                        <dgm:alg type="lin">
-                          <dgm:param type="linDir" val="fromL"/>
-                          <dgm:param type="nodeVertAlign" val="t"/>
-                        </dgm:alg>
-                      </dgm:if>
-                      <dgm:else name="Name29">
-                        <dgm:alg type="lin">
-                          <dgm:param type="linDir" val="fromR"/>
-                          <dgm:param type="nodeVertAlign" val="t"/>
-                        </dgm:alg>
-                      </dgm:else>
-                    </dgm:choose>
-                    <dgm:shape xmlns:r="http://schemas.openxmlformats.org/officeDocument/2006/relationships" r:blip="">
-                      <dgm:adjLst/>
-                    </dgm:shape>
-                    <dgm:presOf/>
-                    <dgm:layoutNode name="horzSpace3">
-                      <dgm:alg type="sp"/>
-                      <dgm:shape xmlns:r="http://schemas.openxmlformats.org/officeDocument/2006/relationships" r:blip="">
-                        <dgm:adjLst/>
-                      </dgm:shape>
-                      <dgm:presOf/>
-                    </dgm:layoutNode>
-                    <dgm:layoutNode name="tx3" styleLbl="revTx">
-                      <dgm:alg type="tx">
-                        <dgm:param type="parTxLTRAlign" val="l"/>
-                        <dgm:param type="parTxRTLAlign" val="r"/>
-                        <dgm:param type="txAnchorVert" val="t"/>
-                      </dgm:alg>
-                      <dgm:shape xmlns:r="http://schemas.openxmlformats.org/officeDocument/2006/relationships" type="rect" r:blip="">
-                        <dgm:adjLst/>
-                      </dgm:shape>
-                      <dgm:presOf axis="self"/>
-                      <dgm:constrLst>
-                        <dgm:constr type="tMarg" refType="primFontSz" fact="0.3"/>
-                        <dgm:constr type="bMarg" refType="primFontSz" fact="0.3"/>
-                        <dgm:constr type="lMarg" refType="primFontSz" fact="0.3"/>
-                        <dgm:constr type="rMarg" refType="primFontSz" fact="0.3"/>
-                      </dgm:constrLst>
-                      <dgm:ruleLst>
-                        <dgm:rule type="primFontSz" val="5" fact="NaN" max="NaN"/>
-                      </dgm:ruleLst>
-                    </dgm:layoutNode>
-                    <dgm:layoutNode name="vert3">
-                      <dgm:choose name="Name30">
-                        <dgm:if name="Name31" func="var" arg="dir" op="equ" val="norm">
-                          <dgm:alg type="lin">
-                            <dgm:param type="linDir" val="fromT"/>
-                            <dgm:param type="nodeHorzAlign" val="l"/>
-                          </dgm:alg>
-                        </dgm:if>
-                        <dgm:else name="Name32">
-                          <dgm:alg type="lin">
-                            <dgm:param type="linDir" val="fromT"/>
-                            <dgm:param type="nodeHorzAlign" val="r"/>
-                          </dgm:alg>
-                        </dgm:else>
-                      </dgm:choose>
-                      <dgm:shape xmlns:r="http://schemas.openxmlformats.org/officeDocument/2006/relationships" r:blip="">
-                        <dgm:adjLst/>
-                      </dgm:shape>
-                      <dgm:presOf/>
-                      <dgm:forEach name="Name33" axis="ch" ptType="node">
-                        <dgm:layoutNode name="horz4">
-                          <dgm:choose name="Name34">
-                            <dgm:if name="Name35" func="var" arg="dir" op="equ" val="norm">
-                              <dgm:alg type="lin">
-                                <dgm:param type="linDir" val="fromL"/>
-                                <dgm:param type="nodeVertAlign" val="t"/>
-                              </dgm:alg>
-                            </dgm:if>
-                            <dgm:else name="Name36">
-                              <dgm:alg type="lin">
-                                <dgm:param type="linDir" val="fromR"/>
-                                <dgm:param type="nodeVertAlign" val="t"/>
-                              </dgm:alg>
-                            </dgm:else>
-                          </dgm:choose>
-                          <dgm:shape xmlns:r="http://schemas.openxmlformats.org/officeDocument/2006/relationships" r:blip="">
-                            <dgm:adjLst/>
-                          </dgm:shape>
-                          <dgm:presOf/>
-                          <dgm:layoutNode name="horzSpace4">
-                            <dgm:alg type="sp"/>
-                            <dgm:shape xmlns:r="http://schemas.openxmlformats.org/officeDocument/2006/relationships" r:blip="">
-                              <dgm:adjLst/>
-                            </dgm:shape>
-                            <dgm:presOf/>
-                          </dgm:layoutNode>
-                          <dgm:layoutNode name="tx4" styleLbl="revTx">
-                            <dgm:varLst>
-                              <dgm:bulletEnabled val="1"/>
-                            </dgm:varLst>
-                            <dgm:alg type="tx">
-                              <dgm:param type="parTxLTRAlign" val="l"/>
-                              <dgm:param type="parTxRTLAlign" val="r"/>
-                              <dgm:param type="txAnchorVert" val="t"/>
-                            </dgm:alg>
-                            <dgm:shape xmlns:r="http://schemas.openxmlformats.org/officeDocument/2006/relationships" type="rect" r:blip="">
-                              <dgm:adjLst/>
-                            </dgm:shape>
-                            <dgm:presOf axis="desOrSelf" ptType="node"/>
-                            <dgm:constrLst>
-                              <dgm:constr type="tMarg" refType="primFontSz" fact="0.3"/>
-                              <dgm:constr type="bMarg" refType="primFontSz" fact="0.3"/>
-                              <dgm:constr type="lMarg" refType="primFontSz" fact="0.3"/>
-                              <dgm:constr type="rMarg" refType="primFontSz" fact="0.3"/>
-                            </dgm:constrLst>
-                            <dgm:ruleLst>
-                              <dgm:rule type="primFontSz" val="5" fact="NaN" max="NaN"/>
-                            </dgm:ruleLst>
-                          </dgm:layoutNode>
-                        </dgm:layoutNode>
-                      </dgm:forEach>
-                    </dgm:layoutNode>
-                  </dgm:layoutNode>
-                  <dgm:forEach name="Name37" axis="followSib" ptType="sibTrans" cnt="1">
-                    <dgm:layoutNode name="thinLine3" styleLbl="callout">
-                      <dgm:alg type="sp"/>
-                      <dgm:shape xmlns:r="http://schemas.openxmlformats.org/officeDocument/2006/relationships" type="line" r:blip="">
-                        <dgm:adjLst/>
-                      </dgm:shape>
-                      <dgm:presOf/>
-                    </dgm:layoutNode>
-                  </dgm:forEach>
-                </dgm:forEach>
-              </dgm:layoutNode>
-            </dgm:layoutNode>
-            <dgm:layoutNode name="thinLine2b" styleLbl="callout">
-              <dgm:alg type="sp"/>
-              <dgm:shape xmlns:r="http://schemas.openxmlformats.org/officeDocument/2006/relationships" type="line" r:blip="">
-                <dgm:adjLst/>
-              </dgm:shape>
-              <dgm:presOf/>
-            </dgm:layoutNode>
-            <dgm:layoutNode name="vertSpace2b">
-              <dgm:alg type="sp"/>
-              <dgm:shape xmlns:r="http://schemas.openxmlformats.org/officeDocument/2006/relationships" r:blip="">
-                <dgm:adjLst/>
-              </dgm:shape>
-              <dgm:presOf/>
-            </dgm:layoutNode>
-          </dgm:forEach>
-        </dgm:layoutNode>
-      </dgm:layoutNode>
-    </dgm:forEach>
-  </dgm:layoutNode>
-</dgm:layoutDef>
-</file>
-
-<file path=ppt/diagrams/quickStyle1.xml><?xml version="1.0" encoding="utf-8"?>
-<dgm:styleDef xmlns:dgm="http://schemas.openxmlformats.org/drawingml/2006/diagram" xmlns:a="http://schemas.openxmlformats.org/drawingml/2006/main" uniqueId="urn:microsoft.com/office/officeart/2005/8/quickstyle/simple4">
-  <dgm:title val=""/>
-  <dgm:desc val=""/>
-  <dgm:catLst>
-    <dgm:cat type="simple" pri="10400"/>
-  </dgm:catLst>
-  <dgm:scene3d>
-    <a:camera prst="orthographicFront"/>
-    <a:lightRig rig="threePt" dir="t"/>
-  </dgm:scene3d>
-  <dgm:styleLbl name="node0">
-    <dgm:scene3d>
-      <a:camera prst="orthographicFront"/>
-      <a:lightRig rig="threePt" dir="t"/>
-    </dgm:scene3d>
-    <dgm:sp3d/>
-    <dgm:txPr/>
-    <dgm:style>
-      <a:lnRef idx="0">
-        <a:scrgbClr r="0" g="0" b="0"/>
-      </a:lnRef>
-      <a:fillRef idx="3">
-        <a:scrgbClr r="0" g="0" b="0"/>
-      </a:fillRef>
-      <a:effectRef idx="2">
-        <a:scrgbClr r="0" g="0" b="0"/>
-      </a:effectRef>
-      <a:fontRef idx="minor">
-        <a:schemeClr val="lt1"/>
-      </a:fontRef>
-    </dgm:style>
-  </dgm:styleLbl>
-  <dgm:styleLbl name="lnNode1">
-    <dgm:scene3d>
-      <a:camera prst="orthographicFront"/>
-      <a:lightRig rig="threePt" dir="t"/>
-    </dgm:scene3d>
-    <dgm:sp3d/>
-    <dgm:txPr/>
-    <dgm:style>
-      <a:lnRef idx="1">
-        <a:scrgbClr r="0" g="0" b="0"/>
-      </a:lnRef>
-      <a:fillRef idx="3">
-        <a:scrgbClr r="0" g="0" b="0"/>
-      </a:fillRef>
-      <a:effectRef idx="2">
-        <a:scrgbClr r="0" g="0" b="0"/>
-      </a:effectRef>
-      <a:fontRef idx="minor">
-        <a:schemeClr val="lt1"/>
-      </a:fontRef>
-    </dgm:style>
-  </dgm:styleLbl>
-  <dgm:styleLbl name="vennNode1">
-    <dgm:scene3d>
-      <a:camera prst="orthographicFront"/>
-      <a:lightRig rig="threePt" dir="t"/>
-    </dgm:scene3d>
-    <dgm:sp3d/>
-    <dgm:txPr/>
-    <dgm:style>
-      <a:lnRef idx="0">
-        <a:scrgbClr r="0" g="0" b="0"/>
-      </a:lnRef>
-      <a:fillRef idx="3">
-        <a:scrgbClr r="0" g="0" b="0"/>
-      </a:fillRef>
-      <a:effectRef idx="0">
-        <a:scrgbClr r="0" g="0" b="0"/>
-      </a:effectRef>
-      <a:fontRef idx="minor">
-        <a:schemeClr val="tx1"/>
-      </a:fontRef>
-    </dgm:style>
-  </dgm:styleLbl>
-  <dgm:styleLbl name="alignNode1">
-    <dgm:scene3d>
-      <a:camera prst="orthographicFront"/>
-      <a:lightRig rig="threePt" dir="t"/>
-    </dgm:scene3d>
-    <dgm:sp3d/>
-    <dgm:txPr/>
-    <dgm:style>
-      <a:lnRef idx="1">
-        <a:scrgbClr r="0" g="0" b="0"/>
-      </a:lnRef>
-      <a:fillRef idx="3">
-        <a:scrgbClr r="0" g="0" b="0"/>
-      </a:fillRef>
-      <a:effectRef idx="2">
-        <a:scrgbClr r="0" g="0" b="0"/>
-      </a:effectRef>
-      <a:fontRef idx="minor">
-        <a:schemeClr val="lt1"/>
-      </a:fontRef>
-    </dgm:style>
-  </dgm:styleLbl>
-  <dgm:styleLbl name="node1">
-    <dgm:scene3d>
-      <a:camera prst="orthographicFront"/>
-      <a:lightRig rig="threePt" dir="t"/>
-    </dgm:scene3d>
-    <dgm:sp3d/>
-    <dgm:txPr/>
-    <dgm:style>
-      <a:lnRef idx="0">
-        <a:scrgbClr r="0" g="0" b="0"/>
-      </a:lnRef>
-      <a:fillRef idx="3">
-        <a:scrgbClr r="0" g="0" b="0"/>
-      </a:fillRef>
-      <a:effectRef idx="2">
-        <a:scrgbClr r="0" g="0" b="0"/>
-      </a:effectRef>
-      <a:fontRef idx="minor">
-        <a:schemeClr val="lt1"/>
-      </a:fontRef>
-    </dgm:style>
-  </dgm:styleLbl>
-  <dgm:styleLbl name="node2">
-    <dgm:scene3d>
-      <a:camera prst="orthographicFront"/>
-      <a:lightRig rig="threePt" dir="t"/>
-    </dgm:scene3d>
-    <dgm:sp3d/>
-    <dgm:txPr/>
-    <dgm:style>
-      <a:lnRef idx="0">
-        <a:scrgbClr r="0" g="0" b="0"/>
-      </a:lnRef>
-      <a:fillRef idx="3">
-        <a:scrgbClr r="0" g="0" b="0"/>
-      </a:fillRef>
-      <a:effectRef idx="2">
-        <a:scrgbClr r="0" g="0" b="0"/>
-      </a:effectRef>
-      <a:fontRef idx="minor">
-        <a:schemeClr val="lt1"/>
-      </a:fontRef>
-    </dgm:style>
-  </dgm:styleLbl>
-  <dgm:styleLbl name="node3">
-    <dgm:scene3d>
-      <a:camera prst="orthographicFront"/>
-      <a:lightRig rig="threePt" dir="t"/>
-    </dgm:scene3d>
-    <dgm:sp3d/>
-    <dgm:txPr/>
-    <dgm:style>
-      <a:lnRef idx="0">
-        <a:scrgbClr r="0" g="0" b="0"/>
-      </a:lnRef>
-      <a:fillRef idx="3">
-        <a:scrgbClr r="0" g="0" b="0"/>
-      </a:fillRef>
-      <a:effectRef idx="2">
-        <a:scrgbClr r="0" g="0" b="0"/>
-      </a:effectRef>
-      <a:fontRef idx="minor">
-        <a:schemeClr val="lt1"/>
-      </a:fontRef>
-    </dgm:style>
-  </dgm:styleLbl>
-  <dgm:styleLbl name="node4">
-    <dgm:scene3d>
-      <a:camera prst="orthographicFront"/>
-      <a:lightRig rig="threePt" dir="t"/>
-    </dgm:scene3d>
-    <dgm:sp3d/>
-    <dgm:txPr/>
-    <dgm:style>
-      <a:lnRef idx="0">
-        <a:scrgbClr r="0" g="0" b="0"/>
-      </a:lnRef>
-      <a:fillRef idx="3">
-        <a:scrgbClr r="0" g="0" b="0"/>
-      </a:fillRef>
-      <a:effectRef idx="2">
-        <a:scrgbClr r="0" g="0" b="0"/>
-      </a:effectRef>
-      <a:fontRef idx="minor">
-        <a:schemeClr val="lt1"/>
-      </a:fontRef>
-    </dgm:style>
-  </dgm:styleLbl>
-  <dgm:styleLbl name="fgImgPlace1">
-    <dgm:scene3d>
-      <a:camera prst="orthographicFront"/>
-      <a:lightRig rig="threePt" dir="t"/>
-    </dgm:scene3d>
-    <dgm:sp3d/>
-    <dgm:txPr/>
-    <dgm:style>
-      <a:lnRef idx="0">
-        <a:scrgbClr r="0" g="0" b="0"/>
-      </a:lnRef>
-      <a:fillRef idx="1">
-        <a:scrgbClr r="0" g="0" b="0"/>
-      </a:fillRef>
-      <a:effectRef idx="2">
-        <a:scrgbClr r="0" g="0" b="0"/>
-      </a:effectRef>
-      <a:fontRef idx="minor"/>
-    </dgm:style>
-  </dgm:styleLbl>
-  <dgm:styleLbl name="alignImgPlace1">
-    <dgm:scene3d>
-      <a:camera prst="orthographicFront"/>
-      <a:lightRig rig="threePt" dir="t"/>
-    </dgm:scene3d>
-    <dgm:sp3d/>
-    <dgm:txPr/>
-    <dgm:style>
-      <a:lnRef idx="0">
-        <a:scrgbClr r="0" g="0" b="0"/>
-      </a:lnRef>
-      <a:fillRef idx="1">
-        <a:scrgbClr r="0" g="0" b="0"/>
-      </a:fillRef>
-      <a:effectRef idx="2">
-        <a:scrgbClr r="0" g="0" b="0"/>
-      </a:effectRef>
-      <a:fontRef idx="minor"/>
-    </dgm:style>
-  </dgm:styleLbl>
-  <dgm:styleLbl name="bgImgPlace1">
-    <dgm:scene3d>
-      <a:camera prst="orthographicFront"/>
-      <a:lightRig rig="threePt" dir="t"/>
-    </dgm:scene3d>
-    <dgm:sp3d/>
-    <dgm:txPr/>
-    <dgm:style>
-      <a:lnRef idx="0">
-        <a:scrgbClr r="0" g="0" b="0"/>
-      </a:lnRef>
-      <a:fillRef idx="1">
-        <a:scrgbClr r="0" g="0" b="0"/>
-      </a:fillRef>
-      <a:effectRef idx="2">
-        <a:scrgbClr r="0" g="0" b="0"/>
-      </a:effectRef>
-      <a:fontRef idx="minor"/>
-    </dgm:style>
-  </dgm:styleLbl>
-  <dgm:styleLbl name="sibTrans2D1">
-    <dgm:scene3d>
-      <a:camera prst="orthographicFront"/>
-      <a:lightRig rig="threePt" dir="t"/>
-    </dgm:scene3d>
-    <dgm:sp3d/>
-    <dgm:txPr/>
-    <dgm:style>
-      <a:lnRef idx="0">
-        <a:scrgbClr r="0" g="0" b="0"/>
-      </a:lnRef>
-      <a:fillRef idx="3">
-        <a:scrgbClr r="0" g="0" b="0"/>
-      </a:fillRef>
-      <a:effectRef idx="2">
-        <a:scrgbClr r="0" g="0" b="0"/>
-      </a:effectRef>
-      <a:fontRef idx="minor">
-        <a:schemeClr val="lt1"/>
-      </a:fontRef>
-    </dgm:style>
-  </dgm:styleLbl>
-  <dgm:styleLbl name="fgSibTrans2D1">
-    <dgm:scene3d>
-      <a:camera prst="orthographicFront"/>
-      <a:lightRig rig="threePt" dir="t"/>
-    </dgm:scene3d>
-    <dgm:sp3d/>
-    <dgm:txPr/>
-    <dgm:style>
-      <a:lnRef idx="0">
-        <a:scrgbClr r="0" g="0" b="0"/>
-      </a:lnRef>
-      <a:fillRef idx="3">
-        <a:scrgbClr r="0" g="0" b="0"/>
-      </a:fillRef>
-      <a:effectRef idx="2">
-        <a:scrgbClr r="0" g="0" b="0"/>
-      </a:effectRef>
-      <a:fontRef idx="minor">
-        <a:schemeClr val="lt1"/>
-      </a:fontRef>
-    </dgm:style>
-  </dgm:styleLbl>
-  <dgm:styleLbl name="bgSibTrans2D1">
-    <dgm:scene3d>
-      <a:camera prst="orthographicFront"/>
-      <a:lightRig rig="threePt" dir="t"/>
-    </dgm:scene3d>
-    <dgm:sp3d/>
-    <dgm:txPr/>
-    <dgm:style>
-      <a:lnRef idx="0">
-        <a:scrgbClr r="0" g="0" b="0"/>
-      </a:lnRef>
-      <a:fillRef idx="3">
-        <a:scrgbClr r="0" g="0" b="0"/>
-      </a:fillRef>
-      <a:effectRef idx="2">
-        <a:scrgbClr r="0" g="0" b="0"/>
-      </a:effectRef>
-      <a:fontRef idx="minor">
-        <a:schemeClr val="lt1"/>
-      </a:fontRef>
-    </dgm:style>
-  </dgm:styleLbl>
-  <dgm:styleLbl name="sibTrans1D1">
-    <dgm:scene3d>
-      <a:camera prst="orthographicFront"/>
-      <a:lightRig rig="threePt" dir="t"/>
-    </dgm:scene3d>
-    <dgm:sp3d/>
-    <dgm:txPr/>
-    <dgm:style>
-      <a:lnRef idx="1">
-        <a:scrgbClr r="0" g="0" b="0"/>
-      </a:lnRef>
-      <a:fillRef idx="0">
-        <a:scrgbClr r="0" g="0" b="0"/>
-      </a:fillRef>
-      <a:effectRef idx="0">
-        <a:scrgbClr r="0" g="0" b="0"/>
-      </a:effectRef>
-      <a:fontRef idx="minor"/>
-    </dgm:style>
-  </dgm:styleLbl>
-  <dgm:styleLbl name="callout">
-    <dgm:scene3d>
-      <a:camera prst="orthographicFront"/>
-      <a:lightRig rig="threePt" dir="t"/>
-    </dgm:scene3d>
-    <dgm:sp3d/>
-    <dgm:txPr/>
-    <dgm:style>
-      <a:lnRef idx="2">
-        <a:scrgbClr r="0" g="0" b="0"/>
-      </a:lnRef>
-      <a:fillRef idx="1">
-        <a:scrgbClr r="0" g="0" b="0"/>
-      </a:fillRef>
-      <a:effectRef idx="1">
-        <a:scrgbClr r="0" g="0" b="0"/>
-      </a:effectRef>
-      <a:fontRef idx="minor"/>
-    </dgm:style>
-  </dgm:styleLbl>
-  <dgm:styleLbl name="asst0">
-    <dgm:scene3d>
-      <a:camera prst="orthographicFront"/>
-      <a:lightRig rig="threePt" dir="t"/>
-    </dgm:scene3d>
-    <dgm:sp3d/>
-    <dgm:txPr/>
-    <dgm:style>
-      <a:lnRef idx="0">
-        <a:scrgbClr r="0" g="0" b="0"/>
-      </a:lnRef>
-      <a:fillRef idx="3">
-        <a:scrgbClr r="0" g="0" b="0"/>
-      </a:fillRef>
-      <a:effectRef idx="2">
-        <a:scrgbClr r="0" g="0" b="0"/>
-      </a:effectRef>
-      <a:fontRef idx="minor">
-        <a:schemeClr val="lt1"/>
-      </a:fontRef>
-    </dgm:style>
-  </dgm:styleLbl>
-  <dgm:styleLbl name="asst1">
-    <dgm:scene3d>
-      <a:camera prst="orthographicFront"/>
-      <a:lightRig rig="threePt" dir="t"/>
-    </dgm:scene3d>
-    <dgm:sp3d/>
-    <dgm:txPr/>
-    <dgm:style>
-      <a:lnRef idx="0">
-        <a:scrgbClr r="0" g="0" b="0"/>
-      </a:lnRef>
-      <a:fillRef idx="3">
-        <a:scrgbClr r="0" g="0" b="0"/>
-      </a:fillRef>
-      <a:effectRef idx="2">
-        <a:scrgbClr r="0" g="0" b="0"/>
-      </a:effectRef>
-      <a:fontRef idx="minor">
-        <a:schemeClr val="lt1"/>
-      </a:fontRef>
-    </dgm:style>
-  </dgm:styleLbl>
-  <dgm:styleLbl name="asst2">
-    <dgm:scene3d>
-      <a:camera prst="orthographicFront"/>
-      <a:lightRig rig="threePt" dir="t"/>
-    </dgm:scene3d>
-    <dgm:sp3d/>
-    <dgm:txPr/>
-    <dgm:style>
-      <a:lnRef idx="0">
-        <a:scrgbClr r="0" g="0" b="0"/>
-      </a:lnRef>
-      <a:fillRef idx="3">
-        <a:scrgbClr r="0" g="0" b="0"/>
-      </a:fillRef>
-      <a:effectRef idx="2">
-        <a:scrgbClr r="0" g="0" b="0"/>
-      </a:effectRef>
-      <a:fontRef idx="minor">
-        <a:schemeClr val="lt1"/>
-      </a:fontRef>
-    </dgm:style>
-  </dgm:styleLbl>
-  <dgm:styleLbl name="asst3">
-    <dgm:scene3d>
-      <a:camera prst="orthographicFront"/>
-      <a:lightRig rig="threePt" dir="t"/>
-    </dgm:scene3d>
-    <dgm:sp3d/>
-    <dgm:txPr/>
-    <dgm:style>
-      <a:lnRef idx="0">
-        <a:scrgbClr r="0" g="0" b="0"/>
-      </a:lnRef>
-      <a:fillRef idx="3">
-        <a:scrgbClr r="0" g="0" b="0"/>
-      </a:fillRef>
-      <a:effectRef idx="2">
-        <a:scrgbClr r="0" g="0" b="0"/>
-      </a:effectRef>
-      <a:fontRef idx="minor">
-        <a:schemeClr val="lt1"/>
-      </a:fontRef>
-    </dgm:style>
-  </dgm:styleLbl>
-  <dgm:styleLbl name="asst4">
-    <dgm:scene3d>
-      <a:camera prst="orthographicFront"/>
-      <a:lightRig rig="threePt" dir="t"/>
-    </dgm:scene3d>
-    <dgm:sp3d/>
-    <dgm:txPr/>
-    <dgm:style>
-      <a:lnRef idx="0">
-        <a:scrgbClr r="0" g="0" b="0"/>
-      </a:lnRef>
-      <a:fillRef idx="3">
-        <a:scrgbClr r="0" g="0" b="0"/>
-      </a:fillRef>
-      <a:effectRef idx="2">
-        <a:scrgbClr r="0" g="0" b="0"/>
-      </a:effectRef>
-      <a:fontRef idx="minor">
-        <a:schemeClr val="lt1"/>
-      </a:fontRef>
-    </dgm:style>
-  </dgm:styleLbl>
-  <dgm:styleLbl name="parChTrans2D1">
-    <dgm:scene3d>
-      <a:camera prst="orthographicFront"/>
-      <a:lightRig rig="threePt" dir="t"/>
-    </dgm:scene3d>
-    <dgm:sp3d/>
-    <dgm:txPr/>
-    <dgm:style>
-      <a:lnRef idx="0">
-        <a:scrgbClr r="0" g="0" b="0"/>
-      </a:lnRef>
-      <a:fillRef idx="3">
-        <a:scrgbClr r="0" g="0" b="0"/>
-      </a:fillRef>
-      <a:effectRef idx="2">
-        <a:scrgbClr r="0" g="0" b="0"/>
-      </a:effectRef>
-      <a:fontRef idx="minor">
-        <a:schemeClr val="lt1"/>
-      </a:fontRef>
-    </dgm:style>
-  </dgm:styleLbl>
-  <dgm:styleLbl name="parChTrans2D2">
-    <dgm:scene3d>
-      <a:camera prst="orthographicFront"/>
-      <a:lightRig rig="threePt" dir="t"/>
-    </dgm:scene3d>
-    <dgm:sp3d/>
-    <dgm:txPr/>
-    <dgm:style>
-      <a:lnRef idx="0">
-        <a:scrgbClr r="0" g="0" b="0"/>
-      </a:lnRef>
-      <a:fillRef idx="3">
-        <a:scrgbClr r="0" g="0" b="0"/>
-      </a:fillRef>
-      <a:effectRef idx="2">
-        <a:scrgbClr r="0" g="0" b="0"/>
-      </a:effectRef>
-      <a:fontRef idx="minor">
-        <a:schemeClr val="lt1"/>
-      </a:fontRef>
-    </dgm:style>
-  </dgm:styleLbl>
-  <dgm:styleLbl name="parChTrans2D3">
-    <dgm:scene3d>
-      <a:camera prst="orthographicFront"/>
-      <a:lightRig rig="threePt" dir="t"/>
-    </dgm:scene3d>
-    <dgm:sp3d/>
-    <dgm:txPr/>
-    <dgm:style>
-      <a:lnRef idx="1">
-        <a:scrgbClr r="0" g="0" b="0"/>
-      </a:lnRef>
-      <a:fillRef idx="3">
-        <a:scrgbClr r="0" g="0" b="0"/>
-      </a:fillRef>
-      <a:effectRef idx="2">
-        <a:scrgbClr r="0" g="0" b="0"/>
-      </a:effectRef>
-      <a:fontRef idx="minor">
-        <a:schemeClr val="lt1"/>
-      </a:fontRef>
-    </dgm:style>
-  </dgm:styleLbl>
-  <dgm:styleLbl name="parChTrans2D4">
-    <dgm:scene3d>
-      <a:camera prst="orthographicFront"/>
-      <a:lightRig rig="threePt" dir="t"/>
-    </dgm:scene3d>
-    <dgm:sp3d/>
-    <dgm:txPr/>
-    <dgm:style>
-      <a:lnRef idx="1">
-        <a:scrgbClr r="0" g="0" b="0"/>
-      </a:lnRef>
-      <a:fillRef idx="3">
-        <a:scrgbClr r="0" g="0" b="0"/>
-      </a:fillRef>
-      <a:effectRef idx="2">
-        <a:scrgbClr r="0" g="0" b="0"/>
-      </a:effectRef>
-      <a:fontRef idx="minor">
-        <a:schemeClr val="lt1"/>
-      </a:fontRef>
-    </dgm:style>
-  </dgm:styleLbl>
-  <dgm:styleLbl name="parChTrans1D1">
-    <dgm:scene3d>
-      <a:camera prst="orthographicFront"/>
-      <a:lightRig rig="threePt" dir="t"/>
-    </dgm:scene3d>
-    <dgm:sp3d/>
-    <dgm:txPr/>
-    <dgm:style>
-      <a:lnRef idx="1">
-        <a:scrgbClr r="0" g="0" b="0"/>
-      </a:lnRef>
-      <a:fillRef idx="0">
-        <a:scrgbClr r="0" g="0" b="0"/>
-      </a:fillRef>
-      <a:effectRef idx="0">
-        <a:scrgbClr r="0" g="0" b="0"/>
-      </a:effectRef>
-      <a:fontRef idx="minor"/>
-    </dgm:style>
-  </dgm:styleLbl>
-  <dgm:styleLbl name="parChTrans1D2">
-    <dgm:scene3d>
-      <a:camera prst="orthographicFront"/>
-      <a:lightRig rig="threePt" dir="t"/>
-    </dgm:scene3d>
-    <dgm:sp3d/>
-    <dgm:txPr/>
-    <dgm:style>
-      <a:lnRef idx="1">
-        <a:scrgbClr r="0" g="0" b="0"/>
-      </a:lnRef>
-      <a:fillRef idx="0">
-        <a:scrgbClr r="0" g="0" b="0"/>
-      </a:fillRef>
-      <a:effectRef idx="0">
-        <a:scrgbClr r="0" g="0" b="0"/>
-      </a:effectRef>
-      <a:fontRef idx="minor"/>
-    </dgm:style>
-  </dgm:styleLbl>
-  <dgm:styleLbl name="parChTrans1D3">
-    <dgm:scene3d>
-      <a:camera prst="orthographicFront"/>
-      <a:lightRig rig="threePt" dir="t"/>
-    </dgm:scene3d>
-    <dgm:sp3d/>
-    <dgm:txPr/>
-    <dgm:style>
-      <a:lnRef idx="1">
-        <a:scrgbClr r="0" g="0" b="0"/>
-      </a:lnRef>
-      <a:fillRef idx="0">
-        <a:scrgbClr r="0" g="0" b="0"/>
-      </a:fillRef>
-      <a:effectRef idx="0">
-        <a:scrgbClr r="0" g="0" b="0"/>
-      </a:effectRef>
-      <a:fontRef idx="minor"/>
-    </dgm:style>
-  </dgm:styleLbl>
-  <dgm:styleLbl name="parChTrans1D4">
-    <dgm:scene3d>
-      <a:camera prst="orthographicFront"/>
-      <a:lightRig rig="threePt" dir="t"/>
-    </dgm:scene3d>
-    <dgm:sp3d/>
-    <dgm:txPr/>
-    <dgm:style>
-      <a:lnRef idx="1">
-        <a:scrgbClr r="0" g="0" b="0"/>
-      </a:lnRef>
-      <a:fillRef idx="0">
-        <a:scrgbClr r="0" g="0" b="0"/>
-      </a:fillRef>
-      <a:effectRef idx="0">
-        <a:scrgbClr r="0" g="0" b="0"/>
-      </a:effectRef>
-      <a:fontRef idx="minor"/>
-    </dgm:style>
-  </dgm:styleLbl>
-  <dgm:styleLbl name="fgAcc1">
-    <dgm:scene3d>
-      <a:camera prst="orthographicFront"/>
-      <a:lightRig rig="threePt" dir="t"/>
-    </dgm:scene3d>
-    <dgm:sp3d/>
-    <dgm:txPr/>
-    <dgm:style>
-      <a:lnRef idx="1">
-        <a:scrgbClr r="0" g="0" b="0"/>
-      </a:lnRef>
-      <a:fillRef idx="1">
-        <a:scrgbClr r="0" g="0" b="0"/>
-      </a:fillRef>
-      <a:effectRef idx="0">
-        <a:scrgbClr r="0" g="0" b="0"/>
-      </a:effectRef>
-      <a:fontRef idx="minor"/>
-    </dgm:style>
-  </dgm:styleLbl>
-  <dgm:styleLbl name="conFgAcc1">
-    <dgm:scene3d>
-      <a:camera prst="orthographicFront"/>
-      <a:lightRig rig="threePt" dir="t"/>
-    </dgm:scene3d>
-    <dgm:sp3d/>
-    <dgm:txPr/>
-    <dgm:style>
-      <a:lnRef idx="1">
-        <a:scrgbClr r="0" g="0" b="0"/>
-      </a:lnRef>
-      <a:fillRef idx="1">
-        <a:scrgbClr r="0" g="0" b="0"/>
-      </a:fillRef>
-      <a:effectRef idx="0">
-        <a:scrgbClr r="0" g="0" b="0"/>
-      </a:effectRef>
-      <a:fontRef idx="minor"/>
-    </dgm:style>
-  </dgm:styleLbl>
-  <dgm:styleLbl name="alignAcc1">
-    <dgm:scene3d>
-      <a:camera prst="orthographicFront"/>
-      <a:lightRig rig="threePt" dir="t"/>
-    </dgm:scene3d>
-    <dgm:sp3d/>
-    <dgm:txPr/>
-    <dgm:style>
-      <a:lnRef idx="1">
-        <a:scrgbClr r="0" g="0" b="0"/>
-      </a:lnRef>
-      <a:fillRef idx="1">
-        <a:scrgbClr r="0" g="0" b="0"/>
-      </a:fillRef>
-      <a:effectRef idx="0">
-        <a:scrgbClr r="0" g="0" b="0"/>
-      </a:effectRef>
-      <a:fontRef idx="minor"/>
-    </dgm:style>
-  </dgm:styleLbl>
-  <dgm:styleLbl name="trAlignAcc1">
-    <dgm:scene3d>
-      <a:camera prst="orthographicFront"/>
-      <a:lightRig rig="threePt" dir="t"/>
-    </dgm:scene3d>
-    <dgm:sp3d/>
-    <dgm:txPr/>
-    <dgm:style>
-      <a:lnRef idx="1">
-        <a:scrgbClr r="0" g="0" b="0"/>
-      </a:lnRef>
-      <a:fillRef idx="1">
-        <a:scrgbClr r="0" g="0" b="0"/>
-      </a:fillRef>
-      <a:effectRef idx="0">
-        <a:scrgbClr r="0" g="0" b="0"/>
-      </a:effectRef>
-      <a:fontRef idx="minor"/>
-    </dgm:style>
-  </dgm:styleLbl>
-  <dgm:styleLbl name="bgAcc1">
-    <dgm:scene3d>
-      <a:camera prst="orthographicFront"/>
-      <a:lightRig rig="threePt" dir="t"/>
-    </dgm:scene3d>
-    <dgm:sp3d/>
-    <dgm:txPr/>
-    <dgm:style>
-      <a:lnRef idx="1">
-        <a:scrgbClr r="0" g="0" b="0"/>
-      </a:lnRef>
-      <a:fillRef idx="1">
-        <a:scrgbClr r="0" g="0" b="0"/>
-      </a:fillRef>
-      <a:effectRef idx="0">
-        <a:scrgbClr r="0" g="0" b="0"/>
-      </a:effectRef>
-      <a:fontRef idx="minor"/>
-    </dgm:style>
-  </dgm:styleLbl>
-  <dgm:styleLbl name="solidFgAcc1">
-    <dgm:scene3d>
-      <a:camera prst="orthographicFront"/>
-      <a:lightRig rig="threePt" dir="t"/>
-    </dgm:scene3d>
-    <dgm:sp3d/>
-    <dgm:txPr/>
-    <dgm:style>
-      <a:lnRef idx="1">
-        <a:scrgbClr r="0" g="0" b="0"/>
-      </a:lnRef>
-      <a:fillRef idx="1">
-        <a:scrgbClr r="0" g="0" b="0"/>
-      </a:fillRef>
-      <a:effectRef idx="0">
-        <a:scrgbClr r="0" g="0" b="0"/>
-      </a:effectRef>
-      <a:fontRef idx="minor"/>
-    </dgm:style>
-  </dgm:styleLbl>
-  <dgm:styleLbl name="solidAlignAcc1">
-    <dgm:scene3d>
-      <a:camera prst="orthographicFront"/>
-      <a:lightRig rig="threePt" dir="t"/>
-    </dgm:scene3d>
-    <dgm:sp3d/>
-    <dgm:txPr/>
-    <dgm:style>
-      <a:lnRef idx="1">
-        <a:scrgbClr r="0" g="0" b="0"/>
-      </a:lnRef>
-      <a:fillRef idx="1">
-        <a:scrgbClr r="0" g="0" b="0"/>
-      </a:fillRef>
-      <a:effectRef idx="0">
-        <a:scrgbClr r="0" g="0" b="0"/>
-      </a:effectRef>
-      <a:fontRef idx="minor"/>
-    </dgm:style>
-  </dgm:styleLbl>
-  <dgm:styleLbl name="solidBgAcc1">
-    <dgm:scene3d>
-      <a:camera prst="orthographicFront"/>
-      <a:lightRig rig="threePt" dir="t"/>
-    </dgm:scene3d>
-    <dgm:sp3d/>
-    <dgm:txPr/>
-    <dgm:style>
-      <a:lnRef idx="1">
-        <a:scrgbClr r="0" g="0" b="0"/>
-      </a:lnRef>
-      <a:fillRef idx="1">
-        <a:scrgbClr r="0" g="0" b="0"/>
-      </a:fillRef>
-      <a:effectRef idx="0">
-        <a:scrgbClr r="0" g="0" b="0"/>
-      </a:effectRef>
-      <a:fontRef idx="minor"/>
-    </dgm:style>
-  </dgm:styleLbl>
-  <dgm:styleLbl name="fgAccFollowNode1">
-    <dgm:scene3d>
-      <a:camera prst="orthographicFront"/>
-      <a:lightRig rig="threePt" dir="t"/>
-    </dgm:scene3d>
-    <dgm:sp3d/>
-    <dgm:txPr/>
-    <dgm:style>
-      <a:lnRef idx="1">
-        <a:scrgbClr r="0" g="0" b="0"/>
-      </a:lnRef>
-      <a:fillRef idx="1">
-        <a:scrgbClr r="0" g="0" b="0"/>
-      </a:fillRef>
-      <a:effectRef idx="0">
-        <a:scrgbClr r="0" g="0" b="0"/>
-      </a:effectRef>
-      <a:fontRef idx="minor"/>
-    </dgm:style>
-  </dgm:styleLbl>
-  <dgm:styleLbl name="alignAccFollowNode1">
-    <dgm:scene3d>
-      <a:camera prst="orthographicFront"/>
-      <a:lightRig rig="threePt" dir="t"/>
-    </dgm:scene3d>
-    <dgm:sp3d/>
-    <dgm:txPr/>
-    <dgm:style>
-      <a:lnRef idx="1">
-        <a:scrgbClr r="0" g="0" b="0"/>
-      </a:lnRef>
-      <a:fillRef idx="1">
-        <a:scrgbClr r="0" g="0" b="0"/>
-      </a:fillRef>
-      <a:effectRef idx="0">
-        <a:scrgbClr r="0" g="0" b="0"/>
-      </a:effectRef>
-      <a:fontRef idx="minor"/>
-    </dgm:style>
-  </dgm:styleLbl>
-  <dgm:styleLbl name="bgAccFollowNode1">
-    <dgm:scene3d>
-      <a:camera prst="orthographicFront"/>
-      <a:lightRig rig="threePt" dir="t"/>
-    </dgm:scene3d>
-    <dgm:sp3d/>
-    <dgm:txPr/>
-    <dgm:style>
-      <a:lnRef idx="1">
-        <a:scrgbClr r="0" g="0" b="0"/>
-      </a:lnRef>
-      <a:fillRef idx="1">
-        <a:scrgbClr r="0" g="0" b="0"/>
-      </a:fillRef>
-      <a:effectRef idx="0">
-        <a:scrgbClr r="0" g="0" b="0"/>
-      </a:effectRef>
-      <a:fontRef idx="minor"/>
-    </dgm:style>
-  </dgm:styleLbl>
-  <dgm:styleLbl name="fgAcc0">
-    <dgm:scene3d>
-      <a:camera prst="orthographicFront"/>
-      <a:lightRig rig="threePt" dir="t"/>
-    </dgm:scene3d>
-    <dgm:sp3d/>
-    <dgm:txPr/>
-    <dgm:style>
-      <a:lnRef idx="1">
-        <a:scrgbClr r="0" g="0" b="0"/>
-      </a:lnRef>
-      <a:fillRef idx="1">
-        <a:scrgbClr r="0" g="0" b="0"/>
-      </a:fillRef>
-      <a:effectRef idx="0">
-        <a:scrgbClr r="0" g="0" b="0"/>
-      </a:effectRef>
-      <a:fontRef idx="minor"/>
-    </dgm:style>
-  </dgm:styleLbl>
-  <dgm:styleLbl name="fgAcc2">
-    <dgm:scene3d>
-      <a:camera prst="orthographicFront"/>
-      <a:lightRig rig="threePt" dir="t"/>
-    </dgm:scene3d>
-    <dgm:sp3d/>
-    <dgm:txPr/>
-    <dgm:style>
-      <a:lnRef idx="1">
-        <a:scrgbClr r="0" g="0" b="0"/>
-      </a:lnRef>
-      <a:fillRef idx="1">
-        <a:scrgbClr r="0" g="0" b="0"/>
-      </a:fillRef>
-      <a:effectRef idx="0">
-        <a:scrgbClr r="0" g="0" b="0"/>
-      </a:effectRef>
-      <a:fontRef idx="minor"/>
-    </dgm:style>
-  </dgm:styleLbl>
-  <dgm:styleLbl name="fgAcc3">
-    <dgm:scene3d>
-      <a:camera prst="orthographicFront"/>
-      <a:lightRig rig="threePt" dir="t"/>
-    </dgm:scene3d>
-    <dgm:sp3d/>
-    <dgm:txPr/>
-    <dgm:style>
-      <a:lnRef idx="1">
-        <a:scrgbClr r="0" g="0" b="0"/>
-      </a:lnRef>
-      <a:fillRef idx="1">
-        <a:scrgbClr r="0" g="0" b="0"/>
-      </a:fillRef>
-      <a:effectRef idx="0">
-        <a:scrgbClr r="0" g="0" b="0"/>
-      </a:effectRef>
-      <a:fontRef idx="minor"/>
-    </dgm:style>
-  </dgm:styleLbl>
-  <dgm:styleLbl name="fgAcc4">
-    <dgm:scene3d>
-      <a:camera prst="orthographicFront"/>
-      <a:lightRig rig="threePt" dir="t"/>
-    </dgm:scene3d>
-    <dgm:sp3d/>
-    <dgm:txPr/>
-    <dgm:style>
-      <a:lnRef idx="1">
-        <a:scrgbClr r="0" g="0" b="0"/>
-      </a:lnRef>
-      <a:fillRef idx="1">
-        <a:scrgbClr r="0" g="0" b="0"/>
-      </a:fillRef>
-      <a:effectRef idx="0">
-        <a:scrgbClr r="0" g="0" b="0"/>
-      </a:effectRef>
-      <a:fontRef idx="minor"/>
-    </dgm:style>
-  </dgm:styleLbl>
-  <dgm:styleLbl name="bgShp">
-    <dgm:scene3d>
-      <a:camera prst="orthographicFront"/>
-      <a:lightRig rig="threePt" dir="t"/>
-    </dgm:scene3d>
-    <dgm:sp3d/>
-    <dgm:txPr/>
-    <dgm:style>
-      <a:lnRef idx="0">
-        <a:scrgbClr r="0" g="0" b="0"/>
-      </a:lnRef>
-      <a:fillRef idx="1">
-        <a:scrgbClr r="0" g="0" b="0"/>
-      </a:fillRef>
-      <a:effectRef idx="2">
-        <a:scrgbClr r="0" g="0" b="0"/>
-      </a:effectRef>
-      <a:fontRef idx="minor"/>
-    </dgm:style>
-  </dgm:styleLbl>
-  <dgm:styleLbl name="dkBgShp">
-    <dgm:scene3d>
-      <a:camera prst="orthographicFront"/>
-      <a:lightRig rig="threePt" dir="t"/>
-    </dgm:scene3d>
-    <dgm:sp3d/>
-    <dgm:txPr/>
-    <dgm:style>
-      <a:lnRef idx="0">
-        <a:scrgbClr r="0" g="0" b="0"/>
-      </a:lnRef>
-      <a:fillRef idx="1">
-        <a:scrgbClr r="0" g="0" b="0"/>
-      </a:fillRef>
-      <a:effectRef idx="2">
-        <a:scrgbClr r="0" g="0" b="0"/>
-      </a:effectRef>
-      <a:fontRef idx="minor"/>
-    </dgm:style>
-  </dgm:styleLbl>
-  <dgm:styleLbl name="trBgShp">
-    <dgm:scene3d>
-      <a:camera prst="orthographicFront"/>
-      <a:lightRig rig="threePt" dir="t"/>
-    </dgm:scene3d>
-    <dgm:sp3d/>
-    <dgm:txPr/>
-    <dgm:style>
-      <a:lnRef idx="0">
-        <a:scrgbClr r="0" g="0" b="0"/>
-      </a:lnRef>
-      <a:fillRef idx="1">
-        <a:scrgbClr r="0" g="0" b="0"/>
-      </a:fillRef>
-      <a:effectRef idx="0">
-        <a:scrgbClr r="0" g="0" b="0"/>
-      </a:effectRef>
-      <a:fontRef idx="minor"/>
-    </dgm:style>
-  </dgm:styleLbl>
-  <dgm:styleLbl name="fgShp">
-    <dgm:scene3d>
-      <a:camera prst="orthographicFront"/>
-      <a:lightRig rig="threePt" dir="t"/>
-    </dgm:scene3d>
-    <dgm:sp3d/>
-    <dgm:txPr/>
-    <dgm:style>
-      <a:lnRef idx="0">
-        <a:scrgbClr r="0" g="0" b="0"/>
-      </a:lnRef>
-      <a:fillRef idx="3">
-        <a:scrgbClr r="0" g="0" b="0"/>
-      </a:fillRef>
-      <a:effectRef idx="2">
-        <a:scrgbClr r="0" g="0" b="0"/>
-      </a:effectRef>
-      <a:fontRef idx="minor"/>
-    </dgm:style>
-  </dgm:styleLbl>
-  <dgm:styleLbl name="revTx">
-    <dgm:scene3d>
-      <a:camera prst="orthographicFront"/>
-      <a:lightRig rig="threePt" dir="t"/>
-    </dgm:scene3d>
-    <dgm:sp3d/>
-    <dgm:txPr/>
-    <dgm:style>
-      <a:lnRef idx="0">
-        <a:scrgbClr r="0" g="0" b="0"/>
-      </a:lnRef>
-      <a:fillRef idx="0">
-        <a:scrgbClr r="0" g="0" b="0"/>
-      </a:fillRef>
-      <a:effectRef idx="0">
-        <a:scrgbClr r="0" g="0" b="0"/>
-      </a:effectRef>
-      <a:fontRef idx="minor"/>
-    </dgm:style>
-  </dgm:styleLbl>
-</dgm:styleDef>
-</file>
-
 <file path=ppt/notesMasters/notesMaster1.xml><?xml version="1.0" encoding="utf-8"?>
 <p:notesMaster xmlns:a="http://schemas.openxmlformats.org/drawingml/2006/main" xmlns:r="http://schemas.openxmlformats.org/officeDocument/2006/relationships" xmlns:p="http://schemas.openxmlformats.org/presentationml/2006/main">
   <p:cSld>
@@ -3141,7 +205,7 @@
           <a:p>
             <a:fld id="{094B1555-FBCA-46D7-93CB-9A855126E135}" type="datetimeFigureOut">
               <a:rPr lang="en-GB" smtClean="0"/>
-              <a:t>18/10/2021</a:t>
+              <a:t>13/11/2021</a:t>
             </a:fld>
             <a:endParaRPr lang="en-GB"/>
           </a:p>
@@ -3572,7 +636,7 @@
           <a:p>
             <a:fld id="{5DE12A47-ACF5-4A9B-842F-9CFFDF15558D}" type="datetime1">
               <a:rPr lang="en-US" smtClean="0"/>
-              <a:t>10/18/2021</a:t>
+              <a:t>11/13/2021</a:t>
             </a:fld>
             <a:endParaRPr lang="en-US" dirty="0"/>
           </a:p>
@@ -3747,7 +811,7 @@
           <a:p>
             <a:fld id="{60631CD0-D34A-412F-B64D-3C71B6F3F388}" type="datetime1">
               <a:rPr lang="en-US" smtClean="0"/>
-              <a:t>10/18/2021</a:t>
+              <a:t>11/13/2021</a:t>
             </a:fld>
             <a:endParaRPr lang="en-US" dirty="0"/>
           </a:p>
@@ -3931,7 +995,7 @@
           <a:p>
             <a:fld id="{C112E307-7AB1-4C71-BA1E-34A4ADBDDBC0}" type="datetime1">
               <a:rPr lang="en-US" smtClean="0"/>
-              <a:t>10/18/2021</a:t>
+              <a:t>11/13/2021</a:t>
             </a:fld>
             <a:endParaRPr lang="en-US" dirty="0"/>
           </a:p>
@@ -4106,7 +1170,7 @@
           <a:p>
             <a:fld id="{564D4B1B-249A-45D4-95F6-C1317430CC7B}" type="datetime1">
               <a:rPr lang="en-US" smtClean="0"/>
-              <a:t>10/18/2021</a:t>
+              <a:t>11/13/2021</a:t>
             </a:fld>
             <a:endParaRPr lang="en-US" dirty="0"/>
           </a:p>
@@ -4379,7 +1443,7 @@
           <a:p>
             <a:fld id="{EF4602D7-1F34-4B66-AE13-14ED72ED41A5}" type="datetime1">
               <a:rPr lang="en-US" smtClean="0"/>
-              <a:t>10/18/2021</a:t>
+              <a:t>11/13/2021</a:t>
             </a:fld>
             <a:endParaRPr lang="en-US" dirty="0"/>
           </a:p>
@@ -4616,7 +1680,7 @@
           <a:p>
             <a:fld id="{838573E4-098A-4B7B-A0A1-C23077604F3B}" type="datetime1">
               <a:rPr lang="en-US" smtClean="0"/>
-              <a:t>10/18/2021</a:t>
+              <a:t>11/13/2021</a:t>
             </a:fld>
             <a:endParaRPr lang="en-US" dirty="0"/>
           </a:p>
@@ -4975,7 +2039,7 @@
           <a:p>
             <a:fld id="{3E48AD73-2EAD-449D-BF20-E9F813E612CE}" type="datetime1">
               <a:rPr lang="en-US" smtClean="0"/>
-              <a:t>10/18/2021</a:t>
+              <a:t>11/13/2021</a:t>
             </a:fld>
             <a:endParaRPr lang="en-US" dirty="0"/>
           </a:p>
@@ -5120,7 +2184,7 @@
           <a:p>
             <a:fld id="{378B2090-26F9-47F1-99DD-FE1D9638D475}" type="datetime1">
               <a:rPr lang="en-US" smtClean="0"/>
-              <a:t>10/18/2021</a:t>
+              <a:t>11/13/2021</a:t>
             </a:fld>
             <a:endParaRPr lang="en-US" dirty="0"/>
           </a:p>
@@ -5219,7 +2283,7 @@
           <a:p>
             <a:fld id="{692D8151-4636-4D9D-9ED2-1E88436F4793}" type="datetime1">
               <a:rPr lang="en-US" smtClean="0"/>
-              <a:t>10/18/2021</a:t>
+              <a:t>11/13/2021</a:t>
             </a:fld>
             <a:endParaRPr lang="en-US" dirty="0"/>
           </a:p>
@@ -5580,7 +2644,7 @@
           <a:p>
             <a:fld id="{04202BBE-07E1-4202-B719-E21EB03C0E55}" type="datetime1">
               <a:rPr lang="en-US" smtClean="0"/>
-              <a:t>10/18/2021</a:t>
+              <a:t>11/13/2021</a:t>
             </a:fld>
             <a:endParaRPr lang="en-US" dirty="0"/>
           </a:p>
@@ -5940,7 +3004,7 @@
           <a:p>
             <a:fld id="{16E6A75F-BF47-487C-AF22-AC19924A4D96}" type="datetime1">
               <a:rPr lang="en-US" smtClean="0"/>
-              <a:t>10/18/2021</a:t>
+              <a:t>11/13/2021</a:t>
             </a:fld>
             <a:endParaRPr lang="en-US" dirty="0"/>
           </a:p>
@@ -6184,7 +3248,7 @@
           <a:p>
             <a:fld id="{67F40087-F583-4D47-AB5B-C3862ED9403B}" type="datetime1">
               <a:rPr lang="en-US" smtClean="0"/>
-              <a:t>10/18/2021</a:t>
+              <a:t>11/13/2021</a:t>
             </a:fld>
             <a:endParaRPr lang="en-US" dirty="0"/>
           </a:p>
@@ -6906,8 +3970,8 @@
         </p:nvSpPr>
         <p:spPr>
           <a:xfrm>
-            <a:off x="804671" y="2858703"/>
-            <a:ext cx="5285791" cy="3042547"/>
+            <a:off x="804671" y="2858704"/>
+            <a:ext cx="5285791" cy="1319014"/>
           </a:xfrm>
         </p:spPr>
         <p:txBody>
@@ -6920,12 +3984,41 @@
               <a:buNone/>
             </a:pPr>
             <a:r>
-              <a:rPr lang="en-GB">
+              <a:rPr lang="en-GB" dirty="0">
                 <a:solidFill>
                   <a:srgbClr val="FFFFFF"/>
                 </a:solidFill>
               </a:rPr>
-              <a:t>The goal of this project is to test two different image recognition algorithms and evaluate the strengths and weaknesses of each.</a:t>
+              <a:t>The goal of this project is to test two different image </a:t>
+            </a:r>
+            <a:r>
+              <a:rPr lang="en-GB" b="1" dirty="0">
+                <a:solidFill>
+                  <a:srgbClr val="FFFFFF"/>
+                </a:solidFill>
+              </a:rPr>
+              <a:t>recognition</a:t>
+            </a:r>
+            <a:r>
+              <a:rPr lang="en-GB" dirty="0">
+                <a:solidFill>
+                  <a:srgbClr val="FFFFFF"/>
+                </a:solidFill>
+              </a:rPr>
+              <a:t> algorithms and evaluate the strengths and weaknesses of each.</a:t>
+            </a:r>
+          </a:p>
+          <a:p>
+            <a:pPr marL="0" indent="0">
+              <a:buNone/>
+            </a:pPr>
+            <a:r>
+              <a:rPr lang="en-GB" dirty="0">
+                <a:solidFill>
+                  <a:srgbClr val="FFFFFF"/>
+                </a:solidFill>
+              </a:rPr>
+              <a:t>The two algorithms chosen are:</a:t>
             </a:r>
           </a:p>
         </p:txBody>
@@ -7153,6 +4246,84 @@
               <a:rPr lang="it-IT" dirty="0"/>
               <a:t>Università Ca’ Foscari Venezia - Santello Veronica 870320</a:t>
             </a:r>
+            <a:endParaRPr lang="en-US" dirty="0"/>
+          </a:p>
+        </p:txBody>
+      </p:sp>
+      <p:sp>
+        <p:nvSpPr>
+          <p:cNvPr id="4" name="CasellaDiTesto 3">
+            <a:extLst>
+              <a:ext uri="{FF2B5EF4-FFF2-40B4-BE49-F238E27FC236}">
+                <a16:creationId xmlns:a16="http://schemas.microsoft.com/office/drawing/2014/main" id="{D79B0CEB-8664-4C93-AEE9-6097ED7CD33C}"/>
+              </a:ext>
+            </a:extLst>
+          </p:cNvPr>
+          <p:cNvSpPr txBox="1"/>
+          <p:nvPr/>
+        </p:nvSpPr>
+        <p:spPr>
+          <a:xfrm>
+            <a:off x="804671" y="4348424"/>
+            <a:ext cx="5108950" cy="1200329"/>
+          </a:xfrm>
+          <a:prstGeom prst="rect">
+            <a:avLst/>
+          </a:prstGeom>
+          <a:noFill/>
+        </p:spPr>
+        <p:txBody>
+          <a:bodyPr wrap="square" rtlCol="0">
+            <a:spAutoFit/>
+          </a:bodyPr>
+          <a:lstStyle/>
+          <a:p>
+            <a:pPr marL="285750" indent="-285750">
+              <a:buFont typeface="Arial" panose="020B0604020202020204" pitchFamily="34" charset="0"/>
+              <a:buChar char="•"/>
+            </a:pPr>
+            <a:r>
+              <a:rPr lang="en-US" dirty="0">
+                <a:solidFill>
+                  <a:srgbClr val="002060"/>
+                </a:solidFill>
+              </a:rPr>
+              <a:t>CNN</a:t>
+            </a:r>
+          </a:p>
+          <a:p>
+            <a:pPr marL="742950" lvl="1" indent="-285750">
+              <a:buFont typeface="Arial" panose="020B0604020202020204" pitchFamily="34" charset="0"/>
+              <a:buChar char="•"/>
+            </a:pPr>
+            <a:r>
+              <a:rPr lang="en-US" dirty="0">
+                <a:solidFill>
+                  <a:srgbClr val="002060"/>
+                </a:solidFill>
+              </a:rPr>
+              <a:t>One with FC as final layer</a:t>
+            </a:r>
+          </a:p>
+          <a:p>
+            <a:pPr marL="742950" lvl="1" indent="-285750">
+              <a:buFont typeface="Arial" panose="020B0604020202020204" pitchFamily="34" charset="0"/>
+              <a:buChar char="•"/>
+            </a:pPr>
+            <a:r>
+              <a:rPr lang="en-US" dirty="0">
+                <a:solidFill>
+                  <a:srgbClr val="002060"/>
+                </a:solidFill>
+              </a:rPr>
+              <a:t>One with SVM as final layer</a:t>
+            </a:r>
+          </a:p>
+          <a:p>
+            <a:pPr marL="285750" indent="-285750">
+              <a:buFont typeface="Arial" panose="020B0604020202020204" pitchFamily="34" charset="0"/>
+              <a:buChar char="•"/>
+            </a:pPr>
             <a:endParaRPr lang="en-US" dirty="0"/>
           </a:p>
         </p:txBody>
@@ -7538,7 +4709,7 @@
                   <a:srgbClr val="262626"/>
                 </a:solidFill>
               </a:rPr>
-              <a:t>Convolutional Neural Network</a:t>
+              <a:t>Convolutional Neural Networks</a:t>
             </a:r>
           </a:p>
         </p:txBody>
@@ -7567,8 +4738,8 @@
         </p:blipFill>
         <p:spPr>
           <a:xfrm>
-            <a:off x="1205173" y="640078"/>
-            <a:ext cx="9781654" cy="3301307"/>
+            <a:off x="2597745" y="1287634"/>
+            <a:ext cx="6344792" cy="2141366"/>
           </a:xfrm>
           <a:prstGeom prst="rect">
             <a:avLst/>
@@ -7690,7 +4861,7 @@
     <p:bg>
       <p:bgPr>
         <a:solidFill>
-          <a:schemeClr val="bg1"/>
+          <a:schemeClr val="accent2"/>
         </a:solidFill>
         <a:effectLst/>
       </p:bgPr>
@@ -7709,12 +4880,12 @@
           <a:chExt cx="0" cy="0"/>
         </a:xfrm>
       </p:grpSpPr>
-      <p:sp useBgFill="1">
-        <p:nvSpPr>
-          <p:cNvPr id="11" name="Rectangle 10">
+      <p:sp>
+        <p:nvSpPr>
+          <p:cNvPr id="14" name="Rectangle 11">
             <a:extLst>
               <a:ext uri="{FF2B5EF4-FFF2-40B4-BE49-F238E27FC236}">
-                <a16:creationId xmlns:a16="http://schemas.microsoft.com/office/drawing/2014/main" id="{7FBE789D-66E0-4C5C-8DDC-CF4D7BF2180F}"/>
+                <a16:creationId xmlns:a16="http://schemas.microsoft.com/office/drawing/2014/main" id="{C3A694C2-50DA-401D-9E8A-3621EBF0C75C}"/>
               </a:ext>
               <a:ext uri="{C183D7F6-B498-43B3-948B-1728B52AA6E4}">
                 <adec:decorative xmlns:adec="http://schemas.microsoft.com/office/drawing/2017/decorative" val="1"/>
@@ -7734,12 +4905,15 @@
         </p:nvSpPr>
         <p:spPr>
           <a:xfrm>
-            <a:off x="0" y="0"/>
-            <a:ext cx="12191999" cy="6858000"/>
+            <a:off x="0" y="-2"/>
+            <a:ext cx="12192000" cy="4918511"/>
           </a:xfrm>
           <a:prstGeom prst="rect">
             <a:avLst/>
           </a:prstGeom>
+          <a:solidFill>
+            <a:srgbClr val="FFFFFF"/>
+          </a:solidFill>
           <a:ln>
             <a:noFill/>
           </a:ln>
@@ -7771,71 +4945,10 @@
       </p:sp>
       <p:sp>
         <p:nvSpPr>
-          <p:cNvPr id="13" name="Rectangle 12">
-            <a:extLst>
-              <a:ext uri="{FF2B5EF4-FFF2-40B4-BE49-F238E27FC236}">
-                <a16:creationId xmlns:a16="http://schemas.microsoft.com/office/drawing/2014/main" id="{26C092F8-98E3-4599-A7BF-1B658CF1D3F4}"/>
-              </a:ext>
-              <a:ext uri="{C183D7F6-B498-43B3-948B-1728B52AA6E4}">
-                <adec:decorative xmlns:adec="http://schemas.microsoft.com/office/drawing/2017/decorative" val="1"/>
-              </a:ext>
-            </a:extLst>
-          </p:cNvPr>
-          <p:cNvSpPr>
-            <a:spLocks noGrp="1" noRot="1" noChangeAspect="1" noMove="1" noResize="1" noEditPoints="1" noAdjustHandles="1" noChangeArrowheads="1" noChangeShapeType="1" noTextEdit="1"/>
-          </p:cNvSpPr>
-          <p:nvPr>
-            <p:extLst>
-              <p:ext uri="{386F3935-93C4-4BCD-93E2-E3B085C9AB24}">
-                <p16:designElem xmlns:p16="http://schemas.microsoft.com/office/powerpoint/2015/main" val="1"/>
-              </p:ext>
-            </p:extLst>
-          </p:nvPr>
-        </p:nvSpPr>
-        <p:spPr>
-          <a:xfrm>
-            <a:off x="0" y="0"/>
-            <a:ext cx="4654296" cy="6858000"/>
-          </a:xfrm>
-          <a:prstGeom prst="rect">
-            <a:avLst/>
-          </a:prstGeom>
-          <a:solidFill>
-            <a:schemeClr val="tx2"/>
-          </a:solidFill>
-          <a:ln>
-            <a:noFill/>
-          </a:ln>
-        </p:spPr>
-        <p:style>
-          <a:lnRef idx="0">
-            <a:scrgbClr r="0" g="0" b="0"/>
-          </a:lnRef>
-          <a:fillRef idx="0">
-            <a:scrgbClr r="0" g="0" b="0"/>
-          </a:fillRef>
-          <a:effectRef idx="0">
-            <a:scrgbClr r="0" g="0" b="0"/>
-          </a:effectRef>
-          <a:fontRef idx="minor">
-            <a:schemeClr val="lt1"/>
-          </a:fontRef>
-        </p:style>
-        <p:txBody>
-          <a:bodyPr rtlCol="0" anchor="ctr"/>
-          <a:lstStyle/>
-          <a:p>
-            <a:pPr algn="ctr"/>
-            <a:endParaRPr lang="en-US"/>
-          </a:p>
-        </p:txBody>
-      </p:sp>
-      <p:sp>
-        <p:nvSpPr>
           <p:cNvPr id="2" name="Titolo 1">
             <a:extLst>
               <a:ext uri="{FF2B5EF4-FFF2-40B4-BE49-F238E27FC236}">
-                <a16:creationId xmlns:a16="http://schemas.microsoft.com/office/drawing/2014/main" id="{B9B7093B-D9D5-4EBD-983B-C2FCFF4BFF38}"/>
+                <a16:creationId xmlns:a16="http://schemas.microsoft.com/office/drawing/2014/main" id="{14476EAF-C78A-4613-AE77-F7742365F534}"/>
               </a:ext>
             </a:extLst>
           </p:cNvPr>
@@ -7848,41 +4961,40 @@
         </p:nvSpPr>
         <p:spPr>
           <a:xfrm>
-            <a:off x="643467" y="2681103"/>
-            <a:ext cx="3363974" cy="1495794"/>
-          </a:xfrm>
-          <a:solidFill>
-            <a:schemeClr val="tx2">
-              <a:lumMod val="60000"/>
-              <a:lumOff val="40000"/>
-              <a:alpha val="15000"/>
-            </a:schemeClr>
-          </a:solidFill>
-          <a:ln>
-            <a:solidFill>
-              <a:schemeClr val="bg1"/>
-            </a:solidFill>
-          </a:ln>
-        </p:spPr>
-        <p:txBody>
-          <a:bodyPr wrap="square">
+            <a:off x="1600200" y="4269282"/>
+            <a:ext cx="8991600" cy="1264762"/>
+          </a:xfrm>
+        </p:spPr>
+        <p:txBody>
+          <a:bodyPr vert="horz" lIns="274320" tIns="182880" rIns="274320" bIns="182880" rtlCol="0" anchor="ctr" anchorCtr="1">
             <a:normAutofit/>
           </a:bodyPr>
           <a:lstStyle/>
           <a:p>
             <a:r>
-              <a:rPr lang="it-IT">
+              <a:rPr lang="en-US" sz="3200" dirty="0">
                 <a:solidFill>
-                  <a:schemeClr val="bg1"/>
+                  <a:srgbClr val="262626"/>
                 </a:solidFill>
               </a:rPr>
-              <a:t>My c-nn</a:t>
-            </a:r>
-            <a:endParaRPr lang="en-GB">
-              <a:solidFill>
-                <a:schemeClr val="bg1"/>
-              </a:solidFill>
-            </a:endParaRPr>
+              <a:t>My c-</a:t>
+            </a:r>
+            <a:r>
+              <a:rPr lang="en-US" sz="3200" dirty="0" err="1">
+                <a:solidFill>
+                  <a:srgbClr val="262626"/>
+                </a:solidFill>
+              </a:rPr>
+              <a:t>nn</a:t>
+            </a:r>
+            <a:r>
+              <a:rPr lang="en-US" sz="3200" dirty="0">
+                <a:solidFill>
+                  <a:srgbClr val="262626"/>
+                </a:solidFill>
+              </a:rPr>
+              <a:t> with fc as final layer</a:t>
+            </a:r>
           </a:p>
         </p:txBody>
       </p:sp>
@@ -7891,7 +5003,7 @@
           <p:cNvPr id="4" name="Segnaposto piè di pagina 3">
             <a:extLst>
               <a:ext uri="{FF2B5EF4-FFF2-40B4-BE49-F238E27FC236}">
-                <a16:creationId xmlns:a16="http://schemas.microsoft.com/office/drawing/2014/main" id="{E02DEA21-93BE-4C77-9B59-F6174D02523B}"/>
+                <a16:creationId xmlns:a16="http://schemas.microsoft.com/office/drawing/2014/main" id="{818054CA-3E01-42CE-A79F-78BD6C497F58}"/>
               </a:ext>
             </a:extLst>
           </p:cNvPr>
@@ -7904,26 +5016,37 @@
         </p:nvSpPr>
         <p:spPr>
           <a:xfrm>
-            <a:off x="5779007" y="6236208"/>
-            <a:ext cx="4776478" cy="320040"/>
-          </a:xfrm>
-        </p:spPr>
-        <p:txBody>
-          <a:bodyPr>
+            <a:off x="1600200" y="6236208"/>
+            <a:ext cx="5901189" cy="320040"/>
+          </a:xfrm>
+        </p:spPr>
+        <p:txBody>
+          <a:bodyPr vert="horz" lIns="91440" tIns="45720" rIns="91440" bIns="45720" rtlCol="0" anchor="ctr">
             <a:normAutofit/>
           </a:bodyPr>
           <a:lstStyle/>
           <a:p>
-            <a:pPr algn="r">
+            <a:pPr>
               <a:spcAft>
                 <a:spcPts val="600"/>
               </a:spcAft>
             </a:pPr>
             <a:r>
-              <a:rPr lang="it-IT"/>
-              <a:t>Università Ca'Foscari Venezia - Santello Veronica 870320</a:t>
-            </a:r>
-            <a:endParaRPr lang="en-US"/>
+              <a:rPr lang="en-US" dirty="0" err="1"/>
+              <a:t>Università</a:t>
+            </a:r>
+            <a:r>
+              <a:rPr lang="en-US" dirty="0"/>
+              <a:t> </a:t>
+            </a:r>
+            <a:r>
+              <a:rPr lang="en-US" dirty="0" err="1"/>
+              <a:t>Ca'Foscari</a:t>
+            </a:r>
+            <a:r>
+              <a:rPr lang="en-US" dirty="0"/>
+              <a:t> Venezia - Santello Veronica 870320</a:t>
+            </a:r>
           </a:p>
         </p:txBody>
       </p:sp>
@@ -7932,7 +5055,7 @@
           <p:cNvPr id="5" name="Segnaposto numero diapositiva 4">
             <a:extLst>
               <a:ext uri="{FF2B5EF4-FFF2-40B4-BE49-F238E27FC236}">
-                <a16:creationId xmlns:a16="http://schemas.microsoft.com/office/drawing/2014/main" id="{B0E382A3-DCAD-481C-8C34-5C8FE6EE43DA}"/>
+                <a16:creationId xmlns:a16="http://schemas.microsoft.com/office/drawing/2014/main" id="{C8CD8CE1-582C-40E1-9F70-625BA36188A3}"/>
               </a:ext>
             </a:extLst>
           </p:cNvPr>
@@ -7950,7 +5073,7 @@
           </a:xfrm>
         </p:spPr>
         <p:txBody>
-          <a:bodyPr>
+          <a:bodyPr vert="horz" lIns="18288" tIns="45720" rIns="18288" bIns="45720" rtlCol="0" anchor="ctr">
             <a:normAutofit/>
           </a:bodyPr>
           <a:lstStyle/>
@@ -7979,41 +5102,70 @@
           </a:p>
         </p:txBody>
       </p:sp>
-      <p:graphicFrame>
-        <p:nvGraphicFramePr>
-          <p:cNvPr id="7" name="Segnaposto contenuto 2">
+      <p:pic>
+        <p:nvPicPr>
+          <p:cNvPr id="8" name="Immagine 7">
             <a:extLst>
               <a:ext uri="{FF2B5EF4-FFF2-40B4-BE49-F238E27FC236}">
-                <a16:creationId xmlns:a16="http://schemas.microsoft.com/office/drawing/2014/main" id="{34483443-66EB-4EA0-9D67-AF841CAC6CC6}"/>
+                <a16:creationId xmlns:a16="http://schemas.microsoft.com/office/drawing/2014/main" id="{101E94C5-FFDA-4150-8188-962EDCB5273B}"/>
               </a:ext>
             </a:extLst>
           </p:cNvPr>
-          <p:cNvGraphicFramePr>
-            <a:graphicFrameLocks noGrp="1"/>
-          </p:cNvGraphicFramePr>
-          <p:nvPr>
-            <p:ph idx="1"/>
-            <p:extLst>
-              <p:ext uri="{D42A27DB-BD31-4B8C-83A1-F6EECF244321}">
-                <p14:modId xmlns:p14="http://schemas.microsoft.com/office/powerpoint/2010/main" val="503188037"/>
-              </p:ext>
-            </p:extLst>
-          </p:nvPr>
-        </p:nvGraphicFramePr>
-        <p:xfrm>
-          <a:off x="5619750" y="965200"/>
-          <a:ext cx="5607050" cy="4927600"/>
-        </p:xfrm>
-        <a:graphic>
-          <a:graphicData uri="http://schemas.openxmlformats.org/drawingml/2006/diagram">
-            <dgm:relIds xmlns:dgm="http://schemas.openxmlformats.org/drawingml/2006/diagram" xmlns:r="http://schemas.openxmlformats.org/officeDocument/2006/relationships" r:dm="rId2" r:lo="rId3" r:qs="rId4" r:cs="rId5"/>
-          </a:graphicData>
-        </a:graphic>
-      </p:graphicFrame>
+          <p:cNvPicPr>
+            <a:picLocks noChangeAspect="1"/>
+          </p:cNvPicPr>
+          <p:nvPr/>
+        </p:nvPicPr>
+        <p:blipFill>
+          <a:blip r:embed="rId2"/>
+          <a:stretch>
+            <a:fillRect/>
+          </a:stretch>
+        </p:blipFill>
+        <p:spPr>
+          <a:xfrm>
+            <a:off x="7176429" y="667012"/>
+            <a:ext cx="4613588" cy="2986735"/>
+          </a:xfrm>
+          <a:prstGeom prst="rect">
+            <a:avLst/>
+          </a:prstGeom>
+        </p:spPr>
+      </p:pic>
+      <p:pic>
+        <p:nvPicPr>
+          <p:cNvPr id="10" name="Immagine 9">
+            <a:extLst>
+              <a:ext uri="{FF2B5EF4-FFF2-40B4-BE49-F238E27FC236}">
+                <a16:creationId xmlns:a16="http://schemas.microsoft.com/office/drawing/2014/main" id="{1EBD1DAE-EA68-476C-85B0-F19D5BF11B9D}"/>
+              </a:ext>
+            </a:extLst>
+          </p:cNvPr>
+          <p:cNvPicPr>
+            <a:picLocks noChangeAspect="1"/>
+          </p:cNvPicPr>
+          <p:nvPr/>
+        </p:nvPicPr>
+        <p:blipFill>
+          <a:blip r:embed="rId3"/>
+          <a:stretch>
+            <a:fillRect/>
+          </a:stretch>
+        </p:blipFill>
+        <p:spPr>
+          <a:xfrm>
+            <a:off x="0" y="333505"/>
+            <a:ext cx="6990706" cy="3602270"/>
+          </a:xfrm>
+          <a:prstGeom prst="rect">
+            <a:avLst/>
+          </a:prstGeom>
+        </p:spPr>
+      </p:pic>
     </p:spTree>
     <p:extLst>
       <p:ext uri="{BB962C8B-B14F-4D97-AF65-F5344CB8AC3E}">
-        <p14:creationId xmlns:p14="http://schemas.microsoft.com/office/powerpoint/2010/main" val="2361795104"/>
+        <p14:creationId xmlns:p14="http://schemas.microsoft.com/office/powerpoint/2010/main" val="485103578"/>
       </p:ext>
     </p:extLst>
   </p:cSld>
@@ -8050,10 +5202,10 @@
       </p:grpSpPr>
       <p:sp>
         <p:nvSpPr>
-          <p:cNvPr id="14" name="Rectangle 11">
+          <p:cNvPr id="37" name="Rectangle 26">
             <a:extLst>
               <a:ext uri="{FF2B5EF4-FFF2-40B4-BE49-F238E27FC236}">
-                <a16:creationId xmlns:a16="http://schemas.microsoft.com/office/drawing/2014/main" id="{C3A694C2-50DA-401D-9E8A-3621EBF0C75C}"/>
+                <a16:creationId xmlns:a16="http://schemas.microsoft.com/office/drawing/2014/main" id="{33873679-0448-4544-9ED3-C7AFD058D386}"/>
               </a:ext>
               <a:ext uri="{C183D7F6-B498-43B3-948B-1728B52AA6E4}">
                 <adec:decorative xmlns:adec="http://schemas.microsoft.com/office/drawing/2017/decorative" val="1"/>
@@ -8116,7 +5268,7 @@
           <p:cNvPr id="2" name="Titolo 1">
             <a:extLst>
               <a:ext uri="{FF2B5EF4-FFF2-40B4-BE49-F238E27FC236}">
-                <a16:creationId xmlns:a16="http://schemas.microsoft.com/office/drawing/2014/main" id="{14476EAF-C78A-4613-AE77-F7742365F534}"/>
+                <a16:creationId xmlns:a16="http://schemas.microsoft.com/office/drawing/2014/main" id="{2882BA50-9C39-4893-9E41-6486DAB221C4}"/>
               </a:ext>
             </a:extLst>
           </p:cNvPr>
@@ -8145,30 +5297,137 @@
                   <a:srgbClr val="262626"/>
                 </a:solidFill>
               </a:rPr>
-              <a:t>My c-</a:t>
-            </a:r>
-            <a:r>
-              <a:rPr lang="en-US" sz="3200" dirty="0" err="1">
-                <a:solidFill>
-                  <a:srgbClr val="262626"/>
-                </a:solidFill>
-              </a:rPr>
-              <a:t>nn</a:t>
-            </a:r>
-            <a:endParaRPr lang="en-US" sz="3200" dirty="0">
-              <a:solidFill>
-                <a:srgbClr val="262626"/>
-              </a:solidFill>
-            </a:endParaRPr>
-          </a:p>
-        </p:txBody>
-      </p:sp>
-      <p:sp>
-        <p:nvSpPr>
-          <p:cNvPr id="4" name="Segnaposto piè di pagina 3">
+              <a:t>CLASSIFICATION Results </a:t>
+            </a:r>
+          </a:p>
+        </p:txBody>
+      </p:sp>
+      <p:pic>
+        <p:nvPicPr>
+          <p:cNvPr id="20" name="Immagine 19">
             <a:extLst>
               <a:ext uri="{FF2B5EF4-FFF2-40B4-BE49-F238E27FC236}">
-                <a16:creationId xmlns:a16="http://schemas.microsoft.com/office/drawing/2014/main" id="{818054CA-3E01-42CE-A79F-78BD6C497F58}"/>
+                <a16:creationId xmlns:a16="http://schemas.microsoft.com/office/drawing/2014/main" id="{BA202CA8-DE01-496E-AE89-8E9BB5D206AD}"/>
+              </a:ext>
+            </a:extLst>
+          </p:cNvPr>
+          <p:cNvPicPr>
+            <a:picLocks noChangeAspect="1"/>
+          </p:cNvPicPr>
+          <p:nvPr/>
+        </p:nvPicPr>
+        <p:blipFill>
+          <a:blip r:embed="rId2"/>
+          <a:stretch>
+            <a:fillRect/>
+          </a:stretch>
+        </p:blipFill>
+        <p:spPr>
+          <a:xfrm>
+            <a:off x="577054" y="1334989"/>
+            <a:ext cx="2580894" cy="2247599"/>
+          </a:xfrm>
+          <a:prstGeom prst="rect">
+            <a:avLst/>
+          </a:prstGeom>
+        </p:spPr>
+      </p:pic>
+      <p:pic>
+        <p:nvPicPr>
+          <p:cNvPr id="14" name="Immagine 13">
+            <a:extLst>
+              <a:ext uri="{FF2B5EF4-FFF2-40B4-BE49-F238E27FC236}">
+                <a16:creationId xmlns:a16="http://schemas.microsoft.com/office/drawing/2014/main" id="{BA02C72D-CB9D-4F8C-A93F-56AB7A9B179B}"/>
+              </a:ext>
+            </a:extLst>
+          </p:cNvPr>
+          <p:cNvPicPr>
+            <a:picLocks noChangeAspect="1"/>
+          </p:cNvPicPr>
+          <p:nvPr/>
+        </p:nvPicPr>
+        <p:blipFill>
+          <a:blip r:embed="rId3"/>
+          <a:stretch>
+            <a:fillRect/>
+          </a:stretch>
+        </p:blipFill>
+        <p:spPr>
+          <a:xfrm>
+            <a:off x="3384338" y="1315516"/>
+            <a:ext cx="2580895" cy="823826"/>
+          </a:xfrm>
+          <a:prstGeom prst="rect">
+            <a:avLst/>
+          </a:prstGeom>
+        </p:spPr>
+      </p:pic>
+      <p:pic>
+        <p:nvPicPr>
+          <p:cNvPr id="16" name="Immagine 15">
+            <a:extLst>
+              <a:ext uri="{FF2B5EF4-FFF2-40B4-BE49-F238E27FC236}">
+                <a16:creationId xmlns:a16="http://schemas.microsoft.com/office/drawing/2014/main" id="{7B5AB9B3-CF86-473E-BBEC-13C09727BF01}"/>
+              </a:ext>
+            </a:extLst>
+          </p:cNvPr>
+          <p:cNvPicPr>
+            <a:picLocks noChangeAspect="1"/>
+          </p:cNvPicPr>
+          <p:nvPr/>
+        </p:nvPicPr>
+        <p:blipFill>
+          <a:blip r:embed="rId4"/>
+          <a:stretch>
+            <a:fillRect/>
+          </a:stretch>
+        </p:blipFill>
+        <p:spPr>
+          <a:xfrm>
+            <a:off x="6126099" y="1323956"/>
+            <a:ext cx="2580895" cy="806946"/>
+          </a:xfrm>
+          <a:prstGeom prst="rect">
+            <a:avLst/>
+          </a:prstGeom>
+        </p:spPr>
+      </p:pic>
+      <p:pic>
+        <p:nvPicPr>
+          <p:cNvPr id="18" name="Immagine 17">
+            <a:extLst>
+              <a:ext uri="{FF2B5EF4-FFF2-40B4-BE49-F238E27FC236}">
+                <a16:creationId xmlns:a16="http://schemas.microsoft.com/office/drawing/2014/main" id="{9D24E91C-2A16-4DE8-8EC5-0F98CF63BBEE}"/>
+              </a:ext>
+            </a:extLst>
+          </p:cNvPr>
+          <p:cNvPicPr>
+            <a:picLocks noChangeAspect="1"/>
+          </p:cNvPicPr>
+          <p:nvPr/>
+        </p:nvPicPr>
+        <p:blipFill>
+          <a:blip r:embed="rId5"/>
+          <a:stretch>
+            <a:fillRect/>
+          </a:stretch>
+        </p:blipFill>
+        <p:spPr>
+          <a:xfrm>
+            <a:off x="8867859" y="1324782"/>
+            <a:ext cx="2580895" cy="805292"/>
+          </a:xfrm>
+          <a:prstGeom prst="rect">
+            <a:avLst/>
+          </a:prstGeom>
+        </p:spPr>
+      </p:pic>
+      <p:sp>
+        <p:nvSpPr>
+          <p:cNvPr id="6" name="Segnaposto piè di pagina 5">
+            <a:extLst>
+              <a:ext uri="{FF2B5EF4-FFF2-40B4-BE49-F238E27FC236}">
+                <a16:creationId xmlns:a16="http://schemas.microsoft.com/office/drawing/2014/main" id="{F5B4852A-1509-4CAD-B675-AD6CF5B5FBCA}"/>
               </a:ext>
             </a:extLst>
           </p:cNvPr>
@@ -8197,30 +5456,37 @@
               </a:spcAft>
             </a:pPr>
             <a:r>
-              <a:rPr lang="en-US" dirty="0" err="1"/>
-              <a:t>Università</a:t>
-            </a:r>
-            <a:r>
-              <a:rPr lang="en-US" dirty="0"/>
-              <a:t> </a:t>
-            </a:r>
-            <a:r>
-              <a:rPr lang="en-US" dirty="0" err="1"/>
-              <a:t>Ca'Foscari</a:t>
-            </a:r>
-            <a:r>
-              <a:rPr lang="en-US" dirty="0"/>
-              <a:t> Venezia - Santello Veronica 870320</a:t>
-            </a:r>
-          </a:p>
-        </p:txBody>
-      </p:sp>
-      <p:sp>
-        <p:nvSpPr>
-          <p:cNvPr id="5" name="Segnaposto numero diapositiva 4">
+              <a:rPr lang="en-US" kern="1200">
+                <a:solidFill>
+                  <a:schemeClr val="tx1">
+                    <a:alpha val="70000"/>
+                  </a:schemeClr>
+                </a:solidFill>
+                <a:latin typeface="+mn-lt"/>
+                <a:ea typeface="+mn-ea"/>
+                <a:cs typeface="+mn-cs"/>
+              </a:rPr>
+              <a:t>Università Ca’ Foscari Venezia - Santello Veronica 870320</a:t>
+            </a:r>
+            <a:endParaRPr lang="en-US" kern="1200" dirty="0">
+              <a:solidFill>
+                <a:schemeClr val="tx1">
+                  <a:alpha val="70000"/>
+                </a:schemeClr>
+              </a:solidFill>
+              <a:latin typeface="+mn-lt"/>
+              <a:ea typeface="+mn-ea"/>
+              <a:cs typeface="+mn-cs"/>
+            </a:endParaRPr>
+          </a:p>
+        </p:txBody>
+      </p:sp>
+      <p:sp>
+        <p:nvSpPr>
+          <p:cNvPr id="7" name="Segnaposto numero diapositiva 6">
             <a:extLst>
               <a:ext uri="{FF2B5EF4-FFF2-40B4-BE49-F238E27FC236}">
-                <a16:creationId xmlns:a16="http://schemas.microsoft.com/office/drawing/2014/main" id="{C8CD8CE1-582C-40E1-9F70-625BA36188A3}"/>
+                <a16:creationId xmlns:a16="http://schemas.microsoft.com/office/drawing/2014/main" id="{02658932-3363-4D7D-B542-32CDA0A419C7}"/>
               </a:ext>
             </a:extLst>
           </p:cNvPr>
@@ -8267,40 +5533,150 @@
           </a:p>
         </p:txBody>
       </p:sp>
-      <p:pic>
-        <p:nvPicPr>
-          <p:cNvPr id="15" name="Immagine 14" descr="Immagine che contiene musica, vibrafono&#10;&#10;Descrizione generata automaticamente">
+      <p:sp>
+        <p:nvSpPr>
+          <p:cNvPr id="23" name="CasellaDiTesto 22">
             <a:extLst>
               <a:ext uri="{FF2B5EF4-FFF2-40B4-BE49-F238E27FC236}">
-                <a16:creationId xmlns:a16="http://schemas.microsoft.com/office/drawing/2014/main" id="{446E0D3A-EE25-4510-84BF-9E264A3E9AE2}"/>
+                <a16:creationId xmlns:a16="http://schemas.microsoft.com/office/drawing/2014/main" id="{31ABF8C7-361B-429A-B195-C7F6B491F264}"/>
               </a:ext>
             </a:extLst>
           </p:cNvPr>
-          <p:cNvPicPr>
-            <a:picLocks noChangeAspect="1"/>
-          </p:cNvPicPr>
+          <p:cNvSpPr txBox="1"/>
           <p:nvPr/>
-        </p:nvPicPr>
-        <p:blipFill>
-          <a:blip r:embed="rId2"/>
-          <a:stretch>
-            <a:fillRect/>
-          </a:stretch>
-        </p:blipFill>
-        <p:spPr>
-          <a:xfrm>
-            <a:off x="1853684" y="925139"/>
-            <a:ext cx="9088118" cy="2867425"/>
+        </p:nvSpPr>
+        <p:spPr>
+          <a:xfrm>
+            <a:off x="1075032" y="968984"/>
+            <a:ext cx="1707519" cy="369332"/>
           </a:xfrm>
           <a:prstGeom prst="rect">
             <a:avLst/>
           </a:prstGeom>
-        </p:spPr>
-      </p:pic>
+          <a:noFill/>
+        </p:spPr>
+        <p:txBody>
+          <a:bodyPr wrap="none" rtlCol="0">
+            <a:spAutoFit/>
+          </a:bodyPr>
+          <a:lstStyle/>
+          <a:p>
+            <a:r>
+              <a:rPr lang="en-US" dirty="0"/>
+              <a:t>TRAFFICLIGHT</a:t>
+            </a:r>
+          </a:p>
+        </p:txBody>
+      </p:sp>
+      <p:sp>
+        <p:nvSpPr>
+          <p:cNvPr id="24" name="CasellaDiTesto 23">
+            <a:extLst>
+              <a:ext uri="{FF2B5EF4-FFF2-40B4-BE49-F238E27FC236}">
+                <a16:creationId xmlns:a16="http://schemas.microsoft.com/office/drawing/2014/main" id="{563DA8F3-8A44-444C-A4A9-455B2B7D557A}"/>
+              </a:ext>
+            </a:extLst>
+          </p:cNvPr>
+          <p:cNvSpPr txBox="1"/>
+          <p:nvPr/>
+        </p:nvSpPr>
+        <p:spPr>
+          <a:xfrm>
+            <a:off x="3850860" y="968984"/>
+            <a:ext cx="1423788" cy="369332"/>
+          </a:xfrm>
+          <a:prstGeom prst="rect">
+            <a:avLst/>
+          </a:prstGeom>
+          <a:noFill/>
+        </p:spPr>
+        <p:txBody>
+          <a:bodyPr wrap="none" rtlCol="0">
+            <a:spAutoFit/>
+          </a:bodyPr>
+          <a:lstStyle/>
+          <a:p>
+            <a:r>
+              <a:rPr lang="en-US" dirty="0"/>
+              <a:t>SPEED LIMIT</a:t>
+            </a:r>
+          </a:p>
+        </p:txBody>
+      </p:sp>
+      <p:sp>
+        <p:nvSpPr>
+          <p:cNvPr id="25" name="CasellaDiTesto 24">
+            <a:extLst>
+              <a:ext uri="{FF2B5EF4-FFF2-40B4-BE49-F238E27FC236}">
+                <a16:creationId xmlns:a16="http://schemas.microsoft.com/office/drawing/2014/main" id="{B68F9804-7482-4D76-A14C-EBED8B705612}"/>
+              </a:ext>
+            </a:extLst>
+          </p:cNvPr>
+          <p:cNvSpPr txBox="1"/>
+          <p:nvPr/>
+        </p:nvSpPr>
+        <p:spPr>
+          <a:xfrm>
+            <a:off x="7027571" y="954624"/>
+            <a:ext cx="722698" cy="369332"/>
+          </a:xfrm>
+          <a:prstGeom prst="rect">
+            <a:avLst/>
+          </a:prstGeom>
+          <a:noFill/>
+        </p:spPr>
+        <p:txBody>
+          <a:bodyPr wrap="none" rtlCol="0">
+            <a:spAutoFit/>
+          </a:bodyPr>
+          <a:lstStyle/>
+          <a:p>
+            <a:r>
+              <a:rPr lang="en-US" dirty="0"/>
+              <a:t>STOP</a:t>
+            </a:r>
+          </a:p>
+        </p:txBody>
+      </p:sp>
+      <p:sp>
+        <p:nvSpPr>
+          <p:cNvPr id="26" name="CasellaDiTesto 25">
+            <a:extLst>
+              <a:ext uri="{FF2B5EF4-FFF2-40B4-BE49-F238E27FC236}">
+                <a16:creationId xmlns:a16="http://schemas.microsoft.com/office/drawing/2014/main" id="{CFCA790C-6A3F-4C9F-AF99-435077DBE080}"/>
+              </a:ext>
+            </a:extLst>
+          </p:cNvPr>
+          <p:cNvSpPr txBox="1"/>
+          <p:nvPr/>
+        </p:nvSpPr>
+        <p:spPr>
+          <a:xfrm>
+            <a:off x="9557843" y="954624"/>
+            <a:ext cx="1516505" cy="369332"/>
+          </a:xfrm>
+          <a:prstGeom prst="rect">
+            <a:avLst/>
+          </a:prstGeom>
+          <a:noFill/>
+        </p:spPr>
+        <p:txBody>
+          <a:bodyPr wrap="none" rtlCol="0">
+            <a:spAutoFit/>
+          </a:bodyPr>
+          <a:lstStyle/>
+          <a:p>
+            <a:r>
+              <a:rPr lang="en-US" dirty="0"/>
+              <a:t>CROSSWALK</a:t>
+            </a:r>
+          </a:p>
+        </p:txBody>
+      </p:sp>
     </p:spTree>
     <p:extLst>
       <p:ext uri="{BB962C8B-B14F-4D97-AF65-F5344CB8AC3E}">
-        <p14:creationId xmlns:p14="http://schemas.microsoft.com/office/powerpoint/2010/main" val="485103578"/>
+        <p14:creationId xmlns:p14="http://schemas.microsoft.com/office/powerpoint/2010/main" val="542559450"/>
       </p:ext>
     </p:extLst>
   </p:cSld>
@@ -8313,6 +5689,14 @@
 <file path=ppt/slides/slide7.xml><?xml version="1.0" encoding="utf-8"?>
 <p:sld xmlns:a="http://schemas.openxmlformats.org/drawingml/2006/main" xmlns:r="http://schemas.openxmlformats.org/officeDocument/2006/relationships" xmlns:p="http://schemas.openxmlformats.org/presentationml/2006/main">
   <p:cSld>
+    <p:bg>
+      <p:bgPr>
+        <a:solidFill>
+          <a:schemeClr val="accent2"/>
+        </a:solidFill>
+        <a:effectLst/>
+      </p:bgPr>
+    </p:bg>
     <p:spTree>
       <p:nvGrpSpPr>
         <p:cNvPr id="1" name=""/>
@@ -8329,10 +5713,73 @@
       </p:grpSpPr>
       <p:sp>
         <p:nvSpPr>
+          <p:cNvPr id="13" name="Rectangle 12">
+            <a:extLst>
+              <a:ext uri="{FF2B5EF4-FFF2-40B4-BE49-F238E27FC236}">
+                <a16:creationId xmlns:a16="http://schemas.microsoft.com/office/drawing/2014/main" id="{2C25DD4D-AF7C-475A-A237-1E6041A9406B}"/>
+              </a:ext>
+              <a:ext uri="{C183D7F6-B498-43B3-948B-1728B52AA6E4}">
+                <adec:decorative xmlns:adec="http://schemas.microsoft.com/office/drawing/2017/decorative" val="1"/>
+              </a:ext>
+            </a:extLst>
+          </p:cNvPr>
+          <p:cNvSpPr>
+            <a:spLocks noGrp="1" noRot="1" noChangeAspect="1" noMove="1" noResize="1" noEditPoints="1" noAdjustHandles="1" noChangeArrowheads="1" noChangeShapeType="1" noTextEdit="1"/>
+          </p:cNvSpPr>
+          <p:nvPr>
+            <p:extLst>
+              <p:ext uri="{386F3935-93C4-4BCD-93E2-E3B085C9AB24}">
+                <p16:designElem xmlns:p16="http://schemas.microsoft.com/office/powerpoint/2015/main" val="1"/>
+              </p:ext>
+            </p:extLst>
+          </p:nvPr>
+        </p:nvSpPr>
+        <p:spPr>
+          <a:xfrm>
+            <a:off x="0" y="-2"/>
+            <a:ext cx="12192000" cy="4918511"/>
+          </a:xfrm>
+          <a:prstGeom prst="rect">
+            <a:avLst/>
+          </a:prstGeom>
+          <a:solidFill>
+            <a:srgbClr val="FFFFFF"/>
+          </a:solidFill>
+          <a:ln>
+            <a:noFill/>
+          </a:ln>
+        </p:spPr>
+        <p:style>
+          <a:lnRef idx="2">
+            <a:schemeClr val="accent1">
+              <a:shade val="50000"/>
+            </a:schemeClr>
+          </a:lnRef>
+          <a:fillRef idx="1">
+            <a:schemeClr val="accent1"/>
+          </a:fillRef>
+          <a:effectRef idx="0">
+            <a:schemeClr val="accent1"/>
+          </a:effectRef>
+          <a:fontRef idx="minor">
+            <a:schemeClr val="lt1"/>
+          </a:fontRef>
+        </p:style>
+        <p:txBody>
+          <a:bodyPr rtlCol="0" anchor="ctr"/>
+          <a:lstStyle/>
+          <a:p>
+            <a:pPr algn="ctr"/>
+            <a:endParaRPr lang="en-US"/>
+          </a:p>
+        </p:txBody>
+      </p:sp>
+      <p:sp>
+        <p:nvSpPr>
           <p:cNvPr id="2" name="Titolo 1">
             <a:extLst>
               <a:ext uri="{FF2B5EF4-FFF2-40B4-BE49-F238E27FC236}">
-                <a16:creationId xmlns:a16="http://schemas.microsoft.com/office/drawing/2014/main" id="{D8754F47-C5D9-432C-B6CE-D26568B8B13A}"/>
+                <a16:creationId xmlns:a16="http://schemas.microsoft.com/office/drawing/2014/main" id="{14476EAF-C78A-4613-AE77-F7742365F534}"/>
               </a:ext>
             </a:extLst>
           </p:cNvPr>
@@ -8343,111 +5790,97 @@
             <p:ph type="title"/>
           </p:nvPr>
         </p:nvSpPr>
-        <p:spPr/>
-        <p:txBody>
-          <a:bodyPr/>
-          <a:lstStyle/>
-          <a:p>
-            <a:r>
-              <a:rPr lang="it-IT" dirty="0"/>
+        <p:spPr>
+          <a:xfrm>
+            <a:off x="1600200" y="4269282"/>
+            <a:ext cx="8991600" cy="1264762"/>
+          </a:xfrm>
+        </p:spPr>
+        <p:txBody>
+          <a:bodyPr vert="horz" lIns="274320" tIns="182880" rIns="274320" bIns="182880" rtlCol="0" anchor="ctr" anchorCtr="1">
+            <a:normAutofit/>
+          </a:bodyPr>
+          <a:lstStyle/>
+          <a:p>
+            <a:r>
+              <a:rPr lang="en-US" sz="3200" dirty="0">
+                <a:solidFill>
+                  <a:srgbClr val="262626"/>
+                </a:solidFill>
+              </a:rPr>
               <a:t>My c-</a:t>
             </a:r>
             <a:r>
-              <a:rPr lang="it-IT" dirty="0" err="1"/>
+              <a:rPr lang="en-US" sz="3200">
+                <a:solidFill>
+                  <a:srgbClr val="262626"/>
+                </a:solidFill>
+              </a:rPr>
               <a:t>nn</a:t>
             </a:r>
-            <a:endParaRPr lang="en-GB" dirty="0"/>
-          </a:p>
-        </p:txBody>
-      </p:sp>
-      <p:sp>
-        <p:nvSpPr>
-          <p:cNvPr id="3" name="Segnaposto contenuto 2">
+            <a:r>
+              <a:rPr lang="en-US" sz="3200" dirty="0">
+                <a:solidFill>
+                  <a:srgbClr val="262626"/>
+                </a:solidFill>
+              </a:rPr>
+              <a:t> with fc </a:t>
+            </a:r>
+            <a:r>
+              <a:rPr lang="en-US" sz="3200">
+                <a:solidFill>
+                  <a:srgbClr val="262626"/>
+                </a:solidFill>
+              </a:rPr>
+              <a:t>svm</a:t>
+            </a:r>
+            <a:r>
+              <a:rPr lang="en-US" sz="3200" dirty="0">
+                <a:solidFill>
+                  <a:srgbClr val="262626"/>
+                </a:solidFill>
+              </a:rPr>
+              <a:t> final layer</a:t>
+            </a:r>
+          </a:p>
+        </p:txBody>
+      </p:sp>
+      <p:pic>
+        <p:nvPicPr>
+          <p:cNvPr id="8" name="Immagine 7">
             <a:extLst>
               <a:ext uri="{FF2B5EF4-FFF2-40B4-BE49-F238E27FC236}">
-                <a16:creationId xmlns:a16="http://schemas.microsoft.com/office/drawing/2014/main" id="{4AF30E00-A560-47D3-80E1-425320044C88}"/>
+                <a16:creationId xmlns:a16="http://schemas.microsoft.com/office/drawing/2014/main" id="{101E94C5-FFDA-4150-8188-962EDCB5273B}"/>
               </a:ext>
             </a:extLst>
           </p:cNvPr>
-          <p:cNvSpPr>
-            <a:spLocks noGrp="1"/>
-          </p:cNvSpPr>
-          <p:nvPr>
-            <p:ph idx="1"/>
-          </p:nvPr>
-        </p:nvSpPr>
-        <p:spPr/>
-        <p:txBody>
-          <a:bodyPr/>
-          <a:lstStyle/>
-          <a:p>
-            <a:r>
-              <a:rPr lang="it-IT" dirty="0"/>
-              <a:t>3 </a:t>
-            </a:r>
-            <a:r>
-              <a:rPr lang="it-IT" dirty="0" err="1"/>
-              <a:t>convolution</a:t>
-            </a:r>
-            <a:r>
-              <a:rPr lang="it-IT" dirty="0"/>
-              <a:t> </a:t>
-            </a:r>
-            <a:r>
-              <a:rPr lang="it-IT" dirty="0" err="1"/>
-              <a:t>levels</a:t>
-            </a:r>
-            <a:r>
-              <a:rPr lang="it-IT" dirty="0"/>
-              <a:t> </a:t>
-            </a:r>
-          </a:p>
-          <a:p>
-            <a:r>
-              <a:rPr lang="en-GB" dirty="0" err="1"/>
-              <a:t>kernel_size</a:t>
-            </a:r>
-            <a:r>
-              <a:rPr lang="en-GB" dirty="0"/>
-              <a:t>=3,stride=1,padding=1</a:t>
-            </a:r>
-          </a:p>
-          <a:p>
-            <a:r>
-              <a:rPr lang="en-GB" dirty="0" err="1"/>
-              <a:t>Relu</a:t>
-            </a:r>
-            <a:r>
-              <a:rPr lang="en-GB" dirty="0"/>
-              <a:t> to bring no linearity</a:t>
-            </a:r>
-          </a:p>
-          <a:p>
-            <a:r>
-              <a:rPr lang="en-GB" dirty="0"/>
-              <a:t>Max pooling x </a:t>
-            </a:r>
-            <a:r>
-              <a:rPr lang="en-GB" dirty="0" err="1"/>
-              <a:t>ridurre</a:t>
-            </a:r>
-            <a:r>
-              <a:rPr lang="en-GB" dirty="0"/>
-              <a:t> image</a:t>
-            </a:r>
-            <a:endParaRPr lang="it-IT" dirty="0"/>
-          </a:p>
-          <a:p>
-            <a:endParaRPr lang="en-GB" dirty="0"/>
-          </a:p>
-        </p:txBody>
-      </p:sp>
+          <p:cNvPicPr>
+            <a:picLocks noChangeAspect="1"/>
+          </p:cNvPicPr>
+          <p:nvPr/>
+        </p:nvPicPr>
+        <p:blipFill>
+          <a:blip r:embed="rId2"/>
+          <a:stretch>
+            <a:fillRect/>
+          </a:stretch>
+        </p:blipFill>
+        <p:spPr>
+          <a:xfrm>
+            <a:off x="7253896" y="582079"/>
+            <a:ext cx="4938104" cy="3196819"/>
+          </a:xfrm>
+          <a:prstGeom prst="rect">
+            <a:avLst/>
+          </a:prstGeom>
+        </p:spPr>
+      </p:pic>
       <p:sp>
         <p:nvSpPr>
           <p:cNvPr id="4" name="Segnaposto piè di pagina 3">
             <a:extLst>
               <a:ext uri="{FF2B5EF4-FFF2-40B4-BE49-F238E27FC236}">
-                <a16:creationId xmlns:a16="http://schemas.microsoft.com/office/drawing/2014/main" id="{3E18735B-4A09-47AC-A3F8-BE227ABB369C}"/>
+                <a16:creationId xmlns:a16="http://schemas.microsoft.com/office/drawing/2014/main" id="{818054CA-3E01-42CE-A79F-78BD6C497F58}"/>
               </a:ext>
             </a:extLst>
           </p:cNvPr>
@@ -8458,16 +5891,36 @@
             <p:ph type="ftr" sz="quarter" idx="11"/>
           </p:nvPr>
         </p:nvSpPr>
-        <p:spPr/>
-        <p:txBody>
-          <a:bodyPr/>
-          <a:lstStyle/>
-          <a:p>
-            <a:r>
-              <a:rPr lang="it-IT"/>
+        <p:spPr>
+          <a:xfrm>
+            <a:off x="1600200" y="6236208"/>
+            <a:ext cx="5901189" cy="320040"/>
+          </a:xfrm>
+        </p:spPr>
+        <p:txBody>
+          <a:bodyPr vert="horz" lIns="91440" tIns="45720" rIns="91440" bIns="45720" rtlCol="0" anchor="ctr">
+            <a:normAutofit/>
+          </a:bodyPr>
+          <a:lstStyle/>
+          <a:p>
+            <a:pPr>
+              <a:spcAft>
+                <a:spcPts val="600"/>
+              </a:spcAft>
+            </a:pPr>
+            <a:r>
+              <a:rPr lang="en-US" kern="1200" dirty="0">
+                <a:solidFill>
+                  <a:schemeClr val="tx1">
+                    <a:alpha val="70000"/>
+                  </a:schemeClr>
+                </a:solidFill>
+                <a:latin typeface="+mn-lt"/>
+                <a:ea typeface="+mn-ea"/>
+                <a:cs typeface="+mn-cs"/>
+              </a:rPr>
               <a:t>Università Ca'Foscari Venezia - Santello Veronica 870320</a:t>
             </a:r>
-            <a:endParaRPr lang="en-US" dirty="0"/>
           </a:p>
         </p:txBody>
       </p:sp>
@@ -8476,7 +5929,7 @@
           <p:cNvPr id="5" name="Segnaposto numero diapositiva 4">
             <a:extLst>
               <a:ext uri="{FF2B5EF4-FFF2-40B4-BE49-F238E27FC236}">
-                <a16:creationId xmlns:a16="http://schemas.microsoft.com/office/drawing/2014/main" id="{3059719B-721C-42B1-BF0C-096BCB83FFBB}"/>
+                <a16:creationId xmlns:a16="http://schemas.microsoft.com/office/drawing/2014/main" id="{C8CD8CE1-582C-40E1-9F70-625BA36188A3}"/>
               </a:ext>
             </a:extLst>
           </p:cNvPr>
@@ -8487,24 +5940,143 @@
             <p:ph type="sldNum" sz="quarter" idx="12"/>
           </p:nvPr>
         </p:nvSpPr>
-        <p:spPr/>
-        <p:txBody>
-          <a:bodyPr/>
-          <a:lstStyle/>
-          <a:p>
+        <p:spPr>
+          <a:xfrm>
+            <a:off x="10758922" y="6217920"/>
+            <a:ext cx="365760" cy="365760"/>
+          </a:xfrm>
+        </p:spPr>
+        <p:txBody>
+          <a:bodyPr vert="horz" lIns="18288" tIns="45720" rIns="18288" bIns="45720" rtlCol="0" anchor="ctr">
+            <a:normAutofit/>
+          </a:bodyPr>
+          <a:lstStyle/>
+          <a:p>
+            <a:pPr>
+              <a:lnSpc>
+                <a:spcPct val="90000"/>
+              </a:lnSpc>
+              <a:spcAft>
+                <a:spcPts val="600"/>
+              </a:spcAft>
+            </a:pPr>
             <a:fld id="{8A7A6979-0714-4377-B894-6BE4C2D6E202}" type="slidenum">
               <a:rPr lang="en-US" smtClean="0"/>
-              <a:pPr/>
+              <a:pPr>
+                <a:lnSpc>
+                  <a:spcPct val="90000"/>
+                </a:lnSpc>
+                <a:spcAft>
+                  <a:spcPts val="600"/>
+                </a:spcAft>
+              </a:pPr>
               <a:t>7</a:t>
             </a:fld>
-            <a:endParaRPr lang="en-US" dirty="0"/>
-          </a:p>
-        </p:txBody>
-      </p:sp>
+            <a:endParaRPr lang="en-US"/>
+          </a:p>
+        </p:txBody>
+      </p:sp>
+      <p:grpSp>
+        <p:nvGrpSpPr>
+          <p:cNvPr id="9" name="Gruppo 8">
+            <a:extLst>
+              <a:ext uri="{FF2B5EF4-FFF2-40B4-BE49-F238E27FC236}">
+                <a16:creationId xmlns:a16="http://schemas.microsoft.com/office/drawing/2014/main" id="{33C06D97-4D85-457E-9CD4-0CE149886D82}"/>
+              </a:ext>
+            </a:extLst>
+          </p:cNvPr>
+          <p:cNvGrpSpPr/>
+          <p:nvPr/>
+        </p:nvGrpSpPr>
+        <p:grpSpPr>
+          <a:xfrm>
+            <a:off x="0" y="171734"/>
+            <a:ext cx="7004205" cy="3607164"/>
+            <a:chOff x="0" y="171734"/>
+            <a:chExt cx="7004205" cy="3607164"/>
+          </a:xfrm>
+        </p:grpSpPr>
+        <p:pic>
+          <p:nvPicPr>
+            <p:cNvPr id="6" name="Immagine 5">
+              <a:extLst>
+                <a:ext uri="{FF2B5EF4-FFF2-40B4-BE49-F238E27FC236}">
+                  <a16:creationId xmlns:a16="http://schemas.microsoft.com/office/drawing/2014/main" id="{46AD977D-5D00-45ED-9B52-EEE7BF7D89FA}"/>
+                </a:ext>
+              </a:extLst>
+            </p:cNvPr>
+            <p:cNvPicPr>
+              <a:picLocks noChangeAspect="1"/>
+            </p:cNvPicPr>
+            <p:nvPr/>
+          </p:nvPicPr>
+          <p:blipFill>
+            <a:blip r:embed="rId3"/>
+            <a:stretch>
+              <a:fillRect/>
+            </a:stretch>
+          </p:blipFill>
+          <p:spPr>
+            <a:xfrm>
+              <a:off x="0" y="171734"/>
+              <a:ext cx="7004205" cy="3607164"/>
+            </a:xfrm>
+            <a:prstGeom prst="rect">
+              <a:avLst/>
+            </a:prstGeom>
+          </p:spPr>
+        </p:pic>
+        <p:sp>
+          <p:nvSpPr>
+            <p:cNvPr id="7" name="CasellaDiTesto 6">
+              <a:extLst>
+                <a:ext uri="{FF2B5EF4-FFF2-40B4-BE49-F238E27FC236}">
+                  <a16:creationId xmlns:a16="http://schemas.microsoft.com/office/drawing/2014/main" id="{711CF03A-993E-4F0C-884F-DBE4823758CF}"/>
+                </a:ext>
+              </a:extLst>
+            </p:cNvPr>
+            <p:cNvSpPr txBox="1"/>
+            <p:nvPr/>
+          </p:nvSpPr>
+          <p:spPr>
+            <a:xfrm>
+              <a:off x="6402209" y="1170453"/>
+              <a:ext cx="391517" cy="1609725"/>
+            </a:xfrm>
+            <a:prstGeom prst="rect">
+              <a:avLst/>
+            </a:prstGeom>
+            <a:noFill/>
+          </p:spPr>
+          <p:txBody>
+            <a:bodyPr vert="wordArtVert" wrap="square" rtlCol="0">
+              <a:spAutoFit/>
+            </a:bodyPr>
+            <a:lstStyle/>
+            <a:p>
+              <a:pPr algn="ctr"/>
+              <a:r>
+                <a:rPr lang="en-US" sz="700" b="1" dirty="0">
+                  <a:latin typeface="Aharoni" panose="02010803020104030203" pitchFamily="2" charset="-79"/>
+                  <a:cs typeface="Aharoni" panose="02010803020104030203" pitchFamily="2" charset="-79"/>
+                </a:rPr>
+                <a:t>SVM CLASSIFIER</a:t>
+              </a:r>
+            </a:p>
+            <a:p>
+              <a:pPr algn="ctr"/>
+              <a:endParaRPr lang="en-US" sz="700" b="1" dirty="0">
+                <a:latin typeface="Aharoni" panose="02010803020104030203" pitchFamily="2" charset="-79"/>
+                <a:cs typeface="Aharoni" panose="02010803020104030203" pitchFamily="2" charset="-79"/>
+              </a:endParaRPr>
+            </a:p>
+          </p:txBody>
+        </p:sp>
+      </p:grpSp>
     </p:spTree>
     <p:extLst>
       <p:ext uri="{BB962C8B-B14F-4D97-AF65-F5344CB8AC3E}">
-        <p14:creationId xmlns:p14="http://schemas.microsoft.com/office/powerpoint/2010/main" val="2662219781"/>
+        <p14:creationId xmlns:p14="http://schemas.microsoft.com/office/powerpoint/2010/main" val="910190287"/>
       </p:ext>
     </p:extLst>
   </p:cSld>
@@ -8541,89 +6113,10 @@
       </p:grpSpPr>
       <p:sp>
         <p:nvSpPr>
-          <p:cNvPr id="2" name="Titolo 1">
+          <p:cNvPr id="37" name="Rectangle 26">
             <a:extLst>
               <a:ext uri="{FF2B5EF4-FFF2-40B4-BE49-F238E27FC236}">
-                <a16:creationId xmlns:a16="http://schemas.microsoft.com/office/drawing/2014/main" id="{2882BA50-9C39-4893-9E41-6486DAB221C4}"/>
-              </a:ext>
-            </a:extLst>
-          </p:cNvPr>
-          <p:cNvSpPr>
-            <a:spLocks noGrp="1"/>
-          </p:cNvSpPr>
-          <p:nvPr>
-            <p:ph type="title"/>
-          </p:nvPr>
-        </p:nvSpPr>
-        <p:spPr>
-          <a:xfrm>
-            <a:off x="804672" y="2404872"/>
-            <a:ext cx="3044950" cy="1627792"/>
-          </a:xfrm>
-        </p:spPr>
-        <p:txBody>
-          <a:bodyPr vert="horz" lIns="274320" tIns="182880" rIns="274320" bIns="182880" rtlCol="0" anchor="ctr" anchorCtr="1">
-            <a:normAutofit fontScale="90000"/>
-          </a:bodyPr>
-          <a:lstStyle/>
-          <a:p>
-            <a:r>
-              <a:rPr lang="en-US" dirty="0">
-                <a:solidFill>
-                  <a:srgbClr val="262626"/>
-                </a:solidFill>
-              </a:rPr>
-              <a:t>COMPARISONS BETWEEN TEST AND TRAIN ACCURACY</a:t>
-            </a:r>
-          </a:p>
-        </p:txBody>
-      </p:sp>
-      <p:sp>
-        <p:nvSpPr>
-          <p:cNvPr id="6" name="Segnaposto piè di pagina 5">
-            <a:extLst>
-              <a:ext uri="{FF2B5EF4-FFF2-40B4-BE49-F238E27FC236}">
-                <a16:creationId xmlns:a16="http://schemas.microsoft.com/office/drawing/2014/main" id="{F5B4852A-1509-4CAD-B675-AD6CF5B5FBCA}"/>
-              </a:ext>
-            </a:extLst>
-          </p:cNvPr>
-          <p:cNvSpPr>
-            <a:spLocks noGrp="1"/>
-          </p:cNvSpPr>
-          <p:nvPr>
-            <p:ph type="ftr" sz="quarter" idx="11"/>
-          </p:nvPr>
-        </p:nvSpPr>
-        <p:spPr>
-          <a:xfrm>
-            <a:off x="804672" y="6224660"/>
-            <a:ext cx="3705203" cy="313300"/>
-          </a:xfrm>
-        </p:spPr>
-        <p:txBody>
-          <a:bodyPr vert="horz" lIns="91440" tIns="45720" rIns="91440" bIns="45720" rtlCol="0" anchor="ctr">
-            <a:normAutofit/>
-          </a:bodyPr>
-          <a:lstStyle/>
-          <a:p>
-            <a:pPr>
-              <a:spcAft>
-                <a:spcPts val="600"/>
-              </a:spcAft>
-            </a:pPr>
-            <a:r>
-              <a:rPr lang="en-US"/>
-              <a:t>Università Ca’ Foscari Venezia - Santello Veronica 870320</a:t>
-            </a:r>
-          </a:p>
-        </p:txBody>
-      </p:sp>
-      <p:sp>
-        <p:nvSpPr>
-          <p:cNvPr id="17" name="Rectangle 16">
-            <a:extLst>
-              <a:ext uri="{FF2B5EF4-FFF2-40B4-BE49-F238E27FC236}">
-                <a16:creationId xmlns:a16="http://schemas.microsoft.com/office/drawing/2014/main" id="{ED6F0A31-5407-4EFA-9DFA-67E942682962}"/>
+                <a16:creationId xmlns:a16="http://schemas.microsoft.com/office/drawing/2014/main" id="{33873679-0448-4544-9ED3-C7AFD058D386}"/>
               </a:ext>
               <a:ext uri="{C183D7F6-B498-43B3-948B-1728B52AA6E4}">
                 <adec:decorative xmlns:adec="http://schemas.microsoft.com/office/drawing/2017/decorative" val="1"/>
@@ -8643,8 +6136,8 @@
         </p:nvSpPr>
         <p:spPr>
           <a:xfrm>
-            <a:off x="4654296" y="0"/>
-            <a:ext cx="7537703" cy="6858000"/>
+            <a:off x="0" y="-2"/>
+            <a:ext cx="12192000" cy="4918511"/>
           </a:xfrm>
           <a:prstGeom prst="rect">
             <a:avLst/>
@@ -8681,38 +6174,104 @@
           </a:p>
         </p:txBody>
       </p:sp>
-      <p:pic>
-        <p:nvPicPr>
-          <p:cNvPr id="9" name="Segnaposto contenuto 8">
+      <p:sp>
+        <p:nvSpPr>
+          <p:cNvPr id="2" name="Titolo 1">
             <a:extLst>
               <a:ext uri="{FF2B5EF4-FFF2-40B4-BE49-F238E27FC236}">
-                <a16:creationId xmlns:a16="http://schemas.microsoft.com/office/drawing/2014/main" id="{F1D023DE-A9A6-4DC3-9EBB-E21605A8195C}"/>
+                <a16:creationId xmlns:a16="http://schemas.microsoft.com/office/drawing/2014/main" id="{2882BA50-9C39-4893-9E41-6486DAB221C4}"/>
               </a:ext>
             </a:extLst>
           </p:cNvPr>
-          <p:cNvPicPr>
-            <a:picLocks noGrp="1" noChangeAspect="1"/>
-          </p:cNvPicPr>
-          <p:nvPr>
-            <p:ph idx="1"/>
-          </p:nvPr>
-        </p:nvPicPr>
-        <p:blipFill>
-          <a:blip r:embed="rId2"/>
-          <a:stretch>
-            <a:fillRect/>
-          </a:stretch>
-        </p:blipFill>
-        <p:spPr>
-          <a:xfrm>
-            <a:off x="5294376" y="1185799"/>
-            <a:ext cx="6257544" cy="4171696"/>
-          </a:xfrm>
-          <a:prstGeom prst="rect">
-            <a:avLst/>
-          </a:prstGeom>
-        </p:spPr>
-      </p:pic>
+          <p:cNvSpPr>
+            <a:spLocks noGrp="1"/>
+          </p:cNvSpPr>
+          <p:nvPr>
+            <p:ph type="title"/>
+          </p:nvPr>
+        </p:nvSpPr>
+        <p:spPr>
+          <a:xfrm>
+            <a:off x="1600200" y="4269282"/>
+            <a:ext cx="8991600" cy="1264762"/>
+          </a:xfrm>
+        </p:spPr>
+        <p:txBody>
+          <a:bodyPr vert="horz" lIns="274320" tIns="182880" rIns="274320" bIns="182880" rtlCol="0" anchor="ctr" anchorCtr="1">
+            <a:normAutofit/>
+          </a:bodyPr>
+          <a:lstStyle/>
+          <a:p>
+            <a:r>
+              <a:rPr lang="en-US" sz="3200" dirty="0">
+                <a:solidFill>
+                  <a:srgbClr val="262626"/>
+                </a:solidFill>
+              </a:rPr>
+              <a:t>CLASSIFICATION Results </a:t>
+            </a:r>
+          </a:p>
+        </p:txBody>
+      </p:sp>
+      <p:sp>
+        <p:nvSpPr>
+          <p:cNvPr id="6" name="Segnaposto piè di pagina 5">
+            <a:extLst>
+              <a:ext uri="{FF2B5EF4-FFF2-40B4-BE49-F238E27FC236}">
+                <a16:creationId xmlns:a16="http://schemas.microsoft.com/office/drawing/2014/main" id="{F5B4852A-1509-4CAD-B675-AD6CF5B5FBCA}"/>
+              </a:ext>
+            </a:extLst>
+          </p:cNvPr>
+          <p:cNvSpPr>
+            <a:spLocks noGrp="1"/>
+          </p:cNvSpPr>
+          <p:nvPr>
+            <p:ph type="ftr" sz="quarter" idx="11"/>
+          </p:nvPr>
+        </p:nvSpPr>
+        <p:spPr>
+          <a:xfrm>
+            <a:off x="1600200" y="6236208"/>
+            <a:ext cx="5901189" cy="320040"/>
+          </a:xfrm>
+        </p:spPr>
+        <p:txBody>
+          <a:bodyPr vert="horz" lIns="91440" tIns="45720" rIns="91440" bIns="45720" rtlCol="0" anchor="ctr">
+            <a:normAutofit/>
+          </a:bodyPr>
+          <a:lstStyle/>
+          <a:p>
+            <a:pPr>
+              <a:spcAft>
+                <a:spcPts val="600"/>
+              </a:spcAft>
+            </a:pPr>
+            <a:r>
+              <a:rPr lang="en-US" kern="1200">
+                <a:solidFill>
+                  <a:schemeClr val="tx1">
+                    <a:alpha val="70000"/>
+                  </a:schemeClr>
+                </a:solidFill>
+                <a:latin typeface="+mn-lt"/>
+                <a:ea typeface="+mn-ea"/>
+                <a:cs typeface="+mn-cs"/>
+              </a:rPr>
+              <a:t>Università Ca’ Foscari Venezia - Santello Veronica 870320</a:t>
+            </a:r>
+            <a:endParaRPr lang="en-US" kern="1200" dirty="0">
+              <a:solidFill>
+                <a:schemeClr val="tx1">
+                  <a:alpha val="70000"/>
+                </a:schemeClr>
+              </a:solidFill>
+              <a:latin typeface="+mn-lt"/>
+              <a:ea typeface="+mn-ea"/>
+              <a:cs typeface="+mn-cs"/>
+            </a:endParaRPr>
+          </a:p>
+        </p:txBody>
+      </p:sp>
       <p:sp>
         <p:nvSpPr>
           <p:cNvPr id="7" name="Segnaposto numero diapositiva 6">
@@ -8762,6 +6321,673 @@
               <a:t>8</a:t>
             </a:fld>
             <a:endParaRPr lang="en-US"/>
+          </a:p>
+        </p:txBody>
+      </p:sp>
+      <p:sp>
+        <p:nvSpPr>
+          <p:cNvPr id="23" name="CasellaDiTesto 22">
+            <a:extLst>
+              <a:ext uri="{FF2B5EF4-FFF2-40B4-BE49-F238E27FC236}">
+                <a16:creationId xmlns:a16="http://schemas.microsoft.com/office/drawing/2014/main" id="{31ABF8C7-361B-429A-B195-C7F6B491F264}"/>
+              </a:ext>
+            </a:extLst>
+          </p:cNvPr>
+          <p:cNvSpPr txBox="1"/>
+          <p:nvPr/>
+        </p:nvSpPr>
+        <p:spPr>
+          <a:xfrm>
+            <a:off x="1075032" y="968984"/>
+            <a:ext cx="1707519" cy="369332"/>
+          </a:xfrm>
+          <a:prstGeom prst="rect">
+            <a:avLst/>
+          </a:prstGeom>
+          <a:noFill/>
+        </p:spPr>
+        <p:txBody>
+          <a:bodyPr wrap="none" rtlCol="0">
+            <a:spAutoFit/>
+          </a:bodyPr>
+          <a:lstStyle/>
+          <a:p>
+            <a:r>
+              <a:rPr lang="en-US" dirty="0"/>
+              <a:t>TRAFFICLIGHT</a:t>
+            </a:r>
+          </a:p>
+        </p:txBody>
+      </p:sp>
+      <p:sp>
+        <p:nvSpPr>
+          <p:cNvPr id="24" name="CasellaDiTesto 23">
+            <a:extLst>
+              <a:ext uri="{FF2B5EF4-FFF2-40B4-BE49-F238E27FC236}">
+                <a16:creationId xmlns:a16="http://schemas.microsoft.com/office/drawing/2014/main" id="{563DA8F3-8A44-444C-A4A9-455B2B7D557A}"/>
+              </a:ext>
+            </a:extLst>
+          </p:cNvPr>
+          <p:cNvSpPr txBox="1"/>
+          <p:nvPr/>
+        </p:nvSpPr>
+        <p:spPr>
+          <a:xfrm>
+            <a:off x="3850860" y="968984"/>
+            <a:ext cx="1423788" cy="369332"/>
+          </a:xfrm>
+          <a:prstGeom prst="rect">
+            <a:avLst/>
+          </a:prstGeom>
+          <a:noFill/>
+        </p:spPr>
+        <p:txBody>
+          <a:bodyPr wrap="none" rtlCol="0">
+            <a:spAutoFit/>
+          </a:bodyPr>
+          <a:lstStyle/>
+          <a:p>
+            <a:r>
+              <a:rPr lang="en-US" dirty="0"/>
+              <a:t>SPEED LIMIT</a:t>
+            </a:r>
+          </a:p>
+        </p:txBody>
+      </p:sp>
+      <p:sp>
+        <p:nvSpPr>
+          <p:cNvPr id="25" name="CasellaDiTesto 24">
+            <a:extLst>
+              <a:ext uri="{FF2B5EF4-FFF2-40B4-BE49-F238E27FC236}">
+                <a16:creationId xmlns:a16="http://schemas.microsoft.com/office/drawing/2014/main" id="{B68F9804-7482-4D76-A14C-EBED8B705612}"/>
+              </a:ext>
+            </a:extLst>
+          </p:cNvPr>
+          <p:cNvSpPr txBox="1"/>
+          <p:nvPr/>
+        </p:nvSpPr>
+        <p:spPr>
+          <a:xfrm>
+            <a:off x="7027571" y="954624"/>
+            <a:ext cx="722698" cy="369332"/>
+          </a:xfrm>
+          <a:prstGeom prst="rect">
+            <a:avLst/>
+          </a:prstGeom>
+          <a:noFill/>
+        </p:spPr>
+        <p:txBody>
+          <a:bodyPr wrap="none" rtlCol="0">
+            <a:spAutoFit/>
+          </a:bodyPr>
+          <a:lstStyle/>
+          <a:p>
+            <a:r>
+              <a:rPr lang="en-US" dirty="0"/>
+              <a:t>STOP</a:t>
+            </a:r>
+          </a:p>
+        </p:txBody>
+      </p:sp>
+      <p:sp>
+        <p:nvSpPr>
+          <p:cNvPr id="26" name="CasellaDiTesto 25">
+            <a:extLst>
+              <a:ext uri="{FF2B5EF4-FFF2-40B4-BE49-F238E27FC236}">
+                <a16:creationId xmlns:a16="http://schemas.microsoft.com/office/drawing/2014/main" id="{CFCA790C-6A3F-4C9F-AF99-435077DBE080}"/>
+              </a:ext>
+            </a:extLst>
+          </p:cNvPr>
+          <p:cNvSpPr txBox="1"/>
+          <p:nvPr/>
+        </p:nvSpPr>
+        <p:spPr>
+          <a:xfrm>
+            <a:off x="9557843" y="954624"/>
+            <a:ext cx="1516505" cy="369332"/>
+          </a:xfrm>
+          <a:prstGeom prst="rect">
+            <a:avLst/>
+          </a:prstGeom>
+          <a:noFill/>
+        </p:spPr>
+        <p:txBody>
+          <a:bodyPr wrap="none" rtlCol="0">
+            <a:spAutoFit/>
+          </a:bodyPr>
+          <a:lstStyle/>
+          <a:p>
+            <a:r>
+              <a:rPr lang="en-US" dirty="0"/>
+              <a:t>CROSSWALK</a:t>
+            </a:r>
+          </a:p>
+        </p:txBody>
+      </p:sp>
+      <p:pic>
+        <p:nvPicPr>
+          <p:cNvPr id="4" name="Immagine 3">
+            <a:extLst>
+              <a:ext uri="{FF2B5EF4-FFF2-40B4-BE49-F238E27FC236}">
+                <a16:creationId xmlns:a16="http://schemas.microsoft.com/office/drawing/2014/main" id="{4BB8D843-627A-4659-B143-EC83DEA4CE38}"/>
+              </a:ext>
+            </a:extLst>
+          </p:cNvPr>
+          <p:cNvPicPr>
+            <a:picLocks noChangeAspect="1"/>
+          </p:cNvPicPr>
+          <p:nvPr/>
+        </p:nvPicPr>
+        <p:blipFill>
+          <a:blip r:embed="rId2"/>
+          <a:stretch>
+            <a:fillRect/>
+          </a:stretch>
+        </p:blipFill>
+        <p:spPr>
+          <a:xfrm>
+            <a:off x="3166535" y="1304717"/>
+            <a:ext cx="2798699" cy="886860"/>
+          </a:xfrm>
+          <a:prstGeom prst="rect">
+            <a:avLst/>
+          </a:prstGeom>
+        </p:spPr>
+      </p:pic>
+      <p:pic>
+        <p:nvPicPr>
+          <p:cNvPr id="8" name="Immagine 7">
+            <a:extLst>
+              <a:ext uri="{FF2B5EF4-FFF2-40B4-BE49-F238E27FC236}">
+                <a16:creationId xmlns:a16="http://schemas.microsoft.com/office/drawing/2014/main" id="{C2C3A025-86CB-46F2-A59F-5078EA616445}"/>
+              </a:ext>
+            </a:extLst>
+          </p:cNvPr>
+          <p:cNvPicPr>
+            <a:picLocks noChangeAspect="1"/>
+          </p:cNvPicPr>
+          <p:nvPr/>
+        </p:nvPicPr>
+        <p:blipFill>
+          <a:blip r:embed="rId3"/>
+          <a:stretch>
+            <a:fillRect/>
+          </a:stretch>
+        </p:blipFill>
+        <p:spPr>
+          <a:xfrm>
+            <a:off x="5933865" y="1304717"/>
+            <a:ext cx="2965363" cy="1249366"/>
+          </a:xfrm>
+          <a:prstGeom prst="rect">
+            <a:avLst/>
+          </a:prstGeom>
+        </p:spPr>
+      </p:pic>
+      <p:pic>
+        <p:nvPicPr>
+          <p:cNvPr id="1026" name="Picture 2">
+            <a:extLst>
+              <a:ext uri="{FF2B5EF4-FFF2-40B4-BE49-F238E27FC236}">
+                <a16:creationId xmlns:a16="http://schemas.microsoft.com/office/drawing/2014/main" id="{3BB087DF-6CB0-4543-8560-546D35C3EF13}"/>
+              </a:ext>
+            </a:extLst>
+          </p:cNvPr>
+          <p:cNvPicPr>
+            <a:picLocks noChangeAspect="1" noChangeArrowheads="1"/>
+          </p:cNvPicPr>
+          <p:nvPr/>
+        </p:nvPicPr>
+        <p:blipFill>
+          <a:blip r:embed="rId4">
+            <a:extLst>
+              <a:ext uri="{28A0092B-C50C-407E-A947-70E740481C1C}">
+                <a14:useLocalDpi xmlns:a14="http://schemas.microsoft.com/office/drawing/2010/main" val="0"/>
+              </a:ext>
+            </a:extLst>
+          </a:blip>
+          <a:srcRect/>
+          <a:stretch>
+            <a:fillRect/>
+          </a:stretch>
+        </p:blipFill>
+        <p:spPr bwMode="auto">
+          <a:xfrm>
+            <a:off x="8805594" y="1339942"/>
+            <a:ext cx="3021001" cy="938640"/>
+          </a:xfrm>
+          <a:prstGeom prst="rect">
+            <a:avLst/>
+          </a:prstGeom>
+          <a:noFill/>
+          <a:extLst>
+            <a:ext uri="{909E8E84-426E-40DD-AFC4-6F175D3DCCD1}">
+              <a14:hiddenFill xmlns:a14="http://schemas.microsoft.com/office/drawing/2010/main">
+                <a:solidFill>
+                  <a:srgbClr val="FFFFFF"/>
+                </a:solidFill>
+              </a14:hiddenFill>
+            </a:ext>
+          </a:extLst>
+        </p:spPr>
+      </p:pic>
+      <p:pic>
+        <p:nvPicPr>
+          <p:cNvPr id="1028" name="Picture 4">
+            <a:extLst>
+              <a:ext uri="{FF2B5EF4-FFF2-40B4-BE49-F238E27FC236}">
+                <a16:creationId xmlns:a16="http://schemas.microsoft.com/office/drawing/2014/main" id="{E22723FA-A510-4390-B1A7-D9A0CD9EC890}"/>
+              </a:ext>
+            </a:extLst>
+          </p:cNvPr>
+          <p:cNvPicPr>
+            <a:picLocks noChangeAspect="1" noChangeArrowheads="1"/>
+          </p:cNvPicPr>
+          <p:nvPr/>
+        </p:nvPicPr>
+        <p:blipFill>
+          <a:blip r:embed="rId5">
+            <a:extLst>
+              <a:ext uri="{28A0092B-C50C-407E-A947-70E740481C1C}">
+                <a14:useLocalDpi xmlns:a14="http://schemas.microsoft.com/office/drawing/2010/main" val="0"/>
+              </a:ext>
+            </a:extLst>
+          </a:blip>
+          <a:srcRect/>
+          <a:stretch>
+            <a:fillRect/>
+          </a:stretch>
+        </p:blipFill>
+        <p:spPr bwMode="auto">
+          <a:xfrm>
+            <a:off x="202310" y="1304717"/>
+            <a:ext cx="2957964" cy="1884447"/>
+          </a:xfrm>
+          <a:prstGeom prst="rect">
+            <a:avLst/>
+          </a:prstGeom>
+          <a:noFill/>
+          <a:extLst>
+            <a:ext uri="{909E8E84-426E-40DD-AFC4-6F175D3DCCD1}">
+              <a14:hiddenFill xmlns:a14="http://schemas.microsoft.com/office/drawing/2010/main">
+                <a:solidFill>
+                  <a:srgbClr val="FFFFFF"/>
+                </a:solidFill>
+              </a14:hiddenFill>
+            </a:ext>
+          </a:extLst>
+        </p:spPr>
+      </p:pic>
+    </p:spTree>
+    <p:extLst>
+      <p:ext uri="{BB962C8B-B14F-4D97-AF65-F5344CB8AC3E}">
+        <p14:creationId xmlns:p14="http://schemas.microsoft.com/office/powerpoint/2010/main" val="909535565"/>
+      </p:ext>
+    </p:extLst>
+  </p:cSld>
+  <p:clrMapOvr>
+    <a:masterClrMapping/>
+  </p:clrMapOvr>
+</p:sld>
+</file>
+
+<file path=ppt/slides/slide9.xml><?xml version="1.0" encoding="utf-8"?>
+<p:sld xmlns:a="http://schemas.openxmlformats.org/drawingml/2006/main" xmlns:r="http://schemas.openxmlformats.org/officeDocument/2006/relationships" xmlns:p="http://schemas.openxmlformats.org/presentationml/2006/main">
+  <p:cSld>
+    <p:bg>
+      <p:bgPr>
+        <a:solidFill>
+          <a:schemeClr val="accent2"/>
+        </a:solidFill>
+        <a:effectLst/>
+      </p:bgPr>
+    </p:bg>
+    <p:spTree>
+      <p:nvGrpSpPr>
+        <p:cNvPr id="1" name=""/>
+        <p:cNvGrpSpPr/>
+        <p:nvPr/>
+      </p:nvGrpSpPr>
+      <p:grpSpPr>
+        <a:xfrm>
+          <a:off x="0" y="0"/>
+          <a:ext cx="0" cy="0"/>
+          <a:chOff x="0" y="0"/>
+          <a:chExt cx="0" cy="0"/>
+        </a:xfrm>
+      </p:grpSpPr>
+      <p:sp>
+        <p:nvSpPr>
+          <p:cNvPr id="33" name="Rectangle 30">
+            <a:extLst>
+              <a:ext uri="{FF2B5EF4-FFF2-40B4-BE49-F238E27FC236}">
+                <a16:creationId xmlns:a16="http://schemas.microsoft.com/office/drawing/2014/main" id="{2C25DD4D-AF7C-475A-A237-1E6041A9406B}"/>
+              </a:ext>
+              <a:ext uri="{C183D7F6-B498-43B3-948B-1728B52AA6E4}">
+                <adec:decorative xmlns:adec="http://schemas.microsoft.com/office/drawing/2017/decorative" val="1"/>
+              </a:ext>
+            </a:extLst>
+          </p:cNvPr>
+          <p:cNvSpPr>
+            <a:spLocks noGrp="1" noRot="1" noChangeAspect="1" noMove="1" noResize="1" noEditPoints="1" noAdjustHandles="1" noChangeArrowheads="1" noChangeShapeType="1" noTextEdit="1"/>
+          </p:cNvSpPr>
+          <p:nvPr>
+            <p:extLst>
+              <p:ext uri="{386F3935-93C4-4BCD-93E2-E3B085C9AB24}">
+                <p16:designElem xmlns:p16="http://schemas.microsoft.com/office/powerpoint/2015/main" val="1"/>
+              </p:ext>
+            </p:extLst>
+          </p:nvPr>
+        </p:nvSpPr>
+        <p:spPr>
+          <a:xfrm>
+            <a:off x="0" y="-2"/>
+            <a:ext cx="12192000" cy="4918511"/>
+          </a:xfrm>
+          <a:prstGeom prst="rect">
+            <a:avLst/>
+          </a:prstGeom>
+          <a:solidFill>
+            <a:srgbClr val="FFFFFF"/>
+          </a:solidFill>
+          <a:ln>
+            <a:noFill/>
+          </a:ln>
+        </p:spPr>
+        <p:style>
+          <a:lnRef idx="2">
+            <a:schemeClr val="accent1">
+              <a:shade val="50000"/>
+            </a:schemeClr>
+          </a:lnRef>
+          <a:fillRef idx="1">
+            <a:schemeClr val="accent1"/>
+          </a:fillRef>
+          <a:effectRef idx="0">
+            <a:schemeClr val="accent1"/>
+          </a:effectRef>
+          <a:fontRef idx="minor">
+            <a:schemeClr val="lt1"/>
+          </a:fontRef>
+        </p:style>
+        <p:txBody>
+          <a:bodyPr rtlCol="0" anchor="ctr"/>
+          <a:lstStyle/>
+          <a:p>
+            <a:pPr algn="ctr"/>
+            <a:endParaRPr lang="en-US"/>
+          </a:p>
+        </p:txBody>
+      </p:sp>
+      <p:sp>
+        <p:nvSpPr>
+          <p:cNvPr id="2" name="Titolo 1">
+            <a:extLst>
+              <a:ext uri="{FF2B5EF4-FFF2-40B4-BE49-F238E27FC236}">
+                <a16:creationId xmlns:a16="http://schemas.microsoft.com/office/drawing/2014/main" id="{2882BA50-9C39-4893-9E41-6486DAB221C4}"/>
+              </a:ext>
+            </a:extLst>
+          </p:cNvPr>
+          <p:cNvSpPr>
+            <a:spLocks noGrp="1"/>
+          </p:cNvSpPr>
+          <p:nvPr>
+            <p:ph type="title"/>
+          </p:nvPr>
+        </p:nvSpPr>
+        <p:spPr>
+          <a:xfrm>
+            <a:off x="1600200" y="4269282"/>
+            <a:ext cx="8991600" cy="1264762"/>
+          </a:xfrm>
+        </p:spPr>
+        <p:txBody>
+          <a:bodyPr vert="horz" lIns="274320" tIns="182880" rIns="274320" bIns="182880" rtlCol="0" anchor="ctr" anchorCtr="1">
+            <a:normAutofit fontScale="90000"/>
+          </a:bodyPr>
+          <a:lstStyle/>
+          <a:p>
+            <a:r>
+              <a:rPr lang="en-US" sz="3200" dirty="0">
+                <a:solidFill>
+                  <a:srgbClr val="262626"/>
+                </a:solidFill>
+              </a:rPr>
+              <a:t>COMPARISONS BETWEEN valuation AND TRAIN ACCURACY for each model</a:t>
+            </a:r>
+          </a:p>
+        </p:txBody>
+      </p:sp>
+      <p:pic>
+        <p:nvPicPr>
+          <p:cNvPr id="8" name="Immagine 7">
+            <a:extLst>
+              <a:ext uri="{FF2B5EF4-FFF2-40B4-BE49-F238E27FC236}">
+                <a16:creationId xmlns:a16="http://schemas.microsoft.com/office/drawing/2014/main" id="{DE534351-247C-4335-B9D0-1698CD62D3A9}"/>
+              </a:ext>
+            </a:extLst>
+          </p:cNvPr>
+          <p:cNvPicPr>
+            <a:picLocks noChangeAspect="1"/>
+          </p:cNvPicPr>
+          <p:nvPr/>
+        </p:nvPicPr>
+        <p:blipFill>
+          <a:blip r:embed="rId2"/>
+          <a:stretch>
+            <a:fillRect/>
+          </a:stretch>
+        </p:blipFill>
+        <p:spPr>
+          <a:xfrm>
+            <a:off x="6437638" y="106320"/>
+            <a:ext cx="2935889" cy="3875761"/>
+          </a:xfrm>
+          <a:prstGeom prst="rect">
+            <a:avLst/>
+          </a:prstGeom>
+        </p:spPr>
+      </p:pic>
+      <p:pic>
+        <p:nvPicPr>
+          <p:cNvPr id="11" name="Immagine 10">
+            <a:extLst>
+              <a:ext uri="{FF2B5EF4-FFF2-40B4-BE49-F238E27FC236}">
+                <a16:creationId xmlns:a16="http://schemas.microsoft.com/office/drawing/2014/main" id="{6B14A013-4FF7-485B-9560-621A2D4F048B}"/>
+              </a:ext>
+            </a:extLst>
+          </p:cNvPr>
+          <p:cNvPicPr>
+            <a:picLocks noChangeAspect="1"/>
+          </p:cNvPicPr>
+          <p:nvPr/>
+        </p:nvPicPr>
+        <p:blipFill>
+          <a:blip r:embed="rId3"/>
+          <a:stretch>
+            <a:fillRect/>
+          </a:stretch>
+        </p:blipFill>
+        <p:spPr>
+          <a:xfrm>
+            <a:off x="2740960" y="106320"/>
+            <a:ext cx="3013403" cy="3875761"/>
+          </a:xfrm>
+          <a:prstGeom prst="rect">
+            <a:avLst/>
+          </a:prstGeom>
+        </p:spPr>
+      </p:pic>
+      <p:sp>
+        <p:nvSpPr>
+          <p:cNvPr id="6" name="Segnaposto piè di pagina 5">
+            <a:extLst>
+              <a:ext uri="{FF2B5EF4-FFF2-40B4-BE49-F238E27FC236}">
+                <a16:creationId xmlns:a16="http://schemas.microsoft.com/office/drawing/2014/main" id="{F5B4852A-1509-4CAD-B675-AD6CF5B5FBCA}"/>
+              </a:ext>
+            </a:extLst>
+          </p:cNvPr>
+          <p:cNvSpPr>
+            <a:spLocks noGrp="1"/>
+          </p:cNvSpPr>
+          <p:nvPr>
+            <p:ph type="ftr" sz="quarter" idx="11"/>
+          </p:nvPr>
+        </p:nvSpPr>
+        <p:spPr>
+          <a:xfrm>
+            <a:off x="1600200" y="6236208"/>
+            <a:ext cx="5901189" cy="320040"/>
+          </a:xfrm>
+        </p:spPr>
+        <p:txBody>
+          <a:bodyPr vert="horz" lIns="91440" tIns="45720" rIns="91440" bIns="45720" rtlCol="0" anchor="ctr">
+            <a:normAutofit/>
+          </a:bodyPr>
+          <a:lstStyle/>
+          <a:p>
+            <a:pPr>
+              <a:spcAft>
+                <a:spcPts val="600"/>
+              </a:spcAft>
+            </a:pPr>
+            <a:r>
+              <a:rPr lang="en-US" kern="1200" dirty="0">
+                <a:solidFill>
+                  <a:schemeClr val="tx1">
+                    <a:alpha val="70000"/>
+                  </a:schemeClr>
+                </a:solidFill>
+                <a:latin typeface="+mn-lt"/>
+                <a:ea typeface="+mn-ea"/>
+                <a:cs typeface="+mn-cs"/>
+              </a:rPr>
+              <a:t>Università Ca’ Foscari Venezia - Santello Veronica 870320</a:t>
+            </a:r>
+          </a:p>
+        </p:txBody>
+      </p:sp>
+      <p:sp>
+        <p:nvSpPr>
+          <p:cNvPr id="7" name="Segnaposto numero diapositiva 6">
+            <a:extLst>
+              <a:ext uri="{FF2B5EF4-FFF2-40B4-BE49-F238E27FC236}">
+                <a16:creationId xmlns:a16="http://schemas.microsoft.com/office/drawing/2014/main" id="{02658932-3363-4D7D-B542-32CDA0A419C7}"/>
+              </a:ext>
+            </a:extLst>
+          </p:cNvPr>
+          <p:cNvSpPr>
+            <a:spLocks noGrp="1"/>
+          </p:cNvSpPr>
+          <p:nvPr>
+            <p:ph type="sldNum" sz="quarter" idx="12"/>
+          </p:nvPr>
+        </p:nvSpPr>
+        <p:spPr>
+          <a:xfrm>
+            <a:off x="10758922" y="6217920"/>
+            <a:ext cx="365760" cy="365760"/>
+          </a:xfrm>
+        </p:spPr>
+        <p:txBody>
+          <a:bodyPr vert="horz" lIns="18288" tIns="45720" rIns="18288" bIns="45720" rtlCol="0" anchor="ctr">
+            <a:normAutofit/>
+          </a:bodyPr>
+          <a:lstStyle/>
+          <a:p>
+            <a:pPr>
+              <a:lnSpc>
+                <a:spcPct val="90000"/>
+              </a:lnSpc>
+              <a:spcAft>
+                <a:spcPts val="600"/>
+              </a:spcAft>
+            </a:pPr>
+            <a:fld id="{8A7A6979-0714-4377-B894-6BE4C2D6E202}" type="slidenum">
+              <a:rPr lang="en-US" smtClean="0"/>
+              <a:pPr>
+                <a:lnSpc>
+                  <a:spcPct val="90000"/>
+                </a:lnSpc>
+                <a:spcAft>
+                  <a:spcPts val="600"/>
+                </a:spcAft>
+              </a:pPr>
+              <a:t>9</a:t>
+            </a:fld>
+            <a:endParaRPr lang="en-US"/>
+          </a:p>
+        </p:txBody>
+      </p:sp>
+      <p:sp>
+        <p:nvSpPr>
+          <p:cNvPr id="12" name="CasellaDiTesto 11">
+            <a:extLst>
+              <a:ext uri="{FF2B5EF4-FFF2-40B4-BE49-F238E27FC236}">
+                <a16:creationId xmlns:a16="http://schemas.microsoft.com/office/drawing/2014/main" id="{9EEEC51F-CC49-42A4-9AE8-26037D74629F}"/>
+              </a:ext>
+            </a:extLst>
+          </p:cNvPr>
+          <p:cNvSpPr txBox="1"/>
+          <p:nvPr/>
+        </p:nvSpPr>
+        <p:spPr>
+          <a:xfrm>
+            <a:off x="1152616" y="1650406"/>
+            <a:ext cx="1810138" cy="646331"/>
+          </a:xfrm>
+          <a:prstGeom prst="rect">
+            <a:avLst/>
+          </a:prstGeom>
+          <a:noFill/>
+        </p:spPr>
+        <p:txBody>
+          <a:bodyPr wrap="square" rtlCol="0">
+            <a:spAutoFit/>
+          </a:bodyPr>
+          <a:lstStyle/>
+          <a:p>
+            <a:pPr algn="ctr"/>
+            <a:r>
+              <a:rPr lang="en-US" b="1" dirty="0"/>
+              <a:t>With TS as final layer</a:t>
+            </a:r>
+          </a:p>
+        </p:txBody>
+      </p:sp>
+      <p:sp>
+        <p:nvSpPr>
+          <p:cNvPr id="19" name="CasellaDiTesto 18">
+            <a:extLst>
+              <a:ext uri="{FF2B5EF4-FFF2-40B4-BE49-F238E27FC236}">
+                <a16:creationId xmlns:a16="http://schemas.microsoft.com/office/drawing/2014/main" id="{024DA35D-A205-48DA-A341-7437612D7EDA}"/>
+              </a:ext>
+            </a:extLst>
+          </p:cNvPr>
+          <p:cNvSpPr txBox="1"/>
+          <p:nvPr/>
+        </p:nvSpPr>
+        <p:spPr>
+          <a:xfrm>
+            <a:off x="9395199" y="1650405"/>
+            <a:ext cx="1810138" cy="646331"/>
+          </a:xfrm>
+          <a:prstGeom prst="rect">
+            <a:avLst/>
+          </a:prstGeom>
+          <a:noFill/>
+        </p:spPr>
+        <p:txBody>
+          <a:bodyPr wrap="square" rtlCol="0">
+            <a:spAutoFit/>
+          </a:bodyPr>
+          <a:lstStyle/>
+          <a:p>
+            <a:pPr algn="ctr"/>
+            <a:r>
+              <a:rPr lang="en-US" b="1" dirty="0"/>
+              <a:t>With SVM as final layer</a:t>
+            </a:r>
           </a:p>
         </p:txBody>
       </p:sp>
